--- a/CSCI-111/week-9/week-9-lecture/week-9-lecture.pptx
+++ b/CSCI-111/week-9/week-9-lecture/week-9-lecture.pptx
@@ -25,6 +25,10 @@
     <p:sldId id="270" r:id="rId20"/>
     <p:sldId id="271" r:id="rId21"/>
     <p:sldId id="272" r:id="rId22"/>
+    <p:sldId id="273" r:id="rId23"/>
+    <p:sldId id="274" r:id="rId24"/>
+    <p:sldId id="275" r:id="rId25"/>
+    <p:sldId id="276" r:id="rId26"/>
   </p:sldIdLst>
   <p:sldSz cy="5143500" cx="9144000"/>
   <p:notesSz cx="6858000" cy="9144000"/>
@@ -806,7 +810,7 @@
   <p:cSld>
     <p:spTree>
       <p:nvGrpSpPr>
-        <p:cNvPr id="108" name="Shape 108"/>
+        <p:cNvPr id="112" name="Shape 112"/>
         <p:cNvGrpSpPr/>
         <p:nvPr/>
       </p:nvGrpSpPr>
@@ -820,7 +824,7 @@
       </p:grpSpPr>
       <p:sp>
         <p:nvSpPr>
-          <p:cNvPr id="109" name="Google Shape;109;g308b83b05ff_0_26:notes"/>
+          <p:cNvPr id="113" name="Google Shape;113;g308b83b05ff_0_17:notes"/>
           <p:cNvSpPr/>
           <p:nvPr>
             <p:ph idx="2" type="sldImg"/>
@@ -855,7 +859,7 @@
       </p:sp>
       <p:sp>
         <p:nvSpPr>
-          <p:cNvPr id="110" name="Google Shape;110;g308b83b05ff_0_26:notes"/>
+          <p:cNvPr id="114" name="Google Shape;114;g308b83b05ff_0_17:notes"/>
           <p:cNvSpPr txBox="1"/>
           <p:nvPr>
             <p:ph idx="1" type="body"/>
@@ -905,7 +909,7 @@
   <p:cSld>
     <p:spTree>
       <p:nvGrpSpPr>
-        <p:cNvPr id="115" name="Shape 115"/>
+        <p:cNvPr id="119" name="Shape 119"/>
         <p:cNvGrpSpPr/>
         <p:nvPr/>
       </p:nvGrpSpPr>
@@ -919,7 +923,7 @@
       </p:grpSpPr>
       <p:sp>
         <p:nvSpPr>
-          <p:cNvPr id="116" name="Google Shape;116;g308b83b05ff_0_32:notes"/>
+          <p:cNvPr id="120" name="Google Shape;120;g2d3e9e281fa_0_56:notes"/>
           <p:cNvSpPr/>
           <p:nvPr>
             <p:ph idx="2" type="sldImg"/>
@@ -954,7 +958,7 @@
       </p:sp>
       <p:sp>
         <p:nvSpPr>
-          <p:cNvPr id="117" name="Google Shape;117;g308b83b05ff_0_32:notes"/>
+          <p:cNvPr id="121" name="Google Shape;121;g2d3e9e281fa_0_56:notes"/>
           <p:cNvSpPr txBox="1"/>
           <p:nvPr>
             <p:ph idx="1" type="body"/>
@@ -1004,7 +1008,7 @@
   <p:cSld>
     <p:spTree>
       <p:nvGrpSpPr>
-        <p:cNvPr id="122" name="Shape 122"/>
+        <p:cNvPr id="126" name="Shape 126"/>
         <p:cNvGrpSpPr/>
         <p:nvPr/>
       </p:nvGrpSpPr>
@@ -1018,7 +1022,7 @@
       </p:grpSpPr>
       <p:sp>
         <p:nvSpPr>
-          <p:cNvPr id="123" name="Google Shape;123;g308b83b05ff_0_103:notes"/>
+          <p:cNvPr id="127" name="Google Shape;127;g308b83b05ff_0_26:notes"/>
           <p:cNvSpPr/>
           <p:nvPr>
             <p:ph idx="2" type="sldImg"/>
@@ -1053,7 +1057,7 @@
       </p:sp>
       <p:sp>
         <p:nvSpPr>
-          <p:cNvPr id="124" name="Google Shape;124;g308b83b05ff_0_103:notes"/>
+          <p:cNvPr id="128" name="Google Shape;128;g308b83b05ff_0_26:notes"/>
           <p:cNvSpPr txBox="1"/>
           <p:nvPr>
             <p:ph idx="1" type="body"/>
@@ -1103,7 +1107,7 @@
   <p:cSld>
     <p:spTree>
       <p:nvGrpSpPr>
-        <p:cNvPr id="129" name="Shape 129"/>
+        <p:cNvPr id="134" name="Shape 134"/>
         <p:cNvGrpSpPr/>
         <p:nvPr/>
       </p:nvGrpSpPr>
@@ -1117,7 +1121,7 @@
       </p:grpSpPr>
       <p:sp>
         <p:nvSpPr>
-          <p:cNvPr id="130" name="Google Shape;130;g308b83b05ff_0_113:notes"/>
+          <p:cNvPr id="135" name="Google Shape;135;g308b83b05ff_0_32:notes"/>
           <p:cNvSpPr/>
           <p:nvPr>
             <p:ph idx="2" type="sldImg"/>
@@ -1152,7 +1156,7 @@
       </p:sp>
       <p:sp>
         <p:nvSpPr>
-          <p:cNvPr id="131" name="Google Shape;131;g308b83b05ff_0_113:notes"/>
+          <p:cNvPr id="136" name="Google Shape;136;g308b83b05ff_0_32:notes"/>
           <p:cNvSpPr txBox="1"/>
           <p:nvPr>
             <p:ph idx="1" type="body"/>
@@ -1202,7 +1206,7 @@
   <p:cSld>
     <p:spTree>
       <p:nvGrpSpPr>
-        <p:cNvPr id="137" name="Shape 137"/>
+        <p:cNvPr id="141" name="Shape 141"/>
         <p:cNvGrpSpPr/>
         <p:nvPr/>
       </p:nvGrpSpPr>
@@ -1216,7 +1220,7 @@
       </p:grpSpPr>
       <p:sp>
         <p:nvSpPr>
-          <p:cNvPr id="138" name="Google Shape;138;g308b83b05ff_0_39:notes"/>
+          <p:cNvPr id="142" name="Google Shape;142;g308b83b05ff_0_103:notes"/>
           <p:cNvSpPr/>
           <p:nvPr>
             <p:ph idx="2" type="sldImg"/>
@@ -1251,7 +1255,7 @@
       </p:sp>
       <p:sp>
         <p:nvSpPr>
-          <p:cNvPr id="139" name="Google Shape;139;g308b83b05ff_0_39:notes"/>
+          <p:cNvPr id="143" name="Google Shape;143;g308b83b05ff_0_103:notes"/>
           <p:cNvSpPr txBox="1"/>
           <p:nvPr>
             <p:ph idx="1" type="body"/>
@@ -1301,7 +1305,7 @@
   <p:cSld>
     <p:spTree>
       <p:nvGrpSpPr>
-        <p:cNvPr id="143" name="Shape 143"/>
+        <p:cNvPr id="148" name="Shape 148"/>
         <p:cNvGrpSpPr/>
         <p:nvPr/>
       </p:nvGrpSpPr>
@@ -1315,7 +1319,7 @@
       </p:grpSpPr>
       <p:sp>
         <p:nvSpPr>
-          <p:cNvPr id="144" name="Google Shape;144;g308b83b05ff_0_126:notes"/>
+          <p:cNvPr id="149" name="Google Shape;149;g308b83b05ff_0_113:notes"/>
           <p:cNvSpPr/>
           <p:nvPr>
             <p:ph idx="2" type="sldImg"/>
@@ -1350,7 +1354,7 @@
       </p:sp>
       <p:sp>
         <p:nvSpPr>
-          <p:cNvPr id="145" name="Google Shape;145;g308b83b05ff_0_126:notes"/>
+          <p:cNvPr id="150" name="Google Shape;150;g308b83b05ff_0_113:notes"/>
           <p:cNvSpPr txBox="1"/>
           <p:nvPr>
             <p:ph idx="1" type="body"/>
@@ -1400,7 +1404,7 @@
   <p:cSld>
     <p:spTree>
       <p:nvGrpSpPr>
-        <p:cNvPr id="150" name="Shape 150"/>
+        <p:cNvPr id="157" name="Shape 157"/>
         <p:cNvGrpSpPr/>
         <p:nvPr/>
       </p:nvGrpSpPr>
@@ -1414,7 +1418,7 @@
       </p:grpSpPr>
       <p:sp>
         <p:nvSpPr>
-          <p:cNvPr id="151" name="Google Shape;151;g308b83b05ff_0_136:notes"/>
+          <p:cNvPr id="158" name="Google Shape;158;g308b83b05ff_0_39:notes"/>
           <p:cNvSpPr/>
           <p:nvPr>
             <p:ph idx="2" type="sldImg"/>
@@ -1449,7 +1453,7 @@
       </p:sp>
       <p:sp>
         <p:nvSpPr>
-          <p:cNvPr id="152" name="Google Shape;152;g308b83b05ff_0_136:notes"/>
+          <p:cNvPr id="159" name="Google Shape;159;g308b83b05ff_0_39:notes"/>
           <p:cNvSpPr txBox="1"/>
           <p:nvPr>
             <p:ph idx="1" type="body"/>
@@ -1499,7 +1503,7 @@
   <p:cSld>
     <p:spTree>
       <p:nvGrpSpPr>
-        <p:cNvPr id="158" name="Shape 158"/>
+        <p:cNvPr id="163" name="Shape 163"/>
         <p:cNvGrpSpPr/>
         <p:nvPr/>
       </p:nvGrpSpPr>
@@ -1513,7 +1517,7 @@
       </p:grpSpPr>
       <p:sp>
         <p:nvSpPr>
-          <p:cNvPr id="159" name="Google Shape;159;g308b83b05ff_0_148:notes"/>
+          <p:cNvPr id="164" name="Google Shape;164;g308b83b05ff_0_126:notes"/>
           <p:cNvSpPr/>
           <p:nvPr>
             <p:ph idx="2" type="sldImg"/>
@@ -1548,7 +1552,205 @@
       </p:sp>
       <p:sp>
         <p:nvSpPr>
-          <p:cNvPr id="160" name="Google Shape;160;g308b83b05ff_0_148:notes"/>
+          <p:cNvPr id="165" name="Google Shape;165;g308b83b05ff_0_126:notes"/>
+          <p:cNvSpPr txBox="1"/>
+          <p:nvPr>
+            <p:ph idx="1" type="body"/>
+          </p:nvPr>
+        </p:nvSpPr>
+        <p:spPr>
+          <a:xfrm>
+            <a:off x="685800" y="4343400"/>
+            <a:ext cx="5486400" cy="4114800"/>
+          </a:xfrm>
+          <a:prstGeom prst="rect">
+            <a:avLst/>
+          </a:prstGeom>
+        </p:spPr>
+        <p:txBody>
+          <a:bodyPr anchorCtr="0" anchor="t" bIns="91425" lIns="91425" spcFirstLastPara="1" rIns="91425" wrap="square" tIns="91425">
+            <a:noAutofit/>
+          </a:bodyPr>
+          <a:lstStyle/>
+          <a:p>
+            <a:pPr indent="0" lvl="0" marL="0" rtl="0" algn="l">
+              <a:spcBef>
+                <a:spcPts val="0"/>
+              </a:spcBef>
+              <a:spcAft>
+                <a:spcPts val="0"/>
+              </a:spcAft>
+              <a:buNone/>
+            </a:pPr>
+            <a:r>
+              <a:t/>
+            </a:r>
+            <a:endParaRPr/>
+          </a:p>
+        </p:txBody>
+      </p:sp>
+    </p:spTree>
+  </p:cSld>
+  <p:clrMapOvr>
+    <a:masterClrMapping/>
+  </p:clrMapOvr>
+</p:notes>
+</file>
+
+<file path=ppt/notesSlides/notesSlide18.xml><?xml version="1.0" encoding="utf-8"?>
+<p:notes xmlns:a="http://schemas.openxmlformats.org/drawingml/2006/main" xmlns:r="http://schemas.openxmlformats.org/officeDocument/2006/relationships" xmlns:mc="http://schemas.openxmlformats.org/markup-compatibility/2006" xmlns:mv="urn:schemas-microsoft-com:mac:vml" xmlns:p="http://schemas.openxmlformats.org/presentationml/2006/main" xmlns:c="http://schemas.openxmlformats.org/drawingml/2006/chart" xmlns:dgm="http://schemas.openxmlformats.org/drawingml/2006/diagram" xmlns:o="urn:schemas-microsoft-com:office:office" xmlns:v="urn:schemas-microsoft-com:vml" xmlns:pvml="urn:schemas-microsoft-com:office:powerpoint" xmlns:com="http://schemas.openxmlformats.org/drawingml/2006/compatibility" xmlns:p14="http://schemas.microsoft.com/office/powerpoint/2010/main" xmlns:p15="http://schemas.microsoft.com/office/powerpoint/2012/main" xmlns:ahyp="http://schemas.microsoft.com/office/drawing/2018/hyperlinkcolor" showMasterPhAnim="0" showMasterSp="0">
+  <p:cSld>
+    <p:spTree>
+      <p:nvGrpSpPr>
+        <p:cNvPr id="171" name="Shape 171"/>
+        <p:cNvGrpSpPr/>
+        <p:nvPr/>
+      </p:nvGrpSpPr>
+      <p:grpSpPr>
+        <a:xfrm>
+          <a:off x="0" y="0"/>
+          <a:ext cx="0" cy="0"/>
+          <a:chOff x="0" y="0"/>
+          <a:chExt cx="0" cy="0"/>
+        </a:xfrm>
+      </p:grpSpPr>
+      <p:sp>
+        <p:nvSpPr>
+          <p:cNvPr id="172" name="Google Shape;172;g308b83b05ff_0_136:notes"/>
+          <p:cNvSpPr/>
+          <p:nvPr>
+            <p:ph idx="2" type="sldImg"/>
+          </p:nvPr>
+        </p:nvSpPr>
+        <p:spPr>
+          <a:xfrm>
+            <a:off x="381300" y="685800"/>
+            <a:ext cx="6096000" cy="3429000"/>
+          </a:xfrm>
+          <a:custGeom>
+            <a:rect b="b" l="l" r="r" t="t"/>
+            <a:pathLst>
+              <a:path extrusionOk="0" h="120000" w="120000">
+                <a:moveTo>
+                  <a:pt x="0" y="0"/>
+                </a:moveTo>
+                <a:lnTo>
+                  <a:pt x="120000" y="0"/>
+                </a:lnTo>
+                <a:lnTo>
+                  <a:pt x="120000" y="120000"/>
+                </a:lnTo>
+                <a:lnTo>
+                  <a:pt x="0" y="120000"/>
+                </a:lnTo>
+                <a:close/>
+              </a:path>
+            </a:pathLst>
+          </a:custGeom>
+        </p:spPr>
+      </p:sp>
+      <p:sp>
+        <p:nvSpPr>
+          <p:cNvPr id="173" name="Google Shape;173;g308b83b05ff_0_136:notes"/>
+          <p:cNvSpPr txBox="1"/>
+          <p:nvPr>
+            <p:ph idx="1" type="body"/>
+          </p:nvPr>
+        </p:nvSpPr>
+        <p:spPr>
+          <a:xfrm>
+            <a:off x="685800" y="4343400"/>
+            <a:ext cx="5486400" cy="4114800"/>
+          </a:xfrm>
+          <a:prstGeom prst="rect">
+            <a:avLst/>
+          </a:prstGeom>
+        </p:spPr>
+        <p:txBody>
+          <a:bodyPr anchorCtr="0" anchor="t" bIns="91425" lIns="91425" spcFirstLastPara="1" rIns="91425" wrap="square" tIns="91425">
+            <a:noAutofit/>
+          </a:bodyPr>
+          <a:lstStyle/>
+          <a:p>
+            <a:pPr indent="0" lvl="0" marL="0" rtl="0" algn="l">
+              <a:spcBef>
+                <a:spcPts val="0"/>
+              </a:spcBef>
+              <a:spcAft>
+                <a:spcPts val="0"/>
+              </a:spcAft>
+              <a:buNone/>
+            </a:pPr>
+            <a:r>
+              <a:t/>
+            </a:r>
+            <a:endParaRPr/>
+          </a:p>
+        </p:txBody>
+      </p:sp>
+    </p:spTree>
+  </p:cSld>
+  <p:clrMapOvr>
+    <a:masterClrMapping/>
+  </p:clrMapOvr>
+</p:notes>
+</file>
+
+<file path=ppt/notesSlides/notesSlide19.xml><?xml version="1.0" encoding="utf-8"?>
+<p:notes xmlns:a="http://schemas.openxmlformats.org/drawingml/2006/main" xmlns:r="http://schemas.openxmlformats.org/officeDocument/2006/relationships" xmlns:mc="http://schemas.openxmlformats.org/markup-compatibility/2006" xmlns:mv="urn:schemas-microsoft-com:mac:vml" xmlns:p="http://schemas.openxmlformats.org/presentationml/2006/main" xmlns:c="http://schemas.openxmlformats.org/drawingml/2006/chart" xmlns:dgm="http://schemas.openxmlformats.org/drawingml/2006/diagram" xmlns:o="urn:schemas-microsoft-com:office:office" xmlns:v="urn:schemas-microsoft-com:vml" xmlns:pvml="urn:schemas-microsoft-com:office:powerpoint" xmlns:com="http://schemas.openxmlformats.org/drawingml/2006/compatibility" xmlns:p14="http://schemas.microsoft.com/office/powerpoint/2010/main" xmlns:p15="http://schemas.microsoft.com/office/powerpoint/2012/main" xmlns:ahyp="http://schemas.microsoft.com/office/drawing/2018/hyperlinkcolor" showMasterPhAnim="0" showMasterSp="0">
+  <p:cSld>
+    <p:spTree>
+      <p:nvGrpSpPr>
+        <p:cNvPr id="180" name="Shape 180"/>
+        <p:cNvGrpSpPr/>
+        <p:nvPr/>
+      </p:nvGrpSpPr>
+      <p:grpSpPr>
+        <a:xfrm>
+          <a:off x="0" y="0"/>
+          <a:ext cx="0" cy="0"/>
+          <a:chOff x="0" y="0"/>
+          <a:chExt cx="0" cy="0"/>
+        </a:xfrm>
+      </p:grpSpPr>
+      <p:sp>
+        <p:nvSpPr>
+          <p:cNvPr id="181" name="Google Shape;181;g38bda802ac3_0_31:notes"/>
+          <p:cNvSpPr/>
+          <p:nvPr>
+            <p:ph idx="2" type="sldImg"/>
+          </p:nvPr>
+        </p:nvSpPr>
+        <p:spPr>
+          <a:xfrm>
+            <a:off x="381300" y="685800"/>
+            <a:ext cx="6096000" cy="3429000"/>
+          </a:xfrm>
+          <a:custGeom>
+            <a:rect b="b" l="l" r="r" t="t"/>
+            <a:pathLst>
+              <a:path extrusionOk="0" h="120000" w="120000">
+                <a:moveTo>
+                  <a:pt x="0" y="0"/>
+                </a:moveTo>
+                <a:lnTo>
+                  <a:pt x="120000" y="0"/>
+                </a:lnTo>
+                <a:lnTo>
+                  <a:pt x="120000" y="120000"/>
+                </a:lnTo>
+                <a:lnTo>
+                  <a:pt x="0" y="120000"/>
+                </a:lnTo>
+                <a:close/>
+              </a:path>
+            </a:pathLst>
+          </a:custGeom>
+        </p:spPr>
+      </p:sp>
+      <p:sp>
+        <p:nvSpPr>
+          <p:cNvPr id="182" name="Google Shape;182;g38bda802ac3_0_31:notes"/>
           <p:cNvSpPr txBox="1"/>
           <p:nvPr>
             <p:ph idx="1" type="body"/>
@@ -1692,6 +1894,204 @@
 </p:notes>
 </file>
 
+<file path=ppt/notesSlides/notesSlide20.xml><?xml version="1.0" encoding="utf-8"?>
+<p:notes xmlns:a="http://schemas.openxmlformats.org/drawingml/2006/main" xmlns:r="http://schemas.openxmlformats.org/officeDocument/2006/relationships" xmlns:mc="http://schemas.openxmlformats.org/markup-compatibility/2006" xmlns:mv="urn:schemas-microsoft-com:mac:vml" xmlns:p="http://schemas.openxmlformats.org/presentationml/2006/main" xmlns:c="http://schemas.openxmlformats.org/drawingml/2006/chart" xmlns:dgm="http://schemas.openxmlformats.org/drawingml/2006/diagram" xmlns:o="urn:schemas-microsoft-com:office:office" xmlns:v="urn:schemas-microsoft-com:vml" xmlns:pvml="urn:schemas-microsoft-com:office:powerpoint" xmlns:com="http://schemas.openxmlformats.org/drawingml/2006/compatibility" xmlns:p14="http://schemas.microsoft.com/office/powerpoint/2010/main" xmlns:p15="http://schemas.microsoft.com/office/powerpoint/2012/main" xmlns:ahyp="http://schemas.microsoft.com/office/drawing/2018/hyperlinkcolor" showMasterPhAnim="0" showMasterSp="0">
+  <p:cSld>
+    <p:spTree>
+      <p:nvGrpSpPr>
+        <p:cNvPr id="190" name="Shape 190"/>
+        <p:cNvGrpSpPr/>
+        <p:nvPr/>
+      </p:nvGrpSpPr>
+      <p:grpSpPr>
+        <a:xfrm>
+          <a:off x="0" y="0"/>
+          <a:ext cx="0" cy="0"/>
+          <a:chOff x="0" y="0"/>
+          <a:chExt cx="0" cy="0"/>
+        </a:xfrm>
+      </p:grpSpPr>
+      <p:sp>
+        <p:nvSpPr>
+          <p:cNvPr id="191" name="Google Shape;191;g38bda802ac3_0_45:notes"/>
+          <p:cNvSpPr/>
+          <p:nvPr>
+            <p:ph idx="2" type="sldImg"/>
+          </p:nvPr>
+        </p:nvSpPr>
+        <p:spPr>
+          <a:xfrm>
+            <a:off x="381300" y="685800"/>
+            <a:ext cx="6096000" cy="3429000"/>
+          </a:xfrm>
+          <a:custGeom>
+            <a:rect b="b" l="l" r="r" t="t"/>
+            <a:pathLst>
+              <a:path extrusionOk="0" h="120000" w="120000">
+                <a:moveTo>
+                  <a:pt x="0" y="0"/>
+                </a:moveTo>
+                <a:lnTo>
+                  <a:pt x="120000" y="0"/>
+                </a:lnTo>
+                <a:lnTo>
+                  <a:pt x="120000" y="120000"/>
+                </a:lnTo>
+                <a:lnTo>
+                  <a:pt x="0" y="120000"/>
+                </a:lnTo>
+                <a:close/>
+              </a:path>
+            </a:pathLst>
+          </a:custGeom>
+        </p:spPr>
+      </p:sp>
+      <p:sp>
+        <p:nvSpPr>
+          <p:cNvPr id="192" name="Google Shape;192;g38bda802ac3_0_45:notes"/>
+          <p:cNvSpPr txBox="1"/>
+          <p:nvPr>
+            <p:ph idx="1" type="body"/>
+          </p:nvPr>
+        </p:nvSpPr>
+        <p:spPr>
+          <a:xfrm>
+            <a:off x="685800" y="4343400"/>
+            <a:ext cx="5486400" cy="4114800"/>
+          </a:xfrm>
+          <a:prstGeom prst="rect">
+            <a:avLst/>
+          </a:prstGeom>
+        </p:spPr>
+        <p:txBody>
+          <a:bodyPr anchorCtr="0" anchor="t" bIns="91425" lIns="91425" spcFirstLastPara="1" rIns="91425" wrap="square" tIns="91425">
+            <a:noAutofit/>
+          </a:bodyPr>
+          <a:lstStyle/>
+          <a:p>
+            <a:pPr indent="0" lvl="0" marL="0" rtl="0" algn="l">
+              <a:spcBef>
+                <a:spcPts val="0"/>
+              </a:spcBef>
+              <a:spcAft>
+                <a:spcPts val="0"/>
+              </a:spcAft>
+              <a:buNone/>
+            </a:pPr>
+            <a:r>
+              <a:t/>
+            </a:r>
+            <a:endParaRPr/>
+          </a:p>
+        </p:txBody>
+      </p:sp>
+    </p:spTree>
+  </p:cSld>
+  <p:clrMapOvr>
+    <a:masterClrMapping/>
+  </p:clrMapOvr>
+</p:notes>
+</file>
+
+<file path=ppt/notesSlides/notesSlide21.xml><?xml version="1.0" encoding="utf-8"?>
+<p:notes xmlns:a="http://schemas.openxmlformats.org/drawingml/2006/main" xmlns:r="http://schemas.openxmlformats.org/officeDocument/2006/relationships" xmlns:mc="http://schemas.openxmlformats.org/markup-compatibility/2006" xmlns:mv="urn:schemas-microsoft-com:mac:vml" xmlns:p="http://schemas.openxmlformats.org/presentationml/2006/main" xmlns:c="http://schemas.openxmlformats.org/drawingml/2006/chart" xmlns:dgm="http://schemas.openxmlformats.org/drawingml/2006/diagram" xmlns:o="urn:schemas-microsoft-com:office:office" xmlns:v="urn:schemas-microsoft-com:vml" xmlns:pvml="urn:schemas-microsoft-com:office:powerpoint" xmlns:com="http://schemas.openxmlformats.org/drawingml/2006/compatibility" xmlns:p14="http://schemas.microsoft.com/office/powerpoint/2010/main" xmlns:p15="http://schemas.microsoft.com/office/powerpoint/2012/main" xmlns:ahyp="http://schemas.microsoft.com/office/drawing/2018/hyperlinkcolor" showMasterPhAnim="0" showMasterSp="0">
+  <p:cSld>
+    <p:spTree>
+      <p:nvGrpSpPr>
+        <p:cNvPr id="198" name="Shape 198"/>
+        <p:cNvGrpSpPr/>
+        <p:nvPr/>
+      </p:nvGrpSpPr>
+      <p:grpSpPr>
+        <a:xfrm>
+          <a:off x="0" y="0"/>
+          <a:ext cx="0" cy="0"/>
+          <a:chOff x="0" y="0"/>
+          <a:chExt cx="0" cy="0"/>
+        </a:xfrm>
+      </p:grpSpPr>
+      <p:sp>
+        <p:nvSpPr>
+          <p:cNvPr id="199" name="Google Shape;199;g308b83b05ff_0_148:notes"/>
+          <p:cNvSpPr/>
+          <p:nvPr>
+            <p:ph idx="2" type="sldImg"/>
+          </p:nvPr>
+        </p:nvSpPr>
+        <p:spPr>
+          <a:xfrm>
+            <a:off x="381300" y="685800"/>
+            <a:ext cx="6096000" cy="3429000"/>
+          </a:xfrm>
+          <a:custGeom>
+            <a:rect b="b" l="l" r="r" t="t"/>
+            <a:pathLst>
+              <a:path extrusionOk="0" h="120000" w="120000">
+                <a:moveTo>
+                  <a:pt x="0" y="0"/>
+                </a:moveTo>
+                <a:lnTo>
+                  <a:pt x="120000" y="0"/>
+                </a:lnTo>
+                <a:lnTo>
+                  <a:pt x="120000" y="120000"/>
+                </a:lnTo>
+                <a:lnTo>
+                  <a:pt x="0" y="120000"/>
+                </a:lnTo>
+                <a:close/>
+              </a:path>
+            </a:pathLst>
+          </a:custGeom>
+        </p:spPr>
+      </p:sp>
+      <p:sp>
+        <p:nvSpPr>
+          <p:cNvPr id="200" name="Google Shape;200;g308b83b05ff_0_148:notes"/>
+          <p:cNvSpPr txBox="1"/>
+          <p:nvPr>
+            <p:ph idx="1" type="body"/>
+          </p:nvPr>
+        </p:nvSpPr>
+        <p:spPr>
+          <a:xfrm>
+            <a:off x="685800" y="4343400"/>
+            <a:ext cx="5486400" cy="4114800"/>
+          </a:xfrm>
+          <a:prstGeom prst="rect">
+            <a:avLst/>
+          </a:prstGeom>
+        </p:spPr>
+        <p:txBody>
+          <a:bodyPr anchorCtr="0" anchor="t" bIns="91425" lIns="91425" spcFirstLastPara="1" rIns="91425" wrap="square" tIns="91425">
+            <a:noAutofit/>
+          </a:bodyPr>
+          <a:lstStyle/>
+          <a:p>
+            <a:pPr indent="0" lvl="0" marL="0" rtl="0" algn="l">
+              <a:spcBef>
+                <a:spcPts val="0"/>
+              </a:spcBef>
+              <a:spcAft>
+                <a:spcPts val="0"/>
+              </a:spcAft>
+              <a:buNone/>
+            </a:pPr>
+            <a:r>
+              <a:t/>
+            </a:r>
+            <a:endParaRPr/>
+          </a:p>
+        </p:txBody>
+      </p:sp>
+    </p:spTree>
+  </p:cSld>
+  <p:clrMapOvr>
+    <a:masterClrMapping/>
+  </p:clrMapOvr>
+</p:notes>
+</file>
+
 <file path=ppt/notesSlides/notesSlide3.xml><?xml version="1.0" encoding="utf-8"?>
 <p:notes xmlns:a="http://schemas.openxmlformats.org/drawingml/2006/main" xmlns:r="http://schemas.openxmlformats.org/officeDocument/2006/relationships" xmlns:mc="http://schemas.openxmlformats.org/markup-compatibility/2006" xmlns:mv="urn:schemas-microsoft-com:mac:vml" xmlns:p="http://schemas.openxmlformats.org/presentationml/2006/main" xmlns:c="http://schemas.openxmlformats.org/drawingml/2006/chart" xmlns:dgm="http://schemas.openxmlformats.org/drawingml/2006/diagram" xmlns:o="urn:schemas-microsoft-com:office:office" xmlns:v="urn:schemas-microsoft-com:vml" xmlns:pvml="urn:schemas-microsoft-com:office:powerpoint" xmlns:com="http://schemas.openxmlformats.org/drawingml/2006/compatibility" xmlns:p14="http://schemas.microsoft.com/office/powerpoint/2010/main" xmlns:p15="http://schemas.microsoft.com/office/powerpoint/2012/main" xmlns:ahyp="http://schemas.microsoft.com/office/drawing/2018/hyperlinkcolor" showMasterPhAnim="0" showMasterSp="0">
   <p:cSld>
@@ -1796,7 +2196,7 @@
   <p:cSld>
     <p:spTree>
       <p:nvGrpSpPr>
-        <p:cNvPr id="70" name="Shape 70"/>
+        <p:cNvPr id="68" name="Shape 68"/>
         <p:cNvGrpSpPr/>
         <p:nvPr/>
       </p:nvGrpSpPr>
@@ -1810,7 +2210,7 @@
       </p:grpSpPr>
       <p:sp>
         <p:nvSpPr>
-          <p:cNvPr id="71" name="Google Shape;71;g308b83b05ff_0_2:notes"/>
+          <p:cNvPr id="69" name="Google Shape;69;g38bda802ac3_0_0:notes"/>
           <p:cNvSpPr/>
           <p:nvPr>
             <p:ph idx="2" type="sldImg"/>
@@ -1845,7 +2245,7 @@
       </p:sp>
       <p:sp>
         <p:nvSpPr>
-          <p:cNvPr id="72" name="Google Shape;72;g308b83b05ff_0_2:notes"/>
+          <p:cNvPr id="70" name="Google Shape;70;g38bda802ac3_0_0:notes"/>
           <p:cNvSpPr txBox="1"/>
           <p:nvPr>
             <p:ph idx="1" type="body"/>
@@ -1909,7 +2309,7 @@
       </p:grpSpPr>
       <p:sp>
         <p:nvSpPr>
-          <p:cNvPr id="77" name="Google Shape;77;g2d3e9e281fa_0_61:notes"/>
+          <p:cNvPr id="77" name="Google Shape;77;g38bda802ac3_0_7:notes"/>
           <p:cNvSpPr/>
           <p:nvPr>
             <p:ph idx="2" type="sldImg"/>
@@ -1944,7 +2344,7 @@
       </p:sp>
       <p:sp>
         <p:nvSpPr>
-          <p:cNvPr id="78" name="Google Shape;78;g2d3e9e281fa_0_61:notes"/>
+          <p:cNvPr id="78" name="Google Shape;78;g38bda802ac3_0_7:notes"/>
           <p:cNvSpPr txBox="1"/>
           <p:nvPr>
             <p:ph idx="1" type="body"/>
@@ -1994,7 +2394,7 @@
   <p:cSld>
     <p:spTree>
       <p:nvGrpSpPr>
-        <p:cNvPr id="82" name="Shape 82"/>
+        <p:cNvPr id="84" name="Shape 84"/>
         <p:cNvGrpSpPr/>
         <p:nvPr/>
       </p:nvGrpSpPr>
@@ -2008,7 +2408,7 @@
       </p:grpSpPr>
       <p:sp>
         <p:nvSpPr>
-          <p:cNvPr id="83" name="Google Shape;83;g308b83b05ff_0_7:notes"/>
+          <p:cNvPr id="85" name="Google Shape;85;g308b83b05ff_0_2:notes"/>
           <p:cNvSpPr/>
           <p:nvPr>
             <p:ph idx="2" type="sldImg"/>
@@ -2043,7 +2443,7 @@
       </p:sp>
       <p:sp>
         <p:nvSpPr>
-          <p:cNvPr id="84" name="Google Shape;84;g308b83b05ff_0_7:notes"/>
+          <p:cNvPr id="86" name="Google Shape;86;g308b83b05ff_0_2:notes"/>
           <p:cNvSpPr txBox="1"/>
           <p:nvPr>
             <p:ph idx="1" type="body"/>
@@ -2093,7 +2493,7 @@
   <p:cSld>
     <p:spTree>
       <p:nvGrpSpPr>
-        <p:cNvPr id="89" name="Shape 89"/>
+        <p:cNvPr id="90" name="Shape 90"/>
         <p:cNvGrpSpPr/>
         <p:nvPr/>
       </p:nvGrpSpPr>
@@ -2107,7 +2507,7 @@
       </p:grpSpPr>
       <p:sp>
         <p:nvSpPr>
-          <p:cNvPr id="90" name="Google Shape;90;g308b83b05ff_0_12:notes"/>
+          <p:cNvPr id="91" name="Google Shape;91;g2d3e9e281fa_0_61:notes"/>
           <p:cNvSpPr/>
           <p:nvPr>
             <p:ph idx="2" type="sldImg"/>
@@ -2142,7 +2542,7 @@
       </p:sp>
       <p:sp>
         <p:nvSpPr>
-          <p:cNvPr id="91" name="Google Shape;91;g308b83b05ff_0_12:notes"/>
+          <p:cNvPr id="92" name="Google Shape;92;g2d3e9e281fa_0_61:notes"/>
           <p:cNvSpPr txBox="1"/>
           <p:nvPr>
             <p:ph idx="1" type="body"/>
@@ -2192,7 +2592,7 @@
   <p:cSld>
     <p:spTree>
       <p:nvGrpSpPr>
-        <p:cNvPr id="96" name="Shape 96"/>
+        <p:cNvPr id="97" name="Shape 97"/>
         <p:cNvGrpSpPr/>
         <p:nvPr/>
       </p:nvGrpSpPr>
@@ -2206,7 +2606,7 @@
       </p:grpSpPr>
       <p:sp>
         <p:nvSpPr>
-          <p:cNvPr id="97" name="Google Shape;97;g308b83b05ff_0_17:notes"/>
+          <p:cNvPr id="98" name="Google Shape;98;g308b83b05ff_0_7:notes"/>
           <p:cNvSpPr/>
           <p:nvPr>
             <p:ph idx="2" type="sldImg"/>
@@ -2241,7 +2641,7 @@
       </p:sp>
       <p:sp>
         <p:nvSpPr>
-          <p:cNvPr id="98" name="Google Shape;98;g308b83b05ff_0_17:notes"/>
+          <p:cNvPr id="99" name="Google Shape;99;g308b83b05ff_0_7:notes"/>
           <p:cNvSpPr txBox="1"/>
           <p:nvPr>
             <p:ph idx="1" type="body"/>
@@ -2291,7 +2691,7 @@
   <p:cSld>
     <p:spTree>
       <p:nvGrpSpPr>
-        <p:cNvPr id="102" name="Shape 102"/>
+        <p:cNvPr id="105" name="Shape 105"/>
         <p:cNvGrpSpPr/>
         <p:nvPr/>
       </p:nvGrpSpPr>
@@ -2305,7 +2705,7 @@
       </p:grpSpPr>
       <p:sp>
         <p:nvSpPr>
-          <p:cNvPr id="103" name="Google Shape;103;g2d3e9e281fa_0_56:notes"/>
+          <p:cNvPr id="106" name="Google Shape;106;g308b83b05ff_0_12:notes"/>
           <p:cNvSpPr/>
           <p:nvPr>
             <p:ph idx="2" type="sldImg"/>
@@ -2340,7 +2740,7 @@
       </p:sp>
       <p:sp>
         <p:nvSpPr>
-          <p:cNvPr id="104" name="Google Shape;104;g2d3e9e281fa_0_56:notes"/>
+          <p:cNvPr id="107" name="Google Shape;107;g308b83b05ff_0_12:notes"/>
           <p:cNvSpPr txBox="1"/>
           <p:nvPr>
             <p:ph idx="1" type="body"/>
@@ -7350,7 +7750,7 @@
                 <a:cs typeface="Courier New"/>
                 <a:sym typeface="Courier New"/>
               </a:rPr>
-              <a:t>        const instructors = ["Dr. Talgat Manglayev", "Dr. Irina Dolzhikova", "MSc. Marat Isteleyev"]</a:t>
+              <a:t>        const instructors = ["Talgat Manglayev", "Irina Dolzhikova", "Syed Muhammad Umair Arif"]</a:t>
             </a:r>
             <a:endParaRPr sz="1400">
               <a:latin typeface="Courier New"/>
@@ -7654,7 +8054,7 @@
   <p:cSld>
     <p:spTree>
       <p:nvGrpSpPr>
-        <p:cNvPr id="111" name="Shape 111"/>
+        <p:cNvPr id="115" name="Shape 115"/>
         <p:cNvGrpSpPr/>
         <p:nvPr/>
       </p:nvGrpSpPr>
@@ -7668,7 +8068,7 @@
       </p:grpSpPr>
       <p:sp>
         <p:nvSpPr>
-          <p:cNvPr id="112" name="Google Shape;112;p22"/>
+          <p:cNvPr id="116" name="Google Shape;116;p22"/>
           <p:cNvSpPr txBox="1"/>
           <p:nvPr>
             <p:ph type="title"/>
@@ -7705,7 +8105,16 @@
                 <a:cs typeface="Times New Roman"/>
                 <a:sym typeface="Times New Roman"/>
               </a:rPr>
-              <a:t>While Loop</a:t>
+              <a:t>Nested </a:t>
+            </a:r>
+            <a:r>
+              <a:rPr lang="en" sz="3000">
+                <a:latin typeface="Times New Roman"/>
+                <a:ea typeface="Times New Roman"/>
+                <a:cs typeface="Times New Roman"/>
+                <a:sym typeface="Times New Roman"/>
+              </a:rPr>
+              <a:t>For Loop</a:t>
             </a:r>
             <a:endParaRPr sz="3000">
               <a:latin typeface="Times New Roman"/>
@@ -7718,7 +8127,967 @@
       </p:sp>
       <p:sp>
         <p:nvSpPr>
-          <p:cNvPr id="113" name="Google Shape;113;p22"/>
+          <p:cNvPr id="117" name="Google Shape;117;p22"/>
+          <p:cNvSpPr txBox="1"/>
+          <p:nvPr>
+            <p:ph idx="1" type="body"/>
+          </p:nvPr>
+        </p:nvSpPr>
+        <p:spPr>
+          <a:xfrm>
+            <a:off x="0" y="572700"/>
+            <a:ext cx="9144000" cy="4570800"/>
+          </a:xfrm>
+          <a:prstGeom prst="rect">
+            <a:avLst/>
+          </a:prstGeom>
+        </p:spPr>
+        <p:txBody>
+          <a:bodyPr anchorCtr="0" anchor="t" bIns="91425" lIns="91425" spcFirstLastPara="1" rIns="91425" wrap="square" tIns="91425">
+            <a:normAutofit/>
+          </a:bodyPr>
+          <a:lstStyle/>
+          <a:p>
+            <a:pPr indent="0" lvl="0" marL="91440" rtl="0" algn="l">
+              <a:lnSpc>
+                <a:spcPct val="150000"/>
+              </a:lnSpc>
+              <a:spcBef>
+                <a:spcPts val="0"/>
+              </a:spcBef>
+              <a:spcAft>
+                <a:spcPts val="0"/>
+              </a:spcAft>
+              <a:buNone/>
+            </a:pPr>
+            <a:r>
+              <a:rPr lang="en" sz="2400">
+                <a:solidFill>
+                  <a:schemeClr val="dk1"/>
+                </a:solidFill>
+                <a:latin typeface="Courier New"/>
+                <a:ea typeface="Courier New"/>
+                <a:cs typeface="Courier New"/>
+                <a:sym typeface="Courier New"/>
+              </a:rPr>
+              <a:t>for (let i = 0; i &lt; 5; i++)</a:t>
+            </a:r>
+            <a:endParaRPr sz="2400">
+              <a:solidFill>
+                <a:schemeClr val="dk1"/>
+              </a:solidFill>
+              <a:latin typeface="Courier New"/>
+              <a:ea typeface="Courier New"/>
+              <a:cs typeface="Courier New"/>
+              <a:sym typeface="Courier New"/>
+            </a:endParaRPr>
+          </a:p>
+          <a:p>
+            <a:pPr indent="0" lvl="0" marL="91440" rtl="0" algn="l">
+              <a:lnSpc>
+                <a:spcPct val="150000"/>
+              </a:lnSpc>
+              <a:spcBef>
+                <a:spcPts val="0"/>
+              </a:spcBef>
+              <a:spcAft>
+                <a:spcPts val="0"/>
+              </a:spcAft>
+              <a:buClr>
+                <a:srgbClr val="000000"/>
+              </a:buClr>
+              <a:buFont typeface="Arial"/>
+              <a:buNone/>
+            </a:pPr>
+            <a:r>
+              <a:rPr lang="en" sz="2400">
+                <a:solidFill>
+                  <a:schemeClr val="dk1"/>
+                </a:solidFill>
+                <a:latin typeface="Courier New"/>
+                <a:ea typeface="Courier New"/>
+                <a:cs typeface="Courier New"/>
+                <a:sym typeface="Courier New"/>
+              </a:rPr>
+              <a:t>{</a:t>
+            </a:r>
+            <a:endParaRPr sz="2400">
+              <a:solidFill>
+                <a:schemeClr val="dk1"/>
+              </a:solidFill>
+              <a:latin typeface="Courier New"/>
+              <a:ea typeface="Courier New"/>
+              <a:cs typeface="Courier New"/>
+              <a:sym typeface="Courier New"/>
+            </a:endParaRPr>
+          </a:p>
+          <a:p>
+            <a:pPr indent="0" lvl="2" marL="91440" rtl="0" algn="l">
+              <a:lnSpc>
+                <a:spcPct val="150000"/>
+              </a:lnSpc>
+              <a:spcBef>
+                <a:spcPts val="0"/>
+              </a:spcBef>
+              <a:spcAft>
+                <a:spcPts val="0"/>
+              </a:spcAft>
+              <a:buNone/>
+            </a:pPr>
+            <a:r>
+              <a:rPr lang="en" sz="2400">
+                <a:solidFill>
+                  <a:schemeClr val="dk1"/>
+                </a:solidFill>
+                <a:latin typeface="Courier New"/>
+                <a:ea typeface="Courier New"/>
+                <a:cs typeface="Courier New"/>
+                <a:sym typeface="Courier New"/>
+              </a:rPr>
+              <a:t>	for (let j = 0; j &lt; 10; j++)</a:t>
+            </a:r>
+            <a:endParaRPr sz="2400">
+              <a:solidFill>
+                <a:schemeClr val="dk1"/>
+              </a:solidFill>
+              <a:latin typeface="Courier New"/>
+              <a:ea typeface="Courier New"/>
+              <a:cs typeface="Courier New"/>
+              <a:sym typeface="Courier New"/>
+            </a:endParaRPr>
+          </a:p>
+          <a:p>
+            <a:pPr indent="365760" lvl="2" marL="91440" rtl="0" algn="l">
+              <a:lnSpc>
+                <a:spcPct val="150000"/>
+              </a:lnSpc>
+              <a:spcBef>
+                <a:spcPts val="0"/>
+              </a:spcBef>
+              <a:spcAft>
+                <a:spcPts val="0"/>
+              </a:spcAft>
+              <a:buClr>
+                <a:srgbClr val="000000"/>
+              </a:buClr>
+              <a:buFont typeface="Arial"/>
+              <a:buNone/>
+            </a:pPr>
+            <a:r>
+              <a:rPr lang="en" sz="2400">
+                <a:solidFill>
+                  <a:schemeClr val="dk1"/>
+                </a:solidFill>
+                <a:latin typeface="Courier New"/>
+                <a:ea typeface="Courier New"/>
+                <a:cs typeface="Courier New"/>
+                <a:sym typeface="Courier New"/>
+              </a:rPr>
+              <a:t>{</a:t>
+            </a:r>
+            <a:endParaRPr sz="2400">
+              <a:solidFill>
+                <a:schemeClr val="dk1"/>
+              </a:solidFill>
+              <a:latin typeface="Courier New"/>
+              <a:ea typeface="Courier New"/>
+              <a:cs typeface="Courier New"/>
+              <a:sym typeface="Courier New"/>
+            </a:endParaRPr>
+          </a:p>
+          <a:p>
+            <a:pPr indent="0" lvl="2" marL="91440" rtl="0" algn="l">
+              <a:lnSpc>
+                <a:spcPct val="150000"/>
+              </a:lnSpc>
+              <a:spcBef>
+                <a:spcPts val="0"/>
+              </a:spcBef>
+              <a:spcAft>
+                <a:spcPts val="0"/>
+              </a:spcAft>
+              <a:buClr>
+                <a:srgbClr val="000000"/>
+              </a:buClr>
+              <a:buFont typeface="Arial"/>
+              <a:buNone/>
+            </a:pPr>
+            <a:r>
+              <a:rPr lang="en" sz="2400">
+                <a:solidFill>
+                  <a:schemeClr val="dk1"/>
+                </a:solidFill>
+                <a:latin typeface="Courier New"/>
+                <a:ea typeface="Courier New"/>
+                <a:cs typeface="Courier New"/>
+                <a:sym typeface="Courier New"/>
+              </a:rPr>
+              <a:t>		console.log("Hello, World!")</a:t>
+            </a:r>
+            <a:endParaRPr sz="2400">
+              <a:solidFill>
+                <a:schemeClr val="dk1"/>
+              </a:solidFill>
+              <a:latin typeface="Courier New"/>
+              <a:ea typeface="Courier New"/>
+              <a:cs typeface="Courier New"/>
+              <a:sym typeface="Courier New"/>
+            </a:endParaRPr>
+          </a:p>
+          <a:p>
+            <a:pPr indent="0" lvl="2" marL="91440" rtl="0" algn="l">
+              <a:lnSpc>
+                <a:spcPct val="150000"/>
+              </a:lnSpc>
+              <a:spcBef>
+                <a:spcPts val="0"/>
+              </a:spcBef>
+              <a:spcAft>
+                <a:spcPts val="0"/>
+              </a:spcAft>
+              <a:buClr>
+                <a:srgbClr val="000000"/>
+              </a:buClr>
+              <a:buFont typeface="Arial"/>
+              <a:buNone/>
+            </a:pPr>
+            <a:r>
+              <a:rPr lang="en" sz="2400">
+                <a:solidFill>
+                  <a:schemeClr val="dk1"/>
+                </a:solidFill>
+                <a:latin typeface="Courier New"/>
+                <a:ea typeface="Courier New"/>
+                <a:cs typeface="Courier New"/>
+                <a:sym typeface="Courier New"/>
+              </a:rPr>
+              <a:t>	}</a:t>
+            </a:r>
+            <a:endParaRPr sz="2400">
+              <a:solidFill>
+                <a:schemeClr val="dk1"/>
+              </a:solidFill>
+              <a:latin typeface="Courier New"/>
+              <a:ea typeface="Courier New"/>
+              <a:cs typeface="Courier New"/>
+              <a:sym typeface="Courier New"/>
+            </a:endParaRPr>
+          </a:p>
+          <a:p>
+            <a:pPr indent="0" lvl="0" marL="91440" rtl="0" algn="l">
+              <a:lnSpc>
+                <a:spcPct val="150000"/>
+              </a:lnSpc>
+              <a:spcBef>
+                <a:spcPts val="0"/>
+              </a:spcBef>
+              <a:spcAft>
+                <a:spcPts val="0"/>
+              </a:spcAft>
+              <a:buNone/>
+            </a:pPr>
+            <a:r>
+              <a:rPr lang="en" sz="2400">
+                <a:solidFill>
+                  <a:schemeClr val="dk1"/>
+                </a:solidFill>
+                <a:latin typeface="Courier New"/>
+                <a:ea typeface="Courier New"/>
+                <a:cs typeface="Courier New"/>
+                <a:sym typeface="Courier New"/>
+              </a:rPr>
+              <a:t>}</a:t>
+            </a:r>
+            <a:endParaRPr sz="2400">
+              <a:solidFill>
+                <a:schemeClr val="dk1"/>
+              </a:solidFill>
+              <a:latin typeface="Courier New"/>
+              <a:ea typeface="Courier New"/>
+              <a:cs typeface="Courier New"/>
+              <a:sym typeface="Courier New"/>
+            </a:endParaRPr>
+          </a:p>
+        </p:txBody>
+      </p:sp>
+      <p:sp>
+        <p:nvSpPr>
+          <p:cNvPr id="118" name="Google Shape;118;p22"/>
+          <p:cNvSpPr txBox="1"/>
+          <p:nvPr/>
+        </p:nvSpPr>
+        <p:spPr>
+          <a:xfrm>
+            <a:off x="0" y="4685700"/>
+            <a:ext cx="9144000" cy="457800"/>
+          </a:xfrm>
+          <a:prstGeom prst="rect">
+            <a:avLst/>
+          </a:prstGeom>
+          <a:noFill/>
+          <a:ln>
+            <a:noFill/>
+          </a:ln>
+        </p:spPr>
+        <p:txBody>
+          <a:bodyPr anchorCtr="0" anchor="t" bIns="91425" lIns="91425" spcFirstLastPara="1" rIns="91425" wrap="square" tIns="91425">
+            <a:spAutoFit/>
+          </a:bodyPr>
+          <a:lstStyle/>
+          <a:p>
+            <a:pPr indent="0" lvl="0" marL="0" marR="259715" rtl="0" algn="l">
+              <a:lnSpc>
+                <a:spcPct val="88700"/>
+              </a:lnSpc>
+              <a:spcBef>
+                <a:spcPts val="0"/>
+              </a:spcBef>
+              <a:spcAft>
+                <a:spcPts val="0"/>
+              </a:spcAft>
+              <a:buNone/>
+            </a:pPr>
+            <a:r>
+              <a:rPr lang="en" sz="2000">
+                <a:solidFill>
+                  <a:schemeClr val="dk1"/>
+                </a:solidFill>
+                <a:latin typeface="Times New Roman"/>
+                <a:ea typeface="Times New Roman"/>
+                <a:cs typeface="Times New Roman"/>
+                <a:sym typeface="Times New Roman"/>
+              </a:rPr>
+              <a:t>5</a:t>
+            </a:r>
+            <a:r>
+              <a:rPr lang="en" sz="2000">
+                <a:solidFill>
+                  <a:schemeClr val="dk1"/>
+                </a:solidFill>
+                <a:latin typeface="Times New Roman"/>
+                <a:ea typeface="Times New Roman"/>
+                <a:cs typeface="Times New Roman"/>
+                <a:sym typeface="Times New Roman"/>
+              </a:rPr>
+              <a:t>.html</a:t>
+            </a:r>
+            <a:endParaRPr/>
+          </a:p>
+        </p:txBody>
+      </p:sp>
+    </p:spTree>
+  </p:cSld>
+  <p:clrMapOvr>
+    <a:masterClrMapping/>
+  </p:clrMapOvr>
+</p:sld>
+</file>
+
+<file path=ppt/slides/slide11.xml><?xml version="1.0" encoding="utf-8"?>
+<p:sld xmlns:a="http://schemas.openxmlformats.org/drawingml/2006/main" xmlns:r="http://schemas.openxmlformats.org/officeDocument/2006/relationships" xmlns:mc="http://schemas.openxmlformats.org/markup-compatibility/2006" xmlns:mv="urn:schemas-microsoft-com:mac:vml" xmlns:p="http://schemas.openxmlformats.org/presentationml/2006/main" xmlns:c="http://schemas.openxmlformats.org/drawingml/2006/chart" xmlns:dgm="http://schemas.openxmlformats.org/drawingml/2006/diagram" xmlns:o="urn:schemas-microsoft-com:office:office" xmlns:v="urn:schemas-microsoft-com:vml" xmlns:pvml="urn:schemas-microsoft-com:office:powerpoint" xmlns:com="http://schemas.openxmlformats.org/drawingml/2006/compatibility" xmlns:p14="http://schemas.microsoft.com/office/powerpoint/2010/main" xmlns:p15="http://schemas.microsoft.com/office/powerpoint/2012/main" xmlns:ahyp="http://schemas.microsoft.com/office/drawing/2018/hyperlinkcolor">
+  <p:cSld>
+    <p:spTree>
+      <p:nvGrpSpPr>
+        <p:cNvPr id="122" name="Shape 122"/>
+        <p:cNvGrpSpPr/>
+        <p:nvPr/>
+      </p:nvGrpSpPr>
+      <p:grpSpPr>
+        <a:xfrm>
+          <a:off x="0" y="0"/>
+          <a:ext cx="0" cy="0"/>
+          <a:chOff x="0" y="0"/>
+          <a:chExt cx="0" cy="0"/>
+        </a:xfrm>
+      </p:grpSpPr>
+      <p:sp>
+        <p:nvSpPr>
+          <p:cNvPr id="123" name="Google Shape;123;p23"/>
+          <p:cNvSpPr txBox="1"/>
+          <p:nvPr>
+            <p:ph type="title"/>
+          </p:nvPr>
+        </p:nvSpPr>
+        <p:spPr>
+          <a:xfrm>
+            <a:off x="0" y="0"/>
+            <a:ext cx="9144000" cy="572700"/>
+          </a:xfrm>
+          <a:prstGeom prst="rect">
+            <a:avLst/>
+          </a:prstGeom>
+        </p:spPr>
+        <p:txBody>
+          <a:bodyPr anchorCtr="0" anchor="t" bIns="91425" lIns="91425" spcFirstLastPara="1" rIns="91425" wrap="square" tIns="91425">
+            <a:noAutofit/>
+          </a:bodyPr>
+          <a:lstStyle/>
+          <a:p>
+            <a:pPr indent="0" lvl="0" marL="0" rtl="0" algn="l">
+              <a:spcBef>
+                <a:spcPts val="0"/>
+              </a:spcBef>
+              <a:spcAft>
+                <a:spcPts val="0"/>
+              </a:spcAft>
+              <a:buNone/>
+            </a:pPr>
+            <a:r>
+              <a:rPr lang="en" sz="3000">
+                <a:latin typeface="Times New Roman"/>
+                <a:ea typeface="Times New Roman"/>
+                <a:cs typeface="Times New Roman"/>
+                <a:sym typeface="Times New Roman"/>
+              </a:rPr>
+              <a:t>While Loop</a:t>
+            </a:r>
+            <a:endParaRPr sz="3000">
+              <a:latin typeface="Times New Roman"/>
+              <a:ea typeface="Times New Roman"/>
+              <a:cs typeface="Times New Roman"/>
+              <a:sym typeface="Times New Roman"/>
+            </a:endParaRPr>
+          </a:p>
+        </p:txBody>
+      </p:sp>
+      <p:sp>
+        <p:nvSpPr>
+          <p:cNvPr id="124" name="Google Shape;124;p23"/>
+          <p:cNvSpPr txBox="1"/>
+          <p:nvPr>
+            <p:ph idx="1" type="body"/>
+          </p:nvPr>
+        </p:nvSpPr>
+        <p:spPr>
+          <a:xfrm>
+            <a:off x="0" y="572700"/>
+            <a:ext cx="9144000" cy="4570800"/>
+          </a:xfrm>
+          <a:prstGeom prst="rect">
+            <a:avLst/>
+          </a:prstGeom>
+        </p:spPr>
+        <p:txBody>
+          <a:bodyPr anchorCtr="0" anchor="t" bIns="91425" lIns="91425" spcFirstLastPara="1" rIns="91425" wrap="square" tIns="91425">
+            <a:normAutofit/>
+          </a:bodyPr>
+          <a:lstStyle/>
+          <a:p>
+            <a:pPr indent="0" lvl="0" marL="12700" marR="259715" rtl="0" algn="l">
+              <a:lnSpc>
+                <a:spcPct val="88700"/>
+              </a:lnSpc>
+              <a:spcBef>
+                <a:spcPts val="0"/>
+              </a:spcBef>
+              <a:spcAft>
+                <a:spcPts val="0"/>
+              </a:spcAft>
+              <a:buClr>
+                <a:schemeClr val="dk1"/>
+              </a:buClr>
+              <a:buFont typeface="Arial"/>
+              <a:buNone/>
+            </a:pPr>
+            <a:r>
+              <a:rPr lang="en" sz="2000">
+                <a:solidFill>
+                  <a:schemeClr val="dk1"/>
+                </a:solidFill>
+                <a:latin typeface="Calibri"/>
+                <a:ea typeface="Calibri"/>
+                <a:cs typeface="Calibri"/>
+                <a:sym typeface="Calibri"/>
+              </a:rPr>
+              <a:t>Syntax:</a:t>
+            </a:r>
+            <a:endParaRPr b="1" sz="2000">
+              <a:solidFill>
+                <a:srgbClr val="FF0000"/>
+              </a:solidFill>
+              <a:latin typeface="Calibri"/>
+              <a:ea typeface="Calibri"/>
+              <a:cs typeface="Calibri"/>
+              <a:sym typeface="Calibri"/>
+            </a:endParaRPr>
+          </a:p>
+          <a:p>
+            <a:pPr indent="0" lvl="0" marL="12700" marR="259715" rtl="0" algn="l">
+              <a:lnSpc>
+                <a:spcPct val="88700"/>
+              </a:lnSpc>
+              <a:spcBef>
+                <a:spcPts val="0"/>
+              </a:spcBef>
+              <a:spcAft>
+                <a:spcPts val="0"/>
+              </a:spcAft>
+              <a:buClr>
+                <a:schemeClr val="dk1"/>
+              </a:buClr>
+              <a:buFont typeface="Arial"/>
+              <a:buNone/>
+            </a:pPr>
+            <a:r>
+              <a:t/>
+            </a:r>
+            <a:endParaRPr b="1" sz="2000">
+              <a:solidFill>
+                <a:srgbClr val="FF0000"/>
+              </a:solidFill>
+              <a:latin typeface="Calibri"/>
+              <a:ea typeface="Calibri"/>
+              <a:cs typeface="Calibri"/>
+              <a:sym typeface="Calibri"/>
+            </a:endParaRPr>
+          </a:p>
+          <a:p>
+            <a:pPr indent="0" lvl="0" marL="12700" marR="259715" rtl="0" algn="l">
+              <a:lnSpc>
+                <a:spcPct val="88700"/>
+              </a:lnSpc>
+              <a:spcBef>
+                <a:spcPts val="0"/>
+              </a:spcBef>
+              <a:spcAft>
+                <a:spcPts val="0"/>
+              </a:spcAft>
+              <a:buNone/>
+            </a:pPr>
+            <a:r>
+              <a:rPr b="1" lang="en">
+                <a:solidFill>
+                  <a:schemeClr val="dk1"/>
+                </a:solidFill>
+                <a:latin typeface="Courier New"/>
+                <a:ea typeface="Courier New"/>
+                <a:cs typeface="Courier New"/>
+                <a:sym typeface="Courier New"/>
+              </a:rPr>
+              <a:t>while (condition)</a:t>
+            </a:r>
+            <a:endParaRPr b="1">
+              <a:solidFill>
+                <a:schemeClr val="dk1"/>
+              </a:solidFill>
+              <a:latin typeface="Courier New"/>
+              <a:ea typeface="Courier New"/>
+              <a:cs typeface="Courier New"/>
+              <a:sym typeface="Courier New"/>
+            </a:endParaRPr>
+          </a:p>
+          <a:p>
+            <a:pPr indent="0" lvl="0" marL="12700" marR="259715" rtl="0" algn="l">
+              <a:lnSpc>
+                <a:spcPct val="88700"/>
+              </a:lnSpc>
+              <a:spcBef>
+                <a:spcPts val="0"/>
+              </a:spcBef>
+              <a:spcAft>
+                <a:spcPts val="0"/>
+              </a:spcAft>
+              <a:buClr>
+                <a:schemeClr val="dk1"/>
+              </a:buClr>
+              <a:buFont typeface="Arial"/>
+              <a:buNone/>
+            </a:pPr>
+            <a:r>
+              <a:rPr b="1" lang="en">
+                <a:solidFill>
+                  <a:schemeClr val="dk1"/>
+                </a:solidFill>
+                <a:latin typeface="Courier New"/>
+                <a:ea typeface="Courier New"/>
+                <a:cs typeface="Courier New"/>
+                <a:sym typeface="Courier New"/>
+              </a:rPr>
+              <a:t>{</a:t>
+            </a:r>
+            <a:endParaRPr b="1">
+              <a:solidFill>
+                <a:schemeClr val="dk1"/>
+              </a:solidFill>
+              <a:latin typeface="Courier New"/>
+              <a:ea typeface="Courier New"/>
+              <a:cs typeface="Courier New"/>
+              <a:sym typeface="Courier New"/>
+            </a:endParaRPr>
+          </a:p>
+          <a:p>
+            <a:pPr indent="0" lvl="0" marL="12700" marR="259715" rtl="0" algn="l">
+              <a:lnSpc>
+                <a:spcPct val="88700"/>
+              </a:lnSpc>
+              <a:spcBef>
+                <a:spcPts val="0"/>
+              </a:spcBef>
+              <a:spcAft>
+                <a:spcPts val="0"/>
+              </a:spcAft>
+              <a:buClr>
+                <a:schemeClr val="dk1"/>
+              </a:buClr>
+              <a:buFont typeface="Arial"/>
+              <a:buNone/>
+            </a:pPr>
+            <a:r>
+              <a:rPr b="1" lang="en">
+                <a:solidFill>
+                  <a:schemeClr val="dk1"/>
+                </a:solidFill>
+                <a:latin typeface="Courier New"/>
+                <a:ea typeface="Courier New"/>
+                <a:cs typeface="Courier New"/>
+                <a:sym typeface="Courier New"/>
+              </a:rPr>
+              <a:t>	// code block to be executed</a:t>
+            </a:r>
+            <a:endParaRPr b="1">
+              <a:solidFill>
+                <a:schemeClr val="dk1"/>
+              </a:solidFill>
+              <a:latin typeface="Courier New"/>
+              <a:ea typeface="Courier New"/>
+              <a:cs typeface="Courier New"/>
+              <a:sym typeface="Courier New"/>
+            </a:endParaRPr>
+          </a:p>
+          <a:p>
+            <a:pPr indent="0" lvl="0" marL="12700" marR="259715" rtl="0" algn="l">
+              <a:lnSpc>
+                <a:spcPct val="88700"/>
+              </a:lnSpc>
+              <a:spcBef>
+                <a:spcPts val="0"/>
+              </a:spcBef>
+              <a:spcAft>
+                <a:spcPts val="0"/>
+              </a:spcAft>
+              <a:buClr>
+                <a:schemeClr val="dk1"/>
+              </a:buClr>
+              <a:buFont typeface="Arial"/>
+              <a:buNone/>
+            </a:pPr>
+            <a:r>
+              <a:rPr b="1" lang="en">
+                <a:solidFill>
+                  <a:schemeClr val="dk1"/>
+                </a:solidFill>
+                <a:latin typeface="Courier New"/>
+                <a:ea typeface="Courier New"/>
+                <a:cs typeface="Courier New"/>
+                <a:sym typeface="Courier New"/>
+              </a:rPr>
+              <a:t>}</a:t>
+            </a:r>
+            <a:endParaRPr b="1">
+              <a:solidFill>
+                <a:schemeClr val="dk1"/>
+              </a:solidFill>
+              <a:latin typeface="Courier New"/>
+              <a:ea typeface="Courier New"/>
+              <a:cs typeface="Courier New"/>
+              <a:sym typeface="Courier New"/>
+            </a:endParaRPr>
+          </a:p>
+          <a:p>
+            <a:pPr indent="0" lvl="0" marL="12700" marR="259715" rtl="0" algn="l">
+              <a:lnSpc>
+                <a:spcPct val="88700"/>
+              </a:lnSpc>
+              <a:spcBef>
+                <a:spcPts val="0"/>
+              </a:spcBef>
+              <a:spcAft>
+                <a:spcPts val="0"/>
+              </a:spcAft>
+              <a:buClr>
+                <a:schemeClr val="dk1"/>
+              </a:buClr>
+              <a:buFont typeface="Arial"/>
+              <a:buNone/>
+            </a:pPr>
+            <a:r>
+              <a:t/>
+            </a:r>
+            <a:endParaRPr sz="2000">
+              <a:solidFill>
+                <a:schemeClr val="dk1"/>
+              </a:solidFill>
+              <a:latin typeface="Consolas"/>
+              <a:ea typeface="Consolas"/>
+              <a:cs typeface="Consolas"/>
+              <a:sym typeface="Consolas"/>
+            </a:endParaRPr>
+          </a:p>
+          <a:p>
+            <a:pPr indent="0" lvl="0" marL="12700" marR="259715" rtl="0" algn="l">
+              <a:lnSpc>
+                <a:spcPct val="88700"/>
+              </a:lnSpc>
+              <a:spcBef>
+                <a:spcPts val="0"/>
+              </a:spcBef>
+              <a:spcAft>
+                <a:spcPts val="0"/>
+              </a:spcAft>
+              <a:buClr>
+                <a:schemeClr val="dk1"/>
+              </a:buClr>
+              <a:buFont typeface="Arial"/>
+              <a:buNone/>
+            </a:pPr>
+            <a:r>
+              <a:t/>
+            </a:r>
+            <a:endParaRPr sz="2000">
+              <a:solidFill>
+                <a:schemeClr val="dk1"/>
+              </a:solidFill>
+              <a:latin typeface="Consolas"/>
+              <a:ea typeface="Consolas"/>
+              <a:cs typeface="Consolas"/>
+              <a:sym typeface="Consolas"/>
+            </a:endParaRPr>
+          </a:p>
+          <a:p>
+            <a:pPr indent="0" lvl="0" marL="12700" marR="259715" rtl="0" algn="l">
+              <a:lnSpc>
+                <a:spcPct val="88700"/>
+              </a:lnSpc>
+              <a:spcBef>
+                <a:spcPts val="0"/>
+              </a:spcBef>
+              <a:spcAft>
+                <a:spcPts val="0"/>
+              </a:spcAft>
+              <a:buClr>
+                <a:schemeClr val="dk1"/>
+              </a:buClr>
+              <a:buFont typeface="Arial"/>
+              <a:buNone/>
+            </a:pPr>
+            <a:r>
+              <a:rPr i="1" lang="en" sz="2000">
+                <a:solidFill>
+                  <a:schemeClr val="dk1"/>
+                </a:solidFill>
+                <a:latin typeface="Times New Roman"/>
+                <a:ea typeface="Times New Roman"/>
+                <a:cs typeface="Times New Roman"/>
+                <a:sym typeface="Times New Roman"/>
+              </a:rPr>
+              <a:t>where:</a:t>
+            </a:r>
+            <a:endParaRPr i="1" sz="2000">
+              <a:solidFill>
+                <a:schemeClr val="dk1"/>
+              </a:solidFill>
+              <a:latin typeface="Times New Roman"/>
+              <a:ea typeface="Times New Roman"/>
+              <a:cs typeface="Times New Roman"/>
+              <a:sym typeface="Times New Roman"/>
+            </a:endParaRPr>
+          </a:p>
+          <a:p>
+            <a:pPr indent="-342900" lvl="0" marL="355600" marR="259715" rtl="0" algn="l">
+              <a:lnSpc>
+                <a:spcPct val="88700"/>
+              </a:lnSpc>
+              <a:spcBef>
+                <a:spcPts val="0"/>
+              </a:spcBef>
+              <a:spcAft>
+                <a:spcPts val="0"/>
+              </a:spcAft>
+              <a:buClr>
+                <a:srgbClr val="BFBFBF"/>
+              </a:buClr>
+              <a:buSzPts val="2400"/>
+              <a:buChar char="•"/>
+            </a:pPr>
+            <a:r>
+              <a:rPr b="1" i="1" lang="en" sz="2000">
+                <a:solidFill>
+                  <a:schemeClr val="dk1"/>
+                </a:solidFill>
+                <a:latin typeface="Times New Roman"/>
+                <a:ea typeface="Times New Roman"/>
+                <a:cs typeface="Times New Roman"/>
+                <a:sym typeface="Times New Roman"/>
+              </a:rPr>
+              <a:t>Condition</a:t>
+            </a:r>
+            <a:r>
+              <a:rPr i="1" lang="en" sz="2000">
+                <a:solidFill>
+                  <a:schemeClr val="dk1"/>
+                </a:solidFill>
+                <a:latin typeface="Times New Roman"/>
+                <a:ea typeface="Times New Roman"/>
+                <a:cs typeface="Times New Roman"/>
+                <a:sym typeface="Times New Roman"/>
+              </a:rPr>
+              <a:t> is a logical expression for executing the code block</a:t>
+            </a:r>
+            <a:endParaRPr>
+              <a:solidFill>
+                <a:schemeClr val="dk1"/>
+              </a:solidFill>
+              <a:latin typeface="Times New Roman"/>
+              <a:ea typeface="Times New Roman"/>
+              <a:cs typeface="Times New Roman"/>
+              <a:sym typeface="Times New Roman"/>
+            </a:endParaRPr>
+          </a:p>
+        </p:txBody>
+      </p:sp>
+      <p:sp>
+        <p:nvSpPr>
+          <p:cNvPr id="125" name="Google Shape;125;p23"/>
+          <p:cNvSpPr txBox="1"/>
+          <p:nvPr/>
+        </p:nvSpPr>
+        <p:spPr>
+          <a:xfrm>
+            <a:off x="0" y="4685700"/>
+            <a:ext cx="9144000" cy="457800"/>
+          </a:xfrm>
+          <a:prstGeom prst="rect">
+            <a:avLst/>
+          </a:prstGeom>
+          <a:noFill/>
+          <a:ln>
+            <a:noFill/>
+          </a:ln>
+        </p:spPr>
+        <p:txBody>
+          <a:bodyPr anchorCtr="0" anchor="t" bIns="91425" lIns="91425" spcFirstLastPara="1" rIns="91425" wrap="square" tIns="91425">
+            <a:spAutoFit/>
+          </a:bodyPr>
+          <a:lstStyle/>
+          <a:p>
+            <a:pPr indent="0" lvl="0" marL="0" marR="259715" rtl="0" algn="l">
+              <a:lnSpc>
+                <a:spcPct val="88700"/>
+              </a:lnSpc>
+              <a:spcBef>
+                <a:spcPts val="0"/>
+              </a:spcBef>
+              <a:spcAft>
+                <a:spcPts val="0"/>
+              </a:spcAft>
+              <a:buNone/>
+            </a:pPr>
+            <a:r>
+              <a:rPr lang="en" sz="2000">
+                <a:solidFill>
+                  <a:schemeClr val="dk1"/>
+                </a:solidFill>
+                <a:latin typeface="Times New Roman"/>
+                <a:ea typeface="Times New Roman"/>
+                <a:cs typeface="Times New Roman"/>
+                <a:sym typeface="Times New Roman"/>
+              </a:rPr>
+              <a:t>6</a:t>
+            </a:r>
+            <a:r>
+              <a:rPr lang="en" sz="2000">
+                <a:solidFill>
+                  <a:schemeClr val="dk1"/>
+                </a:solidFill>
+                <a:latin typeface="Times New Roman"/>
+                <a:ea typeface="Times New Roman"/>
+                <a:cs typeface="Times New Roman"/>
+                <a:sym typeface="Times New Roman"/>
+              </a:rPr>
+              <a:t>.html, 7.html</a:t>
+            </a:r>
+            <a:endParaRPr/>
+          </a:p>
+        </p:txBody>
+      </p:sp>
+    </p:spTree>
+  </p:cSld>
+  <p:clrMapOvr>
+    <a:masterClrMapping/>
+  </p:clrMapOvr>
+</p:sld>
+</file>
+
+<file path=ppt/slides/slide12.xml><?xml version="1.0" encoding="utf-8"?>
+<p:sld xmlns:a="http://schemas.openxmlformats.org/drawingml/2006/main" xmlns:r="http://schemas.openxmlformats.org/officeDocument/2006/relationships" xmlns:mc="http://schemas.openxmlformats.org/markup-compatibility/2006" xmlns:mv="urn:schemas-microsoft-com:mac:vml" xmlns:p="http://schemas.openxmlformats.org/presentationml/2006/main" xmlns:c="http://schemas.openxmlformats.org/drawingml/2006/chart" xmlns:dgm="http://schemas.openxmlformats.org/drawingml/2006/diagram" xmlns:o="urn:schemas-microsoft-com:office:office" xmlns:v="urn:schemas-microsoft-com:vml" xmlns:pvml="urn:schemas-microsoft-com:office:powerpoint" xmlns:com="http://schemas.openxmlformats.org/drawingml/2006/compatibility" xmlns:p14="http://schemas.microsoft.com/office/powerpoint/2010/main" xmlns:p15="http://schemas.microsoft.com/office/powerpoint/2012/main" xmlns:ahyp="http://schemas.microsoft.com/office/drawing/2018/hyperlinkcolor">
+  <p:cSld>
+    <p:spTree>
+      <p:nvGrpSpPr>
+        <p:cNvPr id="129" name="Shape 129"/>
+        <p:cNvGrpSpPr/>
+        <p:nvPr/>
+      </p:nvGrpSpPr>
+      <p:grpSpPr>
+        <a:xfrm>
+          <a:off x="0" y="0"/>
+          <a:ext cx="0" cy="0"/>
+          <a:chOff x="0" y="0"/>
+          <a:chExt cx="0" cy="0"/>
+        </a:xfrm>
+      </p:grpSpPr>
+      <p:sp>
+        <p:nvSpPr>
+          <p:cNvPr id="130" name="Google Shape;130;p24"/>
+          <p:cNvSpPr txBox="1"/>
+          <p:nvPr>
+            <p:ph type="title"/>
+          </p:nvPr>
+        </p:nvSpPr>
+        <p:spPr>
+          <a:xfrm>
+            <a:off x="0" y="0"/>
+            <a:ext cx="9144000" cy="572700"/>
+          </a:xfrm>
+          <a:prstGeom prst="rect">
+            <a:avLst/>
+          </a:prstGeom>
+        </p:spPr>
+        <p:txBody>
+          <a:bodyPr anchorCtr="0" anchor="t" bIns="91425" lIns="91425" spcFirstLastPara="1" rIns="91425" wrap="square" tIns="91425">
+            <a:noAutofit/>
+          </a:bodyPr>
+          <a:lstStyle/>
+          <a:p>
+            <a:pPr indent="0" lvl="0" marL="0" rtl="0" algn="l">
+              <a:spcBef>
+                <a:spcPts val="0"/>
+              </a:spcBef>
+              <a:spcAft>
+                <a:spcPts val="0"/>
+              </a:spcAft>
+              <a:buNone/>
+            </a:pPr>
+            <a:r>
+              <a:rPr lang="en" sz="3000">
+                <a:latin typeface="Times New Roman"/>
+                <a:ea typeface="Times New Roman"/>
+                <a:cs typeface="Times New Roman"/>
+                <a:sym typeface="Times New Roman"/>
+              </a:rPr>
+              <a:t>While Loop</a:t>
+            </a:r>
+            <a:endParaRPr sz="3000">
+              <a:latin typeface="Times New Roman"/>
+              <a:ea typeface="Times New Roman"/>
+              <a:cs typeface="Times New Roman"/>
+              <a:sym typeface="Times New Roman"/>
+            </a:endParaRPr>
+          </a:p>
+        </p:txBody>
+      </p:sp>
+      <p:sp>
+        <p:nvSpPr>
+          <p:cNvPr id="131" name="Google Shape;131;p24"/>
           <p:cNvSpPr txBox="1"/>
           <p:nvPr>
             <p:ph idx="1" type="body"/>
@@ -8057,7 +9426,7 @@
       </p:sp>
       <p:sp>
         <p:nvSpPr>
-          <p:cNvPr id="114" name="Google Shape;114;p22"/>
+          <p:cNvPr id="132" name="Google Shape;132;p24"/>
           <p:cNvSpPr txBox="1"/>
           <p:nvPr/>
         </p:nvSpPr>
@@ -8093,14 +9462,14 @@
               <a:buNone/>
             </a:pPr>
             <a:r>
-              <a:rPr b="0" i="0" lang="en" sz="2000" u="none" cap="none" strike="noStrike">
-                <a:solidFill>
-                  <a:schemeClr val="dk1"/>
-                </a:solidFill>
-                <a:latin typeface="Calibri"/>
-                <a:ea typeface="Calibri"/>
-                <a:cs typeface="Calibri"/>
-                <a:sym typeface="Calibri"/>
+              <a:rPr i="0" lang="en" sz="2000" u="none" cap="none" strike="noStrike">
+                <a:solidFill>
+                  <a:schemeClr val="dk1"/>
+                </a:solidFill>
+                <a:latin typeface="Times New Roman"/>
+                <a:ea typeface="Times New Roman"/>
+                <a:cs typeface="Times New Roman"/>
+                <a:sym typeface="Times New Roman"/>
               </a:rPr>
               <a:t>There are also three steps of the loop:</a:t>
             </a:r>
@@ -8108,6 +9477,10 @@
               <a:solidFill>
                 <a:schemeClr val="dk1"/>
               </a:solidFill>
+              <a:latin typeface="Times New Roman"/>
+              <a:ea typeface="Times New Roman"/>
+              <a:cs typeface="Times New Roman"/>
+              <a:sym typeface="Times New Roman"/>
             </a:endParaRPr>
           </a:p>
           <a:p>
@@ -8124,14 +9497,14 @@
               <a:buNone/>
             </a:pPr>
             <a:r>
-              <a:rPr b="0" i="0" lang="en" sz="2000" u="none" cap="none" strike="noStrike">
-                <a:solidFill>
-                  <a:schemeClr val="dk1"/>
-                </a:solidFill>
-                <a:latin typeface="Calibri"/>
-                <a:ea typeface="Calibri"/>
-                <a:cs typeface="Calibri"/>
-                <a:sym typeface="Calibri"/>
+              <a:rPr i="0" lang="en" sz="2000" u="none" cap="none" strike="noStrike">
+                <a:solidFill>
+                  <a:schemeClr val="dk1"/>
+                </a:solidFill>
+                <a:latin typeface="Times New Roman"/>
+                <a:ea typeface="Times New Roman"/>
+                <a:cs typeface="Times New Roman"/>
+                <a:sym typeface="Times New Roman"/>
               </a:rPr>
               <a:t>1) </a:t>
             </a:r>
@@ -8152,22 +9525,22 @@
                 <a:solidFill>
                   <a:schemeClr val="dk1"/>
                 </a:solidFill>
-                <a:latin typeface="Calibri"/>
-                <a:ea typeface="Calibri"/>
-                <a:cs typeface="Calibri"/>
-                <a:sym typeface="Calibri"/>
+                <a:latin typeface="Times New Roman"/>
+                <a:ea typeface="Times New Roman"/>
+                <a:cs typeface="Times New Roman"/>
+                <a:sym typeface="Times New Roman"/>
               </a:rPr>
               <a:t> - </a:t>
             </a:r>
             <a:r>
-              <a:rPr b="0" i="0" lang="en" sz="2000" u="none" cap="none" strike="noStrike">
-                <a:solidFill>
-                  <a:schemeClr val="dk1"/>
-                </a:solidFill>
-                <a:latin typeface="Calibri"/>
-                <a:ea typeface="Calibri"/>
-                <a:cs typeface="Calibri"/>
-                <a:sym typeface="Calibri"/>
+              <a:rPr i="0" lang="en" sz="2000" u="none" cap="none" strike="noStrike">
+                <a:solidFill>
+                  <a:schemeClr val="dk1"/>
+                </a:solidFill>
+                <a:latin typeface="Times New Roman"/>
+                <a:ea typeface="Times New Roman"/>
+                <a:cs typeface="Times New Roman"/>
+                <a:sym typeface="Times New Roman"/>
               </a:rPr>
               <a:t>initialization</a:t>
             </a:r>
@@ -8175,6 +9548,10 @@
               <a:solidFill>
                 <a:schemeClr val="dk1"/>
               </a:solidFill>
+              <a:latin typeface="Times New Roman"/>
+              <a:ea typeface="Times New Roman"/>
+              <a:cs typeface="Times New Roman"/>
+              <a:sym typeface="Times New Roman"/>
             </a:endParaRPr>
           </a:p>
           <a:p>
@@ -8191,14 +9568,14 @@
               <a:buNone/>
             </a:pPr>
             <a:r>
-              <a:rPr b="0" i="0" lang="en" sz="2000" u="none" cap="none" strike="noStrike">
-                <a:solidFill>
-                  <a:schemeClr val="dk1"/>
-                </a:solidFill>
-                <a:latin typeface="Calibri"/>
-                <a:ea typeface="Calibri"/>
-                <a:cs typeface="Calibri"/>
-                <a:sym typeface="Calibri"/>
+              <a:rPr i="0" lang="en" sz="2000" u="none" cap="none" strike="noStrike">
+                <a:solidFill>
+                  <a:schemeClr val="dk1"/>
+                </a:solidFill>
+                <a:latin typeface="Times New Roman"/>
+                <a:ea typeface="Times New Roman"/>
+                <a:cs typeface="Times New Roman"/>
+                <a:sym typeface="Times New Roman"/>
               </a:rPr>
               <a:t>2) </a:t>
             </a:r>
@@ -8219,22 +9596,22 @@
                 <a:solidFill>
                   <a:schemeClr val="dk1"/>
                 </a:solidFill>
-                <a:latin typeface="Calibri"/>
-                <a:ea typeface="Calibri"/>
-                <a:cs typeface="Calibri"/>
-                <a:sym typeface="Calibri"/>
+                <a:latin typeface="Times New Roman"/>
+                <a:ea typeface="Times New Roman"/>
+                <a:cs typeface="Times New Roman"/>
+                <a:sym typeface="Times New Roman"/>
               </a:rPr>
               <a:t> - </a:t>
             </a:r>
             <a:r>
-              <a:rPr b="0" i="0" lang="en" sz="2000" u="none" cap="none" strike="noStrike">
-                <a:solidFill>
-                  <a:schemeClr val="dk1"/>
-                </a:solidFill>
-                <a:latin typeface="Calibri"/>
-                <a:ea typeface="Calibri"/>
-                <a:cs typeface="Calibri"/>
-                <a:sym typeface="Calibri"/>
+              <a:rPr i="0" lang="en" sz="2000" u="none" cap="none" strike="noStrike">
+                <a:solidFill>
+                  <a:schemeClr val="dk1"/>
+                </a:solidFill>
+                <a:latin typeface="Times New Roman"/>
+                <a:ea typeface="Times New Roman"/>
+                <a:cs typeface="Times New Roman"/>
+                <a:sym typeface="Times New Roman"/>
               </a:rPr>
               <a:t>stop condition</a:t>
             </a:r>
@@ -8242,6 +9619,10 @@
               <a:solidFill>
                 <a:schemeClr val="dk1"/>
               </a:solidFill>
+              <a:latin typeface="Times New Roman"/>
+              <a:ea typeface="Times New Roman"/>
+              <a:cs typeface="Times New Roman"/>
+              <a:sym typeface="Times New Roman"/>
             </a:endParaRPr>
           </a:p>
           <a:p>
@@ -8258,14 +9639,14 @@
               <a:buNone/>
             </a:pPr>
             <a:r>
-              <a:rPr b="0" i="0" lang="en" sz="2000" u="none" cap="none" strike="noStrike">
-                <a:solidFill>
-                  <a:schemeClr val="dk1"/>
-                </a:solidFill>
-                <a:latin typeface="Calibri"/>
-                <a:ea typeface="Calibri"/>
-                <a:cs typeface="Calibri"/>
-                <a:sym typeface="Calibri"/>
+              <a:rPr i="0" lang="en" sz="2000" u="none" cap="none" strike="noStrike">
+                <a:solidFill>
+                  <a:schemeClr val="dk1"/>
+                </a:solidFill>
+                <a:latin typeface="Times New Roman"/>
+                <a:ea typeface="Times New Roman"/>
+                <a:cs typeface="Times New Roman"/>
+                <a:sym typeface="Times New Roman"/>
               </a:rPr>
               <a:t>3) </a:t>
             </a:r>
@@ -8286,22 +9667,22 @@
                 <a:solidFill>
                   <a:schemeClr val="dk1"/>
                 </a:solidFill>
-                <a:latin typeface="Calibri"/>
-                <a:ea typeface="Calibri"/>
-                <a:cs typeface="Calibri"/>
-                <a:sym typeface="Calibri"/>
+                <a:latin typeface="Times New Roman"/>
+                <a:ea typeface="Times New Roman"/>
+                <a:cs typeface="Times New Roman"/>
+                <a:sym typeface="Times New Roman"/>
               </a:rPr>
               <a:t> - </a:t>
             </a:r>
             <a:r>
-              <a:rPr b="0" i="0" lang="en" sz="2000" u="none" cap="none" strike="noStrike">
-                <a:solidFill>
-                  <a:schemeClr val="dk1"/>
-                </a:solidFill>
-                <a:latin typeface="Calibri"/>
-                <a:ea typeface="Calibri"/>
-                <a:cs typeface="Calibri"/>
-                <a:sym typeface="Calibri"/>
+              <a:rPr i="0" lang="en" sz="2000" u="none" cap="none" strike="noStrike">
+                <a:solidFill>
+                  <a:schemeClr val="dk1"/>
+                </a:solidFill>
+                <a:latin typeface="Times New Roman"/>
+                <a:ea typeface="Times New Roman"/>
+                <a:cs typeface="Times New Roman"/>
+                <a:sym typeface="Times New Roman"/>
               </a:rPr>
               <a:t>update rule</a:t>
             </a:r>
@@ -8309,7 +9690,88 @@
               <a:solidFill>
                 <a:schemeClr val="dk1"/>
               </a:solidFill>
-            </a:endParaRPr>
+              <a:latin typeface="Times New Roman"/>
+              <a:ea typeface="Times New Roman"/>
+              <a:cs typeface="Times New Roman"/>
+              <a:sym typeface="Times New Roman"/>
+            </a:endParaRPr>
+          </a:p>
+        </p:txBody>
+      </p:sp>
+      <p:sp>
+        <p:nvSpPr>
+          <p:cNvPr id="133" name="Google Shape;133;p24"/>
+          <p:cNvSpPr txBox="1"/>
+          <p:nvPr/>
+        </p:nvSpPr>
+        <p:spPr>
+          <a:xfrm>
+            <a:off x="0" y="4685700"/>
+            <a:ext cx="9144000" cy="457800"/>
+          </a:xfrm>
+          <a:prstGeom prst="rect">
+            <a:avLst/>
+          </a:prstGeom>
+          <a:noFill/>
+          <a:ln>
+            <a:noFill/>
+          </a:ln>
+        </p:spPr>
+        <p:txBody>
+          <a:bodyPr anchorCtr="0" anchor="t" bIns="91425" lIns="91425" spcFirstLastPara="1" rIns="91425" wrap="square" tIns="91425">
+            <a:spAutoFit/>
+          </a:bodyPr>
+          <a:lstStyle/>
+          <a:p>
+            <a:pPr indent="0" lvl="0" marL="0" marR="259715" rtl="0" algn="l">
+              <a:lnSpc>
+                <a:spcPct val="88700"/>
+              </a:lnSpc>
+              <a:spcBef>
+                <a:spcPts val="0"/>
+              </a:spcBef>
+              <a:spcAft>
+                <a:spcPts val="0"/>
+              </a:spcAft>
+              <a:buNone/>
+            </a:pPr>
+            <a:r>
+              <a:rPr lang="en" sz="2000">
+                <a:solidFill>
+                  <a:schemeClr val="dk1"/>
+                </a:solidFill>
+                <a:latin typeface="Times New Roman"/>
+                <a:ea typeface="Times New Roman"/>
+                <a:cs typeface="Times New Roman"/>
+                <a:sym typeface="Times New Roman"/>
+              </a:rPr>
+              <a:t>8</a:t>
+            </a:r>
+            <a:r>
+              <a:rPr lang="en" sz="2000">
+                <a:solidFill>
+                  <a:schemeClr val="dk1"/>
+                </a:solidFill>
+                <a:latin typeface="Times New Roman"/>
+                <a:ea typeface="Times New Roman"/>
+                <a:cs typeface="Times New Roman"/>
+                <a:sym typeface="Times New Roman"/>
+              </a:rPr>
+              <a:t>.html, 9</a:t>
+            </a:r>
+            <a:r>
+              <a:rPr lang="en" sz="2000">
+                <a:solidFill>
+                  <a:schemeClr val="dk1"/>
+                </a:solidFill>
+                <a:latin typeface="Times New Roman"/>
+                <a:ea typeface="Times New Roman"/>
+                <a:cs typeface="Times New Roman"/>
+                <a:sym typeface="Times New Roman"/>
+              </a:rPr>
+              <a:t>.html</a:t>
+            </a:r>
+            <a:endParaRPr/>
           </a:p>
         </p:txBody>
       </p:sp>
@@ -8321,12 +9783,12 @@
 </p:sld>
 </file>
 
-<file path=ppt/slides/slide11.xml><?xml version="1.0" encoding="utf-8"?>
+<file path=ppt/slides/slide13.xml><?xml version="1.0" encoding="utf-8"?>
 <p:sld xmlns:a="http://schemas.openxmlformats.org/drawingml/2006/main" xmlns:r="http://schemas.openxmlformats.org/officeDocument/2006/relationships" xmlns:mc="http://schemas.openxmlformats.org/markup-compatibility/2006" xmlns:mv="urn:schemas-microsoft-com:mac:vml" xmlns:p="http://schemas.openxmlformats.org/presentationml/2006/main" xmlns:c="http://schemas.openxmlformats.org/drawingml/2006/chart" xmlns:dgm="http://schemas.openxmlformats.org/drawingml/2006/diagram" xmlns:o="urn:schemas-microsoft-com:office:office" xmlns:v="urn:schemas-microsoft-com:vml" xmlns:pvml="urn:schemas-microsoft-com:office:powerpoint" xmlns:com="http://schemas.openxmlformats.org/drawingml/2006/compatibility" xmlns:p14="http://schemas.microsoft.com/office/powerpoint/2010/main" xmlns:p15="http://schemas.microsoft.com/office/powerpoint/2012/main" xmlns:ahyp="http://schemas.microsoft.com/office/drawing/2018/hyperlinkcolor">
   <p:cSld>
     <p:spTree>
       <p:nvGrpSpPr>
-        <p:cNvPr id="118" name="Shape 118"/>
+        <p:cNvPr id="137" name="Shape 137"/>
         <p:cNvGrpSpPr/>
         <p:nvPr/>
       </p:nvGrpSpPr>
@@ -8340,7 +9802,7 @@
       </p:grpSpPr>
       <p:sp>
         <p:nvSpPr>
-          <p:cNvPr id="119" name="Google Shape;119;p23"/>
+          <p:cNvPr id="138" name="Google Shape;138;p25"/>
           <p:cNvSpPr txBox="1"/>
           <p:nvPr>
             <p:ph type="title"/>
@@ -8390,7 +9852,7 @@
       </p:sp>
       <p:sp>
         <p:nvSpPr>
-          <p:cNvPr id="120" name="Google Shape;120;p23"/>
+          <p:cNvPr id="139" name="Google Shape;139;p25"/>
           <p:cNvSpPr txBox="1"/>
           <p:nvPr>
             <p:ph idx="1" type="body"/>
@@ -8440,7 +9902,7 @@
       </p:sp>
       <p:pic>
         <p:nvPicPr>
-          <p:cNvPr id="121" name="Google Shape;121;p23"/>
+          <p:cNvPr id="140" name="Google Shape;140;p25"/>
           <p:cNvPicPr preferRelativeResize="0"/>
           <p:nvPr/>
         </p:nvPicPr>
@@ -8473,12 +9935,12 @@
 </p:sld>
 </file>
 
-<file path=ppt/slides/slide12.xml><?xml version="1.0" encoding="utf-8"?>
+<file path=ppt/slides/slide14.xml><?xml version="1.0" encoding="utf-8"?>
 <p:sld xmlns:a="http://schemas.openxmlformats.org/drawingml/2006/main" xmlns:r="http://schemas.openxmlformats.org/officeDocument/2006/relationships" xmlns:mc="http://schemas.openxmlformats.org/markup-compatibility/2006" xmlns:mv="urn:schemas-microsoft-com:mac:vml" xmlns:p="http://schemas.openxmlformats.org/presentationml/2006/main" xmlns:c="http://schemas.openxmlformats.org/drawingml/2006/chart" xmlns:dgm="http://schemas.openxmlformats.org/drawingml/2006/diagram" xmlns:o="urn:schemas-microsoft-com:office:office" xmlns:v="urn:schemas-microsoft-com:vml" xmlns:pvml="urn:schemas-microsoft-com:office:powerpoint" xmlns:com="http://schemas.openxmlformats.org/drawingml/2006/compatibility" xmlns:p14="http://schemas.microsoft.com/office/powerpoint/2010/main" xmlns:p15="http://schemas.microsoft.com/office/powerpoint/2012/main" xmlns:ahyp="http://schemas.microsoft.com/office/drawing/2018/hyperlinkcolor">
   <p:cSld>
     <p:spTree>
       <p:nvGrpSpPr>
-        <p:cNvPr id="125" name="Shape 125"/>
+        <p:cNvPr id="144" name="Shape 144"/>
         <p:cNvGrpSpPr/>
         <p:nvPr/>
       </p:nvGrpSpPr>
@@ -8492,7 +9954,7 @@
       </p:grpSpPr>
       <p:sp>
         <p:nvSpPr>
-          <p:cNvPr id="126" name="Google Shape;126;p24"/>
+          <p:cNvPr id="145" name="Google Shape;145;p26"/>
           <p:cNvSpPr txBox="1"/>
           <p:nvPr>
             <p:ph type="title"/>
@@ -8542,7 +10004,7 @@
       </p:sp>
       <p:sp>
         <p:nvSpPr>
-          <p:cNvPr id="127" name="Google Shape;127;p24"/>
+          <p:cNvPr id="146" name="Google Shape;146;p26"/>
           <p:cNvSpPr txBox="1"/>
           <p:nvPr>
             <p:ph idx="1" type="body"/>
@@ -8796,7 +10258,7 @@
       </p:sp>
       <p:sp>
         <p:nvSpPr>
-          <p:cNvPr id="128" name="Google Shape;128;p24"/>
+          <p:cNvPr id="147" name="Google Shape;147;p26"/>
           <p:cNvSpPr txBox="1"/>
           <p:nvPr/>
         </p:nvSpPr>
@@ -8863,12 +10325,12 @@
 </p:sld>
 </file>
 
-<file path=ppt/slides/slide13.xml><?xml version="1.0" encoding="utf-8"?>
+<file path=ppt/slides/slide15.xml><?xml version="1.0" encoding="utf-8"?>
 <p:sld xmlns:a="http://schemas.openxmlformats.org/drawingml/2006/main" xmlns:r="http://schemas.openxmlformats.org/officeDocument/2006/relationships" xmlns:mc="http://schemas.openxmlformats.org/markup-compatibility/2006" xmlns:mv="urn:schemas-microsoft-com:mac:vml" xmlns:p="http://schemas.openxmlformats.org/presentationml/2006/main" xmlns:c="http://schemas.openxmlformats.org/drawingml/2006/chart" xmlns:dgm="http://schemas.openxmlformats.org/drawingml/2006/diagram" xmlns:o="urn:schemas-microsoft-com:office:office" xmlns:v="urn:schemas-microsoft-com:vml" xmlns:pvml="urn:schemas-microsoft-com:office:powerpoint" xmlns:com="http://schemas.openxmlformats.org/drawingml/2006/compatibility" xmlns:p14="http://schemas.microsoft.com/office/powerpoint/2010/main" xmlns:p15="http://schemas.microsoft.com/office/powerpoint/2012/main" xmlns:ahyp="http://schemas.microsoft.com/office/drawing/2018/hyperlinkcolor">
   <p:cSld>
     <p:spTree>
       <p:nvGrpSpPr>
-        <p:cNvPr id="132" name="Shape 132"/>
+        <p:cNvPr id="151" name="Shape 151"/>
         <p:cNvGrpSpPr/>
         <p:nvPr/>
       </p:nvGrpSpPr>
@@ -8882,7 +10344,107 @@
       </p:grpSpPr>
       <p:sp>
         <p:nvSpPr>
-          <p:cNvPr id="133" name="Google Shape;133;p25"/>
+          <p:cNvPr id="152" name="Google Shape;152;p27"/>
+          <p:cNvSpPr/>
+          <p:nvPr/>
+        </p:nvSpPr>
+        <p:spPr>
+          <a:xfrm>
+            <a:off x="0" y="572700"/>
+            <a:ext cx="6144000" cy="2267700"/>
+          </a:xfrm>
+          <a:prstGeom prst="rect">
+            <a:avLst/>
+          </a:prstGeom>
+          <a:solidFill>
+            <a:srgbClr val="FF9900"/>
+          </a:solidFill>
+          <a:ln>
+            <a:noFill/>
+          </a:ln>
+          <a:effectLst>
+            <a:outerShdw blurRad="57150" rotWithShape="0" algn="bl" dir="5400000" dist="19050">
+              <a:srgbClr val="000000">
+                <a:alpha val="63000"/>
+              </a:srgbClr>
+            </a:outerShdw>
+          </a:effectLst>
+        </p:spPr>
+        <p:txBody>
+          <a:bodyPr anchorCtr="0" anchor="ctr" bIns="91425" lIns="91425" spcFirstLastPara="1" rIns="91425" wrap="square" tIns="91425">
+            <a:noAutofit/>
+          </a:bodyPr>
+          <a:lstStyle/>
+          <a:p>
+            <a:pPr indent="0" lvl="0" marL="0" rtl="0" algn="ctr">
+              <a:spcBef>
+                <a:spcPts val="0"/>
+              </a:spcBef>
+              <a:spcAft>
+                <a:spcPts val="0"/>
+              </a:spcAft>
+              <a:buNone/>
+            </a:pPr>
+            <a:r>
+              <a:t/>
+            </a:r>
+            <a:endParaRPr/>
+          </a:p>
+        </p:txBody>
+      </p:sp>
+      <p:sp>
+        <p:nvSpPr>
+          <p:cNvPr id="153" name="Google Shape;153;p27"/>
+          <p:cNvSpPr/>
+          <p:nvPr/>
+        </p:nvSpPr>
+        <p:spPr>
+          <a:xfrm>
+            <a:off x="0" y="2840450"/>
+            <a:ext cx="6144000" cy="2315400"/>
+          </a:xfrm>
+          <a:prstGeom prst="rect">
+            <a:avLst/>
+          </a:prstGeom>
+          <a:solidFill>
+            <a:srgbClr val="EFEFEF"/>
+          </a:solidFill>
+          <a:ln>
+            <a:noFill/>
+          </a:ln>
+          <a:effectLst>
+            <a:outerShdw blurRad="57150" rotWithShape="0" algn="bl" dir="5400000" dist="19050">
+              <a:srgbClr val="000000">
+                <a:alpha val="63000"/>
+              </a:srgbClr>
+            </a:outerShdw>
+          </a:effectLst>
+        </p:spPr>
+        <p:txBody>
+          <a:bodyPr anchorCtr="0" anchor="ctr" bIns="91425" lIns="91425" spcFirstLastPara="1" rIns="91425" wrap="square" tIns="91425">
+            <a:noAutofit/>
+          </a:bodyPr>
+          <a:lstStyle/>
+          <a:p>
+            <a:pPr indent="0" lvl="0" marL="0" rtl="0" algn="ctr">
+              <a:spcBef>
+                <a:spcPts val="0"/>
+              </a:spcBef>
+              <a:spcAft>
+                <a:spcPts val="0"/>
+              </a:spcAft>
+              <a:buNone/>
+            </a:pPr>
+            <a:r>
+              <a:t/>
+            </a:r>
+            <a:endParaRPr/>
+          </a:p>
+        </p:txBody>
+      </p:sp>
+      <p:sp>
+        <p:nvSpPr>
+          <p:cNvPr id="154" name="Google Shape;154;p27"/>
           <p:cNvSpPr txBox="1"/>
           <p:nvPr>
             <p:ph type="title"/>
@@ -8919,7 +10481,7 @@
                 <a:cs typeface="Times New Roman"/>
                 <a:sym typeface="Times New Roman"/>
               </a:rPr>
-              <a:t>While Loop</a:t>
+              <a:t>While vs. For Loop</a:t>
             </a:r>
             <a:endParaRPr sz="3000">
               <a:latin typeface="Times New Roman"/>
@@ -8932,7 +10494,7 @@
       </p:sp>
       <p:sp>
         <p:nvSpPr>
-          <p:cNvPr id="134" name="Google Shape;134;p25"/>
+          <p:cNvPr id="155" name="Google Shape;155;p27"/>
           <p:cNvSpPr txBox="1"/>
           <p:nvPr>
             <p:ph idx="1" type="body"/>
@@ -9344,14 +10906,14 @@
       </p:sp>
       <p:sp>
         <p:nvSpPr>
-          <p:cNvPr id="135" name="Google Shape;135;p25"/>
+          <p:cNvPr id="156" name="Google Shape;156;p27"/>
           <p:cNvSpPr txBox="1"/>
           <p:nvPr/>
         </p:nvSpPr>
         <p:spPr>
           <a:xfrm>
-            <a:off x="6144000" y="1529900"/>
-            <a:ext cx="3000000" cy="457800"/>
+            <a:off x="6144000" y="2492700"/>
+            <a:ext cx="3000000" cy="730800"/>
           </a:xfrm>
           <a:prstGeom prst="rect">
             <a:avLst/>
@@ -9389,9 +10951,9 @@
                 <a:cs typeface="Times New Roman"/>
                 <a:sym typeface="Times New Roman"/>
               </a:rPr>
-              <a:t>What does this loop do?</a:t>
-            </a:r>
-            <a:endParaRPr sz="2000">
+              <a:t>Compare</a:t>
+            </a:r>
+            <a:endParaRPr i="1" sz="2000">
               <a:solidFill>
                 <a:schemeClr val="dk1"/>
               </a:solidFill>
@@ -9401,32 +10963,6 @@
               <a:sym typeface="Times New Roman"/>
             </a:endParaRPr>
           </a:p>
-        </p:txBody>
-      </p:sp>
-      <p:sp>
-        <p:nvSpPr>
-          <p:cNvPr id="136" name="Google Shape;136;p25"/>
-          <p:cNvSpPr txBox="1"/>
-          <p:nvPr/>
-        </p:nvSpPr>
-        <p:spPr>
-          <a:xfrm>
-            <a:off x="6144075" y="3933250"/>
-            <a:ext cx="3000000" cy="457800"/>
-          </a:xfrm>
-          <a:prstGeom prst="rect">
-            <a:avLst/>
-          </a:prstGeom>
-          <a:noFill/>
-          <a:ln>
-            <a:noFill/>
-          </a:ln>
-        </p:spPr>
-        <p:txBody>
-          <a:bodyPr anchorCtr="0" anchor="t" bIns="91425" lIns="91425" spcFirstLastPara="1" rIns="91425" wrap="square" tIns="91425">
-            <a:spAutoFit/>
-          </a:bodyPr>
-          <a:lstStyle/>
           <a:p>
             <a:pPr indent="0" lvl="0" marL="12700" marR="190500" rtl="0" algn="l">
               <a:lnSpc>
@@ -9450,9 +10986,12 @@
                 <a:cs typeface="Times New Roman"/>
                 <a:sym typeface="Times New Roman"/>
               </a:rPr>
-              <a:t>Compare</a:t>
+              <a:t>What do these loops do?</a:t>
             </a:r>
             <a:endParaRPr sz="2000">
+              <a:solidFill>
+                <a:schemeClr val="dk1"/>
+              </a:solidFill>
               <a:latin typeface="Times New Roman"/>
               <a:ea typeface="Times New Roman"/>
               <a:cs typeface="Times New Roman"/>
@@ -9469,12 +11008,12 @@
 </p:sld>
 </file>
 
-<file path=ppt/slides/slide14.xml><?xml version="1.0" encoding="utf-8"?>
+<file path=ppt/slides/slide16.xml><?xml version="1.0" encoding="utf-8"?>
 <p:sld xmlns:a="http://schemas.openxmlformats.org/drawingml/2006/main" xmlns:r="http://schemas.openxmlformats.org/officeDocument/2006/relationships" xmlns:mc="http://schemas.openxmlformats.org/markup-compatibility/2006" xmlns:mv="urn:schemas-microsoft-com:mac:vml" xmlns:p="http://schemas.openxmlformats.org/presentationml/2006/main" xmlns:c="http://schemas.openxmlformats.org/drawingml/2006/chart" xmlns:dgm="http://schemas.openxmlformats.org/drawingml/2006/diagram" xmlns:o="urn:schemas-microsoft-com:office:office" xmlns:v="urn:schemas-microsoft-com:vml" xmlns:pvml="urn:schemas-microsoft-com:office:powerpoint" xmlns:com="http://schemas.openxmlformats.org/drawingml/2006/compatibility" xmlns:p14="http://schemas.microsoft.com/office/powerpoint/2010/main" xmlns:p15="http://schemas.microsoft.com/office/powerpoint/2012/main" xmlns:ahyp="http://schemas.microsoft.com/office/drawing/2018/hyperlinkcolor">
   <p:cSld>
     <p:spTree>
       <p:nvGrpSpPr>
-        <p:cNvPr id="140" name="Shape 140"/>
+        <p:cNvPr id="160" name="Shape 160"/>
         <p:cNvGrpSpPr/>
         <p:nvPr/>
       </p:nvGrpSpPr>
@@ -9488,7 +11027,7 @@
       </p:grpSpPr>
       <p:sp>
         <p:nvSpPr>
-          <p:cNvPr id="141" name="Google Shape;141;p26"/>
+          <p:cNvPr id="161" name="Google Shape;161;p28"/>
           <p:cNvSpPr txBox="1"/>
           <p:nvPr>
             <p:ph type="title"/>
@@ -9547,7 +11086,7 @@
       </p:sp>
       <p:sp>
         <p:nvSpPr>
-          <p:cNvPr id="142" name="Google Shape;142;p26"/>
+          <p:cNvPr id="162" name="Google Shape;162;p28"/>
           <p:cNvSpPr txBox="1"/>
           <p:nvPr>
             <p:ph idx="1" type="body"/>
@@ -9734,12 +11273,12 @@
 </p:sld>
 </file>
 
-<file path=ppt/slides/slide15.xml><?xml version="1.0" encoding="utf-8"?>
+<file path=ppt/slides/slide17.xml><?xml version="1.0" encoding="utf-8"?>
 <p:sld xmlns:a="http://schemas.openxmlformats.org/drawingml/2006/main" xmlns:r="http://schemas.openxmlformats.org/officeDocument/2006/relationships" xmlns:mc="http://schemas.openxmlformats.org/markup-compatibility/2006" xmlns:mv="urn:schemas-microsoft-com:mac:vml" xmlns:p="http://schemas.openxmlformats.org/presentationml/2006/main" xmlns:c="http://schemas.openxmlformats.org/drawingml/2006/chart" xmlns:dgm="http://schemas.openxmlformats.org/drawingml/2006/diagram" xmlns:o="urn:schemas-microsoft-com:office:office" xmlns:v="urn:schemas-microsoft-com:vml" xmlns:pvml="urn:schemas-microsoft-com:office:powerpoint" xmlns:com="http://schemas.openxmlformats.org/drawingml/2006/compatibility" xmlns:p14="http://schemas.microsoft.com/office/powerpoint/2010/main" xmlns:p15="http://schemas.microsoft.com/office/powerpoint/2012/main" xmlns:ahyp="http://schemas.microsoft.com/office/drawing/2018/hyperlinkcolor">
   <p:cSld>
     <p:spTree>
       <p:nvGrpSpPr>
-        <p:cNvPr id="146" name="Shape 146"/>
+        <p:cNvPr id="166" name="Shape 166"/>
         <p:cNvGrpSpPr/>
         <p:nvPr/>
       </p:nvGrpSpPr>
@@ -9753,7 +11292,7 @@
       </p:grpSpPr>
       <p:sp>
         <p:nvSpPr>
-          <p:cNvPr id="147" name="Google Shape;147;p27"/>
+          <p:cNvPr id="167" name="Google Shape;167;p29"/>
           <p:cNvSpPr txBox="1"/>
           <p:nvPr>
             <p:ph type="title"/>
@@ -9812,7 +11351,7 @@
       </p:sp>
       <p:sp>
         <p:nvSpPr>
-          <p:cNvPr id="148" name="Google Shape;148;p27"/>
+          <p:cNvPr id="168" name="Google Shape;168;p29"/>
           <p:cNvSpPr txBox="1"/>
           <p:nvPr>
             <p:ph idx="1" type="body"/>
@@ -9966,7 +11505,7 @@
       </p:sp>
       <p:sp>
         <p:nvSpPr>
-          <p:cNvPr id="149" name="Google Shape;149;p27"/>
+          <p:cNvPr id="169" name="Google Shape;169;p29"/>
           <p:cNvSpPr txBox="1"/>
           <p:nvPr/>
         </p:nvSpPr>
@@ -10374,6 +11913,71 @@
           </a:p>
         </p:txBody>
       </p:sp>
+      <p:sp>
+        <p:nvSpPr>
+          <p:cNvPr id="170" name="Google Shape;170;p29"/>
+          <p:cNvSpPr txBox="1"/>
+          <p:nvPr/>
+        </p:nvSpPr>
+        <p:spPr>
+          <a:xfrm>
+            <a:off x="0" y="0"/>
+            <a:ext cx="9144000" cy="457800"/>
+          </a:xfrm>
+          <a:prstGeom prst="rect">
+            <a:avLst/>
+          </a:prstGeom>
+          <a:noFill/>
+          <a:ln>
+            <a:noFill/>
+          </a:ln>
+        </p:spPr>
+        <p:txBody>
+          <a:bodyPr anchorCtr="0" anchor="t" bIns="91425" lIns="91425" spcFirstLastPara="1" rIns="91425" wrap="square" tIns="91425">
+            <a:spAutoFit/>
+          </a:bodyPr>
+          <a:lstStyle/>
+          <a:p>
+            <a:pPr indent="0" lvl="0" marL="0" marR="259715" rtl="0" algn="r">
+              <a:lnSpc>
+                <a:spcPct val="88700"/>
+              </a:lnSpc>
+              <a:spcBef>
+                <a:spcPts val="0"/>
+              </a:spcBef>
+              <a:spcAft>
+                <a:spcPts val="0"/>
+              </a:spcAft>
+              <a:buNone/>
+            </a:pPr>
+            <a:r>
+              <a:rPr lang="en" sz="2000">
+                <a:solidFill>
+                  <a:schemeClr val="dk1"/>
+                </a:solidFill>
+                <a:latin typeface="Times New Roman"/>
+                <a:ea typeface="Times New Roman"/>
+                <a:cs typeface="Times New Roman"/>
+                <a:sym typeface="Times New Roman"/>
+              </a:rPr>
+              <a:t>10</a:t>
+            </a:r>
+            <a:r>
+              <a:rPr lang="en" sz="2000">
+                <a:solidFill>
+                  <a:schemeClr val="dk1"/>
+                </a:solidFill>
+                <a:latin typeface="Times New Roman"/>
+                <a:ea typeface="Times New Roman"/>
+                <a:cs typeface="Times New Roman"/>
+                <a:sym typeface="Times New Roman"/>
+              </a:rPr>
+              <a:t>.html</a:t>
+            </a:r>
+            <a:endParaRPr/>
+          </a:p>
+        </p:txBody>
+      </p:sp>
     </p:spTree>
   </p:cSld>
   <p:clrMapOvr>
@@ -10382,12 +11986,12 @@
 </p:sld>
 </file>
 
-<file path=ppt/slides/slide16.xml><?xml version="1.0" encoding="utf-8"?>
+<file path=ppt/slides/slide18.xml><?xml version="1.0" encoding="utf-8"?>
 <p:sld xmlns:a="http://schemas.openxmlformats.org/drawingml/2006/main" xmlns:r="http://schemas.openxmlformats.org/officeDocument/2006/relationships" xmlns:mc="http://schemas.openxmlformats.org/markup-compatibility/2006" xmlns:mv="urn:schemas-microsoft-com:mac:vml" xmlns:p="http://schemas.openxmlformats.org/presentationml/2006/main" xmlns:c="http://schemas.openxmlformats.org/drawingml/2006/chart" xmlns:dgm="http://schemas.openxmlformats.org/drawingml/2006/diagram" xmlns:o="urn:schemas-microsoft-com:office:office" xmlns:v="urn:schemas-microsoft-com:vml" xmlns:pvml="urn:schemas-microsoft-com:office:powerpoint" xmlns:com="http://schemas.openxmlformats.org/drawingml/2006/compatibility" xmlns:p14="http://schemas.microsoft.com/office/powerpoint/2010/main" xmlns:p15="http://schemas.microsoft.com/office/powerpoint/2012/main" xmlns:ahyp="http://schemas.microsoft.com/office/drawing/2018/hyperlinkcolor">
   <p:cSld>
     <p:spTree>
       <p:nvGrpSpPr>
-        <p:cNvPr id="153" name="Shape 153"/>
+        <p:cNvPr id="174" name="Shape 174"/>
         <p:cNvGrpSpPr/>
         <p:nvPr/>
       </p:nvGrpSpPr>
@@ -10401,7 +12005,7 @@
       </p:grpSpPr>
       <p:sp>
         <p:nvSpPr>
-          <p:cNvPr id="154" name="Google Shape;154;p28"/>
+          <p:cNvPr id="175" name="Google Shape;175;p30"/>
           <p:cNvSpPr txBox="1"/>
           <p:nvPr>
             <p:ph type="title"/>
@@ -10451,7 +12055,7 @@
       </p:sp>
       <p:sp>
         <p:nvSpPr>
-          <p:cNvPr id="155" name="Google Shape;155;p28"/>
+          <p:cNvPr id="176" name="Google Shape;176;p30"/>
           <p:cNvSpPr txBox="1"/>
           <p:nvPr>
             <p:ph idx="1" type="body"/>
@@ -10593,7 +12197,7 @@
       </p:sp>
       <p:sp>
         <p:nvSpPr>
-          <p:cNvPr id="156" name="Google Shape;156;p28"/>
+          <p:cNvPr id="177" name="Google Shape;177;p30"/>
           <p:cNvSpPr txBox="1"/>
           <p:nvPr/>
         </p:nvSpPr>
@@ -11003,7 +12607,7 @@
       </p:sp>
       <p:pic>
         <p:nvPicPr>
-          <p:cNvPr id="157" name="Google Shape;157;p28"/>
+          <p:cNvPr id="178" name="Google Shape;178;p30"/>
           <p:cNvPicPr preferRelativeResize="0"/>
           <p:nvPr/>
         </p:nvPicPr>
@@ -11028,6 +12632,59 @@
           </a:ln>
         </p:spPr>
       </p:pic>
+      <p:sp>
+        <p:nvSpPr>
+          <p:cNvPr id="179" name="Google Shape;179;p30"/>
+          <p:cNvSpPr txBox="1"/>
+          <p:nvPr/>
+        </p:nvSpPr>
+        <p:spPr>
+          <a:xfrm>
+            <a:off x="0" y="0"/>
+            <a:ext cx="9144000" cy="457800"/>
+          </a:xfrm>
+          <a:prstGeom prst="rect">
+            <a:avLst/>
+          </a:prstGeom>
+          <a:noFill/>
+          <a:ln>
+            <a:noFill/>
+          </a:ln>
+        </p:spPr>
+        <p:txBody>
+          <a:bodyPr anchorCtr="0" anchor="t" bIns="91425" lIns="91425" spcFirstLastPara="1" rIns="91425" wrap="square" tIns="91425">
+            <a:spAutoFit/>
+          </a:bodyPr>
+          <a:lstStyle/>
+          <a:p>
+            <a:pPr indent="0" lvl="0" marL="0" marR="259715" rtl="0" algn="r">
+              <a:lnSpc>
+                <a:spcPct val="88700"/>
+              </a:lnSpc>
+              <a:spcBef>
+                <a:spcPts val="0"/>
+              </a:spcBef>
+              <a:spcAft>
+                <a:spcPts val="0"/>
+              </a:spcAft>
+              <a:buNone/>
+            </a:pPr>
+            <a:r>
+              <a:rPr lang="en" sz="2000">
+                <a:solidFill>
+                  <a:schemeClr val="dk1"/>
+                </a:solidFill>
+                <a:latin typeface="Times New Roman"/>
+                <a:ea typeface="Times New Roman"/>
+                <a:cs typeface="Times New Roman"/>
+                <a:sym typeface="Times New Roman"/>
+              </a:rPr>
+              <a:t>10.html</a:t>
+            </a:r>
+            <a:endParaRPr/>
+          </a:p>
+        </p:txBody>
+      </p:sp>
     </p:spTree>
   </p:cSld>
   <p:clrMapOvr>
@@ -11036,12 +12693,12 @@
 </p:sld>
 </file>
 
-<file path=ppt/slides/slide17.xml><?xml version="1.0" encoding="utf-8"?>
+<file path=ppt/slides/slide19.xml><?xml version="1.0" encoding="utf-8"?>
 <p:sld xmlns:a="http://schemas.openxmlformats.org/drawingml/2006/main" xmlns:r="http://schemas.openxmlformats.org/officeDocument/2006/relationships" xmlns:mc="http://schemas.openxmlformats.org/markup-compatibility/2006" xmlns:mv="urn:schemas-microsoft-com:mac:vml" xmlns:p="http://schemas.openxmlformats.org/presentationml/2006/main" xmlns:c="http://schemas.openxmlformats.org/drawingml/2006/chart" xmlns:dgm="http://schemas.openxmlformats.org/drawingml/2006/diagram" xmlns:o="urn:schemas-microsoft-com:office:office" xmlns:v="urn:schemas-microsoft-com:vml" xmlns:pvml="urn:schemas-microsoft-com:office:powerpoint" xmlns:com="http://schemas.openxmlformats.org/drawingml/2006/compatibility" xmlns:p14="http://schemas.microsoft.com/office/powerpoint/2010/main" xmlns:p15="http://schemas.microsoft.com/office/powerpoint/2012/main" xmlns:ahyp="http://schemas.microsoft.com/office/drawing/2018/hyperlinkcolor">
   <p:cSld>
     <p:spTree>
       <p:nvGrpSpPr>
-        <p:cNvPr id="161" name="Shape 161"/>
+        <p:cNvPr id="183" name="Shape 183"/>
         <p:cNvGrpSpPr/>
         <p:nvPr/>
       </p:nvGrpSpPr>
@@ -11055,7 +12712,7 @@
       </p:grpSpPr>
       <p:sp>
         <p:nvSpPr>
-          <p:cNvPr id="162" name="Google Shape;162;p29"/>
+          <p:cNvPr id="184" name="Google Shape;184;p31"/>
           <p:cNvSpPr txBox="1"/>
           <p:nvPr>
             <p:ph type="title"/>
@@ -11092,7 +12749,7 @@
                 <a:cs typeface="Times New Roman"/>
                 <a:sym typeface="Times New Roman"/>
               </a:rPr>
-              <a:t>Summary</a:t>
+              <a:t>Break and Continue</a:t>
             </a:r>
             <a:endParaRPr sz="3000">
               <a:latin typeface="Times New Roman"/>
@@ -11105,7 +12762,7 @@
       </p:sp>
       <p:sp>
         <p:nvSpPr>
-          <p:cNvPr id="163" name="Google Shape;163;p29"/>
+          <p:cNvPr id="185" name="Google Shape;185;p31"/>
           <p:cNvSpPr txBox="1"/>
           <p:nvPr>
             <p:ph idx="1" type="body"/>
@@ -11121,14 +12778,14 @@
           </a:prstGeom>
         </p:spPr>
         <p:txBody>
-          <a:bodyPr anchorCtr="0" anchor="ctr" bIns="91425" lIns="91425" spcFirstLastPara="1" rIns="91425" wrap="square" tIns="91425">
+          <a:bodyPr anchorCtr="0" anchor="t" bIns="91425" lIns="91425" spcFirstLastPara="1" rIns="91425" wrap="square" tIns="91425">
             <a:noAutofit/>
           </a:bodyPr>
           <a:lstStyle/>
           <a:p>
-            <a:pPr indent="0" lvl="0" marL="0" rtl="0" algn="l">
+            <a:pPr indent="0" lvl="0" marL="0" marR="259715" rtl="0" algn="l">
               <a:lnSpc>
-                <a:spcPct val="100000"/>
+                <a:spcPct val="150000"/>
               </a:lnSpc>
               <a:spcBef>
                 <a:spcPts val="0"/>
@@ -11136,14 +12793,10 @@
               <a:spcAft>
                 <a:spcPts val="0"/>
               </a:spcAft>
-              <a:buClr>
-                <a:schemeClr val="dk1"/>
-              </a:buClr>
-              <a:buFont typeface="Arial"/>
-              <a:buNone/>
-            </a:pPr>
-            <a:r>
-              <a:rPr lang="en" sz="2200">
+              <a:buNone/>
+            </a:pPr>
+            <a:r>
+              <a:rPr lang="en" sz="2400">
                 <a:solidFill>
                   <a:schemeClr val="dk1"/>
                 </a:solidFill>
@@ -11152,10 +12805,22 @@
                 <a:cs typeface="Times New Roman"/>
                 <a:sym typeface="Times New Roman"/>
               </a:rPr>
-              <a:t> - </a:t>
-            </a:r>
-            <a:r>
-              <a:rPr lang="en" sz="2200">
+              <a:t>– The </a:t>
+            </a:r>
+            <a:r>
+              <a:rPr b="1" i="1" lang="en" sz="2400">
+                <a:solidFill>
+                  <a:srgbClr val="FF0000"/>
+                </a:solidFill>
+                <a:latin typeface="Courier New"/>
+                <a:ea typeface="Courier New"/>
+                <a:cs typeface="Courier New"/>
+                <a:sym typeface="Courier New"/>
+              </a:rPr>
+              <a:t>break</a:t>
+            </a:r>
+            <a:r>
+              <a:rPr lang="en" sz="2400">
                 <a:solidFill>
                   <a:schemeClr val="dk1"/>
                 </a:solidFill>
@@ -11164,9 +12829,9 @@
                 <a:cs typeface="Times New Roman"/>
                 <a:sym typeface="Times New Roman"/>
               </a:rPr>
-              <a:t>To perform repetitive tasks, use loops. There are two types of loops:</a:t>
-            </a:r>
-            <a:endParaRPr sz="2200">
+              <a:t> statement exits the loop.</a:t>
+            </a:r>
+            <a:endParaRPr sz="2400">
               <a:solidFill>
                 <a:schemeClr val="dk1"/>
               </a:solidFill>
@@ -11177,9 +12842,9 @@
             </a:endParaRPr>
           </a:p>
           <a:p>
-            <a:pPr indent="0" lvl="0" marL="0" rtl="0" algn="l">
+            <a:pPr indent="0" lvl="0" marL="0" marR="259715" rtl="0" algn="l">
               <a:lnSpc>
-                <a:spcPct val="100000"/>
+                <a:spcPct val="150000"/>
               </a:lnSpc>
               <a:spcBef>
                 <a:spcPts val="0"/>
@@ -11187,14 +12852,10 @@
               <a:spcAft>
                 <a:spcPts val="0"/>
               </a:spcAft>
-              <a:buClr>
-                <a:schemeClr val="dk1"/>
-              </a:buClr>
-              <a:buFont typeface="Arial"/>
-              <a:buNone/>
-            </a:pPr>
-            <a:r>
-              <a:rPr lang="en" sz="2200">
+              <a:buNone/>
+            </a:pPr>
+            <a:r>
+              <a:rPr lang="en" sz="2400">
                 <a:solidFill>
                   <a:schemeClr val="dk1"/>
                 </a:solidFill>
@@ -11203,10 +12864,10 @@
                 <a:cs typeface="Times New Roman"/>
                 <a:sym typeface="Times New Roman"/>
               </a:rPr>
-              <a:t>	- </a:t>
-            </a:r>
-            <a:r>
-              <a:rPr b="1" i="1" lang="en" sz="2200">
+              <a:t>– The </a:t>
+            </a:r>
+            <a:r>
+              <a:rPr b="1" i="1" lang="en" sz="2400">
                 <a:solidFill>
                   <a:srgbClr val="FF0000"/>
                 </a:solidFill>
@@ -11215,10 +12876,10 @@
                 <a:cs typeface="Courier New"/>
                 <a:sym typeface="Courier New"/>
               </a:rPr>
-              <a:t>for</a:t>
-            </a:r>
-            <a:r>
-              <a:rPr lang="en" sz="2200">
+              <a:t>continue</a:t>
+            </a:r>
+            <a:r>
+              <a:rPr lang="en" sz="2400">
                 <a:solidFill>
                   <a:schemeClr val="dk1"/>
                 </a:solidFill>
@@ -11227,9 +12888,9 @@
                 <a:cs typeface="Times New Roman"/>
                 <a:sym typeface="Times New Roman"/>
               </a:rPr>
-              <a:t> a specified number of times.</a:t>
-            </a:r>
-            <a:endParaRPr sz="2200">
+              <a:t> statement skips one iteration in the loop</a:t>
+            </a:r>
+            <a:endParaRPr sz="2400">
               <a:solidFill>
                 <a:schemeClr val="dk1"/>
               </a:solidFill>
@@ -11239,10 +12900,473 @@
               <a:sym typeface="Times New Roman"/>
             </a:endParaRPr>
           </a:p>
-          <a:p>
-            <a:pPr indent="0" lvl="0" marL="0" rtl="0" algn="l">
+        </p:txBody>
+      </p:sp>
+      <p:sp>
+        <p:nvSpPr>
+          <p:cNvPr id="186" name="Google Shape;186;p31"/>
+          <p:cNvSpPr txBox="1"/>
+          <p:nvPr/>
+        </p:nvSpPr>
+        <p:spPr>
+          <a:xfrm>
+            <a:off x="0" y="1634100"/>
+            <a:ext cx="9144000" cy="3509400"/>
+          </a:xfrm>
+          <a:prstGeom prst="rect">
+            <a:avLst/>
+          </a:prstGeom>
+          <a:noFill/>
+          <a:ln>
+            <a:noFill/>
+          </a:ln>
+        </p:spPr>
+        <p:txBody>
+          <a:bodyPr anchorCtr="0" anchor="t" bIns="91425" lIns="91425" spcFirstLastPara="1" rIns="91425" wrap="square" tIns="91425">
+            <a:spAutoFit/>
+          </a:bodyPr>
+          <a:lstStyle/>
+          <a:p>
+            <a:pPr indent="0" lvl="0" marL="91440" rtl="0" algn="l">
+              <a:spcBef>
+                <a:spcPts val="0"/>
+              </a:spcBef>
+              <a:spcAft>
+                <a:spcPts val="0"/>
+              </a:spcAft>
+              <a:buNone/>
+            </a:pPr>
+            <a:r>
+              <a:rPr lang="en" sz="1800">
+                <a:solidFill>
+                  <a:schemeClr val="dk1"/>
+                </a:solidFill>
+                <a:latin typeface="Courier New"/>
+                <a:ea typeface="Courier New"/>
+                <a:cs typeface="Courier New"/>
+                <a:sym typeface="Courier New"/>
+              </a:rPr>
+              <a:t>for (let i = 0; i &lt; 10; i++)</a:t>
+            </a:r>
+            <a:endParaRPr sz="1800">
+              <a:solidFill>
+                <a:schemeClr val="dk1"/>
+              </a:solidFill>
+              <a:latin typeface="Courier New"/>
+              <a:ea typeface="Courier New"/>
+              <a:cs typeface="Courier New"/>
+              <a:sym typeface="Courier New"/>
+            </a:endParaRPr>
+          </a:p>
+          <a:p>
+            <a:pPr indent="0" lvl="0" marL="91440" rtl="0" algn="l">
+              <a:spcBef>
+                <a:spcPts val="0"/>
+              </a:spcBef>
+              <a:spcAft>
+                <a:spcPts val="0"/>
+              </a:spcAft>
+              <a:buNone/>
+            </a:pPr>
+            <a:r>
+              <a:rPr lang="en" sz="1800">
+                <a:solidFill>
+                  <a:schemeClr val="dk1"/>
+                </a:solidFill>
+                <a:latin typeface="Courier New"/>
+                <a:ea typeface="Courier New"/>
+                <a:cs typeface="Courier New"/>
+                <a:sym typeface="Courier New"/>
+              </a:rPr>
+              <a:t>{</a:t>
+            </a:r>
+            <a:endParaRPr sz="1800">
+              <a:solidFill>
+                <a:schemeClr val="dk1"/>
+              </a:solidFill>
+              <a:latin typeface="Courier New"/>
+              <a:ea typeface="Courier New"/>
+              <a:cs typeface="Courier New"/>
+              <a:sym typeface="Courier New"/>
+            </a:endParaRPr>
+          </a:p>
+          <a:p>
+            <a:pPr indent="0" lvl="1" marL="91440" rtl="0" algn="l">
+              <a:spcBef>
+                <a:spcPts val="0"/>
+              </a:spcBef>
+              <a:spcAft>
+                <a:spcPts val="0"/>
+              </a:spcAft>
+              <a:buNone/>
+            </a:pPr>
+            <a:r>
+              <a:rPr lang="en" sz="1800">
+                <a:solidFill>
+                  <a:schemeClr val="dk1"/>
+                </a:solidFill>
+                <a:latin typeface="Courier New"/>
+                <a:ea typeface="Courier New"/>
+                <a:cs typeface="Courier New"/>
+                <a:sym typeface="Courier New"/>
+              </a:rPr>
+              <a:t>	if (i == 4)</a:t>
+            </a:r>
+            <a:endParaRPr sz="1800">
+              <a:solidFill>
+                <a:schemeClr val="dk1"/>
+              </a:solidFill>
+              <a:latin typeface="Courier New"/>
+              <a:ea typeface="Courier New"/>
+              <a:cs typeface="Courier New"/>
+              <a:sym typeface="Courier New"/>
+            </a:endParaRPr>
+          </a:p>
+          <a:p>
+            <a:pPr indent="365760" lvl="1" marL="91440" rtl="0" algn="l">
+              <a:spcBef>
+                <a:spcPts val="0"/>
+              </a:spcBef>
+              <a:spcAft>
+                <a:spcPts val="0"/>
+              </a:spcAft>
+              <a:buNone/>
+            </a:pPr>
+            <a:r>
+              <a:rPr lang="en" sz="1800">
+                <a:solidFill>
+                  <a:schemeClr val="dk1"/>
+                </a:solidFill>
+                <a:latin typeface="Courier New"/>
+                <a:ea typeface="Courier New"/>
+                <a:cs typeface="Courier New"/>
+                <a:sym typeface="Courier New"/>
+              </a:rPr>
+              <a:t>{</a:t>
+            </a:r>
+            <a:endParaRPr sz="1800">
+              <a:solidFill>
+                <a:schemeClr val="dk1"/>
+              </a:solidFill>
+              <a:latin typeface="Courier New"/>
+              <a:ea typeface="Courier New"/>
+              <a:cs typeface="Courier New"/>
+              <a:sym typeface="Courier New"/>
+            </a:endParaRPr>
+          </a:p>
+          <a:p>
+            <a:pPr indent="0" lvl="1" marL="91440" rtl="0" algn="l">
+              <a:spcBef>
+                <a:spcPts val="0"/>
+              </a:spcBef>
+              <a:spcAft>
+                <a:spcPts val="0"/>
+              </a:spcAft>
+              <a:buNone/>
+            </a:pPr>
+            <a:r>
+              <a:rPr lang="en" sz="1800">
+                <a:solidFill>
+                  <a:schemeClr val="dk1"/>
+                </a:solidFill>
+                <a:latin typeface="Courier New"/>
+                <a:ea typeface="Courier New"/>
+                <a:cs typeface="Courier New"/>
+                <a:sym typeface="Courier New"/>
+              </a:rPr>
+              <a:t>		continue;</a:t>
+            </a:r>
+            <a:endParaRPr sz="1800">
+              <a:solidFill>
+                <a:schemeClr val="dk1"/>
+              </a:solidFill>
+              <a:latin typeface="Courier New"/>
+              <a:ea typeface="Courier New"/>
+              <a:cs typeface="Courier New"/>
+              <a:sym typeface="Courier New"/>
+            </a:endParaRPr>
+          </a:p>
+          <a:p>
+            <a:pPr indent="0" lvl="1" marL="91440" rtl="0" algn="l">
+              <a:spcBef>
+                <a:spcPts val="0"/>
+              </a:spcBef>
+              <a:spcAft>
+                <a:spcPts val="0"/>
+              </a:spcAft>
+              <a:buNone/>
+            </a:pPr>
+            <a:r>
+              <a:rPr lang="en" sz="1800">
+                <a:solidFill>
+                  <a:schemeClr val="dk1"/>
+                </a:solidFill>
+                <a:latin typeface="Courier New"/>
+                <a:ea typeface="Courier New"/>
+                <a:cs typeface="Courier New"/>
+                <a:sym typeface="Courier New"/>
+              </a:rPr>
+              <a:t>	}</a:t>
+            </a:r>
+            <a:endParaRPr sz="1800">
+              <a:solidFill>
+                <a:schemeClr val="dk1"/>
+              </a:solidFill>
+              <a:latin typeface="Courier New"/>
+              <a:ea typeface="Courier New"/>
+              <a:cs typeface="Courier New"/>
+              <a:sym typeface="Courier New"/>
+            </a:endParaRPr>
+          </a:p>
+          <a:p>
+            <a:pPr indent="0" lvl="1" marL="91440" rtl="0" algn="l">
+              <a:spcBef>
+                <a:spcPts val="0"/>
+              </a:spcBef>
+              <a:spcAft>
+                <a:spcPts val="0"/>
+              </a:spcAft>
+              <a:buNone/>
+            </a:pPr>
+            <a:r>
+              <a:rPr lang="en" sz="1800">
+                <a:solidFill>
+                  <a:schemeClr val="dk1"/>
+                </a:solidFill>
+                <a:latin typeface="Courier New"/>
+                <a:ea typeface="Courier New"/>
+                <a:cs typeface="Courier New"/>
+                <a:sym typeface="Courier New"/>
+              </a:rPr>
+              <a:t>	if (i == 8)</a:t>
+            </a:r>
+            <a:endParaRPr sz="1800">
+              <a:solidFill>
+                <a:schemeClr val="dk1"/>
+              </a:solidFill>
+              <a:latin typeface="Courier New"/>
+              <a:ea typeface="Courier New"/>
+              <a:cs typeface="Courier New"/>
+              <a:sym typeface="Courier New"/>
+            </a:endParaRPr>
+          </a:p>
+          <a:p>
+            <a:pPr indent="365760" lvl="1" marL="91440" rtl="0" algn="l">
+              <a:spcBef>
+                <a:spcPts val="0"/>
+              </a:spcBef>
+              <a:spcAft>
+                <a:spcPts val="0"/>
+              </a:spcAft>
+              <a:buNone/>
+            </a:pPr>
+            <a:r>
+              <a:rPr lang="en" sz="1800">
+                <a:solidFill>
+                  <a:schemeClr val="dk1"/>
+                </a:solidFill>
+                <a:latin typeface="Courier New"/>
+                <a:ea typeface="Courier New"/>
+                <a:cs typeface="Courier New"/>
+                <a:sym typeface="Courier New"/>
+              </a:rPr>
+              <a:t>{</a:t>
+            </a:r>
+            <a:endParaRPr sz="1800">
+              <a:solidFill>
+                <a:schemeClr val="dk1"/>
+              </a:solidFill>
+              <a:latin typeface="Courier New"/>
+              <a:ea typeface="Courier New"/>
+              <a:cs typeface="Courier New"/>
+              <a:sym typeface="Courier New"/>
+            </a:endParaRPr>
+          </a:p>
+          <a:p>
+            <a:pPr indent="0" lvl="1" marL="91440" rtl="0" algn="l">
+              <a:spcBef>
+                <a:spcPts val="0"/>
+              </a:spcBef>
+              <a:spcAft>
+                <a:spcPts val="0"/>
+              </a:spcAft>
+              <a:buNone/>
+            </a:pPr>
+            <a:r>
+              <a:rPr lang="en" sz="1800">
+                <a:solidFill>
+                  <a:schemeClr val="dk1"/>
+                </a:solidFill>
+                <a:latin typeface="Courier New"/>
+                <a:ea typeface="Courier New"/>
+                <a:cs typeface="Courier New"/>
+                <a:sym typeface="Courier New"/>
+              </a:rPr>
+              <a:t>		break;</a:t>
+            </a:r>
+            <a:endParaRPr sz="1800">
+              <a:solidFill>
+                <a:schemeClr val="dk1"/>
+              </a:solidFill>
+              <a:latin typeface="Courier New"/>
+              <a:ea typeface="Courier New"/>
+              <a:cs typeface="Courier New"/>
+              <a:sym typeface="Courier New"/>
+            </a:endParaRPr>
+          </a:p>
+          <a:p>
+            <a:pPr indent="0" lvl="1" marL="91440" rtl="0" algn="l">
+              <a:spcBef>
+                <a:spcPts val="0"/>
+              </a:spcBef>
+              <a:spcAft>
+                <a:spcPts val="0"/>
+              </a:spcAft>
+              <a:buNone/>
+            </a:pPr>
+            <a:r>
+              <a:rPr lang="en" sz="1800">
+                <a:solidFill>
+                  <a:schemeClr val="dk1"/>
+                </a:solidFill>
+                <a:latin typeface="Courier New"/>
+                <a:ea typeface="Courier New"/>
+                <a:cs typeface="Courier New"/>
+                <a:sym typeface="Courier New"/>
+              </a:rPr>
+              <a:t>	}</a:t>
+            </a:r>
+            <a:endParaRPr sz="1800">
+              <a:solidFill>
+                <a:schemeClr val="dk1"/>
+              </a:solidFill>
+              <a:latin typeface="Courier New"/>
+              <a:ea typeface="Courier New"/>
+              <a:cs typeface="Courier New"/>
+              <a:sym typeface="Courier New"/>
+            </a:endParaRPr>
+          </a:p>
+          <a:p>
+            <a:pPr indent="0" lvl="1" marL="91440" rtl="0" algn="l">
+              <a:spcBef>
+                <a:spcPts val="0"/>
+              </a:spcBef>
+              <a:spcAft>
+                <a:spcPts val="0"/>
+              </a:spcAft>
+              <a:buNone/>
+            </a:pPr>
+            <a:r>
+              <a:rPr lang="en" sz="1800">
+                <a:solidFill>
+                  <a:schemeClr val="dk1"/>
+                </a:solidFill>
+                <a:latin typeface="Courier New"/>
+                <a:ea typeface="Courier New"/>
+                <a:cs typeface="Courier New"/>
+                <a:sym typeface="Courier New"/>
+              </a:rPr>
+              <a:t>   console.log(i + " Hello, World!")</a:t>
+            </a:r>
+            <a:endParaRPr sz="1800">
+              <a:solidFill>
+                <a:schemeClr val="dk1"/>
+              </a:solidFill>
+              <a:latin typeface="Courier New"/>
+              <a:ea typeface="Courier New"/>
+              <a:cs typeface="Courier New"/>
+              <a:sym typeface="Courier New"/>
+            </a:endParaRPr>
+          </a:p>
+          <a:p>
+            <a:pPr indent="0" lvl="0" marL="91440" rtl="0" algn="l">
+              <a:spcBef>
+                <a:spcPts val="0"/>
+              </a:spcBef>
+              <a:spcAft>
+                <a:spcPts val="0"/>
+              </a:spcAft>
+              <a:buNone/>
+            </a:pPr>
+            <a:r>
+              <a:rPr lang="en" sz="1800">
+                <a:solidFill>
+                  <a:schemeClr val="dk1"/>
+                </a:solidFill>
+                <a:latin typeface="Courier New"/>
+                <a:ea typeface="Courier New"/>
+                <a:cs typeface="Courier New"/>
+                <a:sym typeface="Courier New"/>
+              </a:rPr>
+              <a:t>}</a:t>
+            </a:r>
+            <a:endParaRPr sz="1800">
+              <a:solidFill>
+                <a:schemeClr val="dk1"/>
+              </a:solidFill>
+              <a:latin typeface="Courier New"/>
+              <a:ea typeface="Courier New"/>
+              <a:cs typeface="Courier New"/>
+              <a:sym typeface="Courier New"/>
+            </a:endParaRPr>
+          </a:p>
+        </p:txBody>
+      </p:sp>
+      <p:pic>
+        <p:nvPicPr>
+          <p:cNvPr id="187" name="Google Shape;187;p31"/>
+          <p:cNvPicPr preferRelativeResize="0"/>
+          <p:nvPr/>
+        </p:nvPicPr>
+        <p:blipFill rotWithShape="1">
+          <a:blip r:embed="rId3">
+            <a:alphaModFix/>
+          </a:blip>
+          <a:srcRect b="0" l="0" r="49919" t="0"/>
+          <a:stretch/>
+        </p:blipFill>
+        <p:spPr>
+          <a:xfrm>
+            <a:off x="5994029" y="1634100"/>
+            <a:ext cx="3149974" cy="3433100"/>
+          </a:xfrm>
+          <a:prstGeom prst="rect">
+            <a:avLst/>
+          </a:prstGeom>
+          <a:noFill/>
+          <a:ln>
+            <a:noFill/>
+          </a:ln>
+        </p:spPr>
+      </p:pic>
+      <p:sp>
+        <p:nvSpPr>
+          <p:cNvPr id="188" name="Google Shape;188;p31"/>
+          <p:cNvSpPr txBox="1"/>
+          <p:nvPr/>
+        </p:nvSpPr>
+        <p:spPr>
+          <a:xfrm>
+            <a:off x="0" y="0"/>
+            <a:ext cx="9144000" cy="457800"/>
+          </a:xfrm>
+          <a:prstGeom prst="rect">
+            <a:avLst/>
+          </a:prstGeom>
+          <a:noFill/>
+          <a:ln>
+            <a:noFill/>
+          </a:ln>
+        </p:spPr>
+        <p:txBody>
+          <a:bodyPr anchorCtr="0" anchor="t" bIns="91425" lIns="91425" spcFirstLastPara="1" rIns="91425" wrap="square" tIns="91425">
+            <a:spAutoFit/>
+          </a:bodyPr>
+          <a:lstStyle/>
+          <a:p>
+            <a:pPr indent="0" lvl="0" marL="0" marR="259715" rtl="0" algn="r">
               <a:lnSpc>
-                <a:spcPct val="100000"/>
+                <a:spcPct val="88700"/>
               </a:lnSpc>
               <a:spcBef>
                 <a:spcPts val="0"/>
@@ -11253,7 +13377,7 @@
               <a:buNone/>
             </a:pPr>
             <a:r>
-              <a:rPr lang="en" sz="2200">
+              <a:rPr lang="en" sz="2000">
                 <a:solidFill>
                   <a:schemeClr val="dk1"/>
                 </a:solidFill>
@@ -11262,10 +13386,74 @@
                 <a:cs typeface="Times New Roman"/>
                 <a:sym typeface="Times New Roman"/>
               </a:rPr>
-              <a:t>	- </a:t>
-            </a:r>
-            <a:r>
-              <a:rPr b="1" i="1" lang="en" sz="2200">
+              <a:t>10.html</a:t>
+            </a:r>
+            <a:endParaRPr/>
+          </a:p>
+        </p:txBody>
+      </p:sp>
+      <p:sp>
+        <p:nvSpPr>
+          <p:cNvPr id="189" name="Google Shape;189;p31"/>
+          <p:cNvSpPr/>
+          <p:nvPr/>
+        </p:nvSpPr>
+        <p:spPr>
+          <a:xfrm>
+            <a:off x="3043950" y="2021700"/>
+            <a:ext cx="2950200" cy="1672800"/>
+          </a:xfrm>
+          <a:prstGeom prst="rect">
+            <a:avLst/>
+          </a:prstGeom>
+          <a:solidFill>
+            <a:schemeClr val="lt1"/>
+          </a:solidFill>
+          <a:ln>
+            <a:noFill/>
+          </a:ln>
+        </p:spPr>
+        <p:txBody>
+          <a:bodyPr anchorCtr="0" anchor="ctr" bIns="91425" lIns="91425" spcFirstLastPara="1" rIns="91425" wrap="square" tIns="91425">
+            <a:noAutofit/>
+          </a:bodyPr>
+          <a:lstStyle/>
+          <a:p>
+            <a:pPr indent="0" lvl="0" marL="0" rtl="0" algn="ctr">
+              <a:spcBef>
+                <a:spcPts val="0"/>
+              </a:spcBef>
+              <a:spcAft>
+                <a:spcPts val="0"/>
+              </a:spcAft>
+              <a:buNone/>
+            </a:pPr>
+            <a:r>
+              <a:rPr lang="en" sz="1800">
+                <a:solidFill>
+                  <a:srgbClr val="0000FF"/>
+                </a:solidFill>
+                <a:latin typeface="Times New Roman"/>
+                <a:ea typeface="Times New Roman"/>
+                <a:cs typeface="Times New Roman"/>
+                <a:sym typeface="Times New Roman"/>
+              </a:rPr>
+              <a:t>LET US </a:t>
+            </a:r>
+            <a:r>
+              <a:rPr lang="en" sz="1800">
+                <a:solidFill>
+                  <a:srgbClr val="0000FF"/>
+                </a:solidFill>
+                <a:latin typeface="Times New Roman"/>
+                <a:ea typeface="Times New Roman"/>
+                <a:cs typeface="Times New Roman"/>
+                <a:sym typeface="Times New Roman"/>
+              </a:rPr>
+              <a:t>REWRITE THIS EXAMPLE WITH </a:t>
+            </a:r>
+            <a:r>
+              <a:rPr b="1" lang="en" sz="1800">
                 <a:solidFill>
                   <a:srgbClr val="FF0000"/>
                 </a:solidFill>
@@ -11274,374 +13462,35 @@
                 <a:cs typeface="Courier New"/>
                 <a:sym typeface="Courier New"/>
               </a:rPr>
-              <a:t>while</a:t>
-            </a:r>
-            <a:r>
-              <a:rPr lang="en" sz="2200">
-                <a:solidFill>
-                  <a:srgbClr val="FF0000"/>
+              <a:t>WHILE</a:t>
+            </a:r>
+            <a:r>
+              <a:rPr lang="en" sz="1800">
+                <a:solidFill>
+                  <a:srgbClr val="0000FF"/>
+                </a:solidFill>
+                <a:latin typeface="Courier New"/>
+                <a:ea typeface="Courier New"/>
+                <a:cs typeface="Courier New"/>
+                <a:sym typeface="Courier New"/>
+              </a:rPr>
+              <a:t> </a:t>
+            </a:r>
+            <a:r>
+              <a:rPr lang="en" sz="1800">
+                <a:solidFill>
+                  <a:srgbClr val="0000FF"/>
                 </a:solidFill>
                 <a:latin typeface="Times New Roman"/>
                 <a:ea typeface="Times New Roman"/>
                 <a:cs typeface="Times New Roman"/>
                 <a:sym typeface="Times New Roman"/>
               </a:rPr>
-              <a:t> </a:t>
-            </a:r>
-            <a:r>
-              <a:rPr lang="en" sz="2200">
-                <a:solidFill>
-                  <a:schemeClr val="dk1"/>
-                </a:solidFill>
-                <a:latin typeface="Times New Roman"/>
-                <a:ea typeface="Times New Roman"/>
-                <a:cs typeface="Times New Roman"/>
-                <a:sym typeface="Times New Roman"/>
-              </a:rPr>
-              <a:t>a specified conditions holds.</a:t>
-            </a:r>
-            <a:endParaRPr sz="2200">
+              <a:t>LOOP!</a:t>
+            </a:r>
+            <a:endParaRPr sz="1800">
               <a:solidFill>
-                <a:schemeClr val="dk1"/>
-              </a:solidFill>
-              <a:latin typeface="Times New Roman"/>
-              <a:ea typeface="Times New Roman"/>
-              <a:cs typeface="Times New Roman"/>
-              <a:sym typeface="Times New Roman"/>
-            </a:endParaRPr>
-          </a:p>
-          <a:p>
-            <a:pPr indent="0" lvl="0" marL="0" rtl="0" algn="l">
-              <a:lnSpc>
-                <a:spcPct val="100000"/>
-              </a:lnSpc>
-              <a:spcBef>
-                <a:spcPts val="0"/>
-              </a:spcBef>
-              <a:spcAft>
-                <a:spcPts val="0"/>
-              </a:spcAft>
-              <a:buNone/>
-            </a:pPr>
-            <a:r>
-              <a:t/>
-            </a:r>
-            <a:endParaRPr sz="2200">
-              <a:solidFill>
-                <a:schemeClr val="dk1"/>
-              </a:solidFill>
-              <a:latin typeface="Times New Roman"/>
-              <a:ea typeface="Times New Roman"/>
-              <a:cs typeface="Times New Roman"/>
-              <a:sym typeface="Times New Roman"/>
-            </a:endParaRPr>
-          </a:p>
-          <a:p>
-            <a:pPr indent="0" lvl="0" marL="0" rtl="0" algn="l">
-              <a:lnSpc>
-                <a:spcPct val="100000"/>
-              </a:lnSpc>
-              <a:spcBef>
-                <a:spcPts val="0"/>
-              </a:spcBef>
-              <a:spcAft>
-                <a:spcPts val="0"/>
-              </a:spcAft>
-              <a:buClr>
-                <a:schemeClr val="dk1"/>
-              </a:buClr>
-              <a:buFont typeface="Arial"/>
-              <a:buNone/>
-            </a:pPr>
-            <a:r>
-              <a:rPr lang="en" sz="2200">
-                <a:solidFill>
-                  <a:schemeClr val="dk1"/>
-                </a:solidFill>
-                <a:latin typeface="Times New Roman"/>
-                <a:ea typeface="Times New Roman"/>
-                <a:cs typeface="Times New Roman"/>
-                <a:sym typeface="Times New Roman"/>
-              </a:rPr>
-              <a:t> - </a:t>
-            </a:r>
-            <a:r>
-              <a:rPr lang="en" sz="2200">
-                <a:solidFill>
-                  <a:schemeClr val="dk1"/>
-                </a:solidFill>
-                <a:latin typeface="Times New Roman"/>
-                <a:ea typeface="Times New Roman"/>
-                <a:cs typeface="Times New Roman"/>
-                <a:sym typeface="Times New Roman"/>
-              </a:rPr>
-              <a:t>Don’t forget about three steps</a:t>
-            </a:r>
-            <a:r>
-              <a:rPr lang="en" sz="2200">
-                <a:solidFill>
-                  <a:srgbClr val="FF0000"/>
-                </a:solidFill>
-                <a:latin typeface="Times New Roman"/>
-                <a:ea typeface="Times New Roman"/>
-                <a:cs typeface="Times New Roman"/>
-                <a:sym typeface="Times New Roman"/>
-              </a:rPr>
-              <a:t> </a:t>
-            </a:r>
-            <a:r>
-              <a:rPr lang="en" sz="2200">
-                <a:solidFill>
-                  <a:schemeClr val="dk1"/>
-                </a:solidFill>
-                <a:latin typeface="Times New Roman"/>
-                <a:ea typeface="Times New Roman"/>
-                <a:cs typeface="Times New Roman"/>
-                <a:sym typeface="Times New Roman"/>
-              </a:rPr>
-              <a:t>of the loops:</a:t>
-            </a:r>
-            <a:endParaRPr sz="2200">
-              <a:solidFill>
-                <a:schemeClr val="dk1"/>
-              </a:solidFill>
-              <a:latin typeface="Times New Roman"/>
-              <a:ea typeface="Times New Roman"/>
-              <a:cs typeface="Times New Roman"/>
-              <a:sym typeface="Times New Roman"/>
-            </a:endParaRPr>
-          </a:p>
-          <a:p>
-            <a:pPr indent="0" lvl="0" marL="0" rtl="0" algn="l">
-              <a:lnSpc>
-                <a:spcPct val="100000"/>
-              </a:lnSpc>
-              <a:spcBef>
-                <a:spcPts val="0"/>
-              </a:spcBef>
-              <a:spcAft>
-                <a:spcPts val="0"/>
-              </a:spcAft>
-              <a:buClr>
-                <a:schemeClr val="dk1"/>
-              </a:buClr>
-              <a:buFont typeface="Arial"/>
-              <a:buNone/>
-            </a:pPr>
-            <a:r>
-              <a:rPr lang="en" sz="2200">
-                <a:solidFill>
-                  <a:schemeClr val="dk1"/>
-                </a:solidFill>
-                <a:latin typeface="Times New Roman"/>
-                <a:ea typeface="Times New Roman"/>
-                <a:cs typeface="Times New Roman"/>
-                <a:sym typeface="Times New Roman"/>
-              </a:rPr>
-              <a:t>	- Initialize the loop variables before the loop.</a:t>
-            </a:r>
-            <a:endParaRPr sz="2200">
-              <a:solidFill>
-                <a:schemeClr val="dk1"/>
-              </a:solidFill>
-              <a:latin typeface="Times New Roman"/>
-              <a:ea typeface="Times New Roman"/>
-              <a:cs typeface="Times New Roman"/>
-              <a:sym typeface="Times New Roman"/>
-            </a:endParaRPr>
-          </a:p>
-          <a:p>
-            <a:pPr indent="0" lvl="0" marL="0" rtl="0" algn="l">
-              <a:lnSpc>
-                <a:spcPct val="100000"/>
-              </a:lnSpc>
-              <a:spcBef>
-                <a:spcPts val="0"/>
-              </a:spcBef>
-              <a:spcAft>
-                <a:spcPts val="0"/>
-              </a:spcAft>
-              <a:buClr>
-                <a:schemeClr val="dk1"/>
-              </a:buClr>
-              <a:buFont typeface="Arial"/>
-              <a:buNone/>
-            </a:pPr>
-            <a:r>
-              <a:rPr lang="en" sz="2200">
-                <a:solidFill>
-                  <a:schemeClr val="dk1"/>
-                </a:solidFill>
-                <a:latin typeface="Times New Roman"/>
-                <a:ea typeface="Times New Roman"/>
-                <a:cs typeface="Times New Roman"/>
-                <a:sym typeface="Times New Roman"/>
-              </a:rPr>
-              <a:t>	- Setup the condition to exit the loop.</a:t>
-            </a:r>
-            <a:endParaRPr sz="2200">
-              <a:solidFill>
-                <a:schemeClr val="dk1"/>
-              </a:solidFill>
-              <a:latin typeface="Times New Roman"/>
-              <a:ea typeface="Times New Roman"/>
-              <a:cs typeface="Times New Roman"/>
-              <a:sym typeface="Times New Roman"/>
-            </a:endParaRPr>
-          </a:p>
-          <a:p>
-            <a:pPr indent="0" lvl="0" marL="0" rtl="0" algn="l">
-              <a:lnSpc>
-                <a:spcPct val="100000"/>
-              </a:lnSpc>
-              <a:spcBef>
-                <a:spcPts val="0"/>
-              </a:spcBef>
-              <a:spcAft>
-                <a:spcPts val="0"/>
-              </a:spcAft>
-              <a:buNone/>
-            </a:pPr>
-            <a:r>
-              <a:rPr lang="en" sz="2200">
-                <a:solidFill>
-                  <a:schemeClr val="dk1"/>
-                </a:solidFill>
-                <a:latin typeface="Times New Roman"/>
-                <a:ea typeface="Times New Roman"/>
-                <a:cs typeface="Times New Roman"/>
-                <a:sym typeface="Times New Roman"/>
-              </a:rPr>
-              <a:t>	- Update the value of the loop variables.</a:t>
-            </a:r>
-            <a:endParaRPr sz="2200">
-              <a:solidFill>
-                <a:schemeClr val="dk1"/>
-              </a:solidFill>
-              <a:latin typeface="Times New Roman"/>
-              <a:ea typeface="Times New Roman"/>
-              <a:cs typeface="Times New Roman"/>
-              <a:sym typeface="Times New Roman"/>
-            </a:endParaRPr>
-          </a:p>
-          <a:p>
-            <a:pPr indent="0" lvl="0" marL="0" rtl="0" algn="l">
-              <a:lnSpc>
-                <a:spcPct val="100000"/>
-              </a:lnSpc>
-              <a:spcBef>
-                <a:spcPts val="0"/>
-              </a:spcBef>
-              <a:spcAft>
-                <a:spcPts val="0"/>
-              </a:spcAft>
-              <a:buClr>
-                <a:schemeClr val="dk1"/>
-              </a:buClr>
-              <a:buFont typeface="Arial"/>
-              <a:buNone/>
-            </a:pPr>
-            <a:r>
-              <a:t/>
-            </a:r>
-            <a:endParaRPr sz="2200">
-              <a:solidFill>
-                <a:schemeClr val="dk1"/>
-              </a:solidFill>
-              <a:latin typeface="Times New Roman"/>
-              <a:ea typeface="Times New Roman"/>
-              <a:cs typeface="Times New Roman"/>
-              <a:sym typeface="Times New Roman"/>
-            </a:endParaRPr>
-          </a:p>
-          <a:p>
-            <a:pPr indent="0" lvl="0" marL="0" rtl="0" algn="l">
-              <a:lnSpc>
-                <a:spcPct val="100000"/>
-              </a:lnSpc>
-              <a:spcBef>
-                <a:spcPts val="0"/>
-              </a:spcBef>
-              <a:spcAft>
-                <a:spcPts val="0"/>
-              </a:spcAft>
-              <a:buNone/>
-            </a:pPr>
-            <a:r>
-              <a:rPr lang="en" sz="2200">
-                <a:solidFill>
-                  <a:schemeClr val="dk1"/>
-                </a:solidFill>
-                <a:latin typeface="Times New Roman"/>
-                <a:ea typeface="Times New Roman"/>
-                <a:cs typeface="Times New Roman"/>
-                <a:sym typeface="Times New Roman"/>
-              </a:rPr>
-              <a:t> - Use </a:t>
-            </a:r>
-            <a:r>
-              <a:rPr b="1" i="1" lang="en" sz="2200">
-                <a:solidFill>
-                  <a:srgbClr val="FF0000"/>
-                </a:solidFill>
-                <a:latin typeface="Courier New"/>
-                <a:ea typeface="Courier New"/>
-                <a:cs typeface="Courier New"/>
-                <a:sym typeface="Courier New"/>
-              </a:rPr>
-              <a:t>break</a:t>
-            </a:r>
-            <a:r>
-              <a:rPr lang="en" sz="2200">
-                <a:solidFill>
-                  <a:srgbClr val="FF0000"/>
-                </a:solidFill>
-                <a:latin typeface="Times New Roman"/>
-                <a:ea typeface="Times New Roman"/>
-                <a:cs typeface="Times New Roman"/>
-                <a:sym typeface="Times New Roman"/>
-              </a:rPr>
-              <a:t> </a:t>
-            </a:r>
-            <a:r>
-              <a:rPr lang="en" sz="2200">
-                <a:solidFill>
-                  <a:schemeClr val="dk1"/>
-                </a:solidFill>
-                <a:latin typeface="Times New Roman"/>
-                <a:ea typeface="Times New Roman"/>
-                <a:cs typeface="Times New Roman"/>
-                <a:sym typeface="Times New Roman"/>
-              </a:rPr>
-              <a:t>and </a:t>
-            </a:r>
-            <a:r>
-              <a:rPr b="1" i="1" lang="en" sz="2200">
-                <a:solidFill>
-                  <a:srgbClr val="FF0000"/>
-                </a:solidFill>
-                <a:latin typeface="Courier New"/>
-                <a:ea typeface="Courier New"/>
-                <a:cs typeface="Courier New"/>
-                <a:sym typeface="Courier New"/>
-              </a:rPr>
-              <a:t>continue</a:t>
-            </a:r>
-            <a:r>
-              <a:rPr lang="en" sz="2200">
-                <a:solidFill>
-                  <a:schemeClr val="dk1"/>
-                </a:solidFill>
-                <a:latin typeface="Times New Roman"/>
-                <a:ea typeface="Times New Roman"/>
-                <a:cs typeface="Times New Roman"/>
-                <a:sym typeface="Times New Roman"/>
-              </a:rPr>
-              <a:t> commands if needed.</a:t>
-            </a:r>
-            <a:endParaRPr sz="2200">
-              <a:solidFill>
-                <a:schemeClr val="dk1"/>
+                <a:srgbClr val="0000FF"/>
               </a:solidFill>
               <a:latin typeface="Times New Roman"/>
               <a:ea typeface="Times New Roman"/>
@@ -11883,6 +13732,989 @@
               <a:sym typeface="Times New Roman"/>
             </a:endParaRPr>
           </a:p>
+          <a:p>
+            <a:pPr indent="-381000" lvl="0" marL="457200" rtl="0" algn="l">
+              <a:spcBef>
+                <a:spcPts val="0"/>
+              </a:spcBef>
+              <a:spcAft>
+                <a:spcPts val="0"/>
+              </a:spcAft>
+              <a:buClr>
+                <a:schemeClr val="dk1"/>
+              </a:buClr>
+              <a:buSzPts val="2400"/>
+              <a:buFont typeface="Times New Roman"/>
+              <a:buChar char="●"/>
+            </a:pPr>
+            <a:r>
+              <a:rPr lang="en" sz="2400">
+                <a:solidFill>
+                  <a:schemeClr val="dk1"/>
+                </a:solidFill>
+                <a:latin typeface="Times New Roman"/>
+                <a:ea typeface="Times New Roman"/>
+                <a:cs typeface="Times New Roman"/>
+                <a:sym typeface="Times New Roman"/>
+              </a:rPr>
+              <a:t>Break and Continue statements</a:t>
+            </a:r>
+            <a:endParaRPr sz="2400">
+              <a:solidFill>
+                <a:schemeClr val="dk1"/>
+              </a:solidFill>
+              <a:latin typeface="Times New Roman"/>
+              <a:ea typeface="Times New Roman"/>
+              <a:cs typeface="Times New Roman"/>
+              <a:sym typeface="Times New Roman"/>
+            </a:endParaRPr>
+          </a:p>
+        </p:txBody>
+      </p:sp>
+    </p:spTree>
+  </p:cSld>
+  <p:clrMapOvr>
+    <a:masterClrMapping/>
+  </p:clrMapOvr>
+</p:sld>
+</file>
+
+<file path=ppt/slides/slide20.xml><?xml version="1.0" encoding="utf-8"?>
+<p:sld xmlns:a="http://schemas.openxmlformats.org/drawingml/2006/main" xmlns:r="http://schemas.openxmlformats.org/officeDocument/2006/relationships" xmlns:mc="http://schemas.openxmlformats.org/markup-compatibility/2006" xmlns:mv="urn:schemas-microsoft-com:mac:vml" xmlns:p="http://schemas.openxmlformats.org/presentationml/2006/main" xmlns:c="http://schemas.openxmlformats.org/drawingml/2006/chart" xmlns:dgm="http://schemas.openxmlformats.org/drawingml/2006/diagram" xmlns:o="urn:schemas-microsoft-com:office:office" xmlns:v="urn:schemas-microsoft-com:vml" xmlns:pvml="urn:schemas-microsoft-com:office:powerpoint" xmlns:com="http://schemas.openxmlformats.org/drawingml/2006/compatibility" xmlns:p14="http://schemas.microsoft.com/office/powerpoint/2010/main" xmlns:p15="http://schemas.microsoft.com/office/powerpoint/2012/main" xmlns:ahyp="http://schemas.microsoft.com/office/drawing/2018/hyperlinkcolor">
+  <p:cSld>
+    <p:spTree>
+      <p:nvGrpSpPr>
+        <p:cNvPr id="193" name="Shape 193"/>
+        <p:cNvGrpSpPr/>
+        <p:nvPr/>
+      </p:nvGrpSpPr>
+      <p:grpSpPr>
+        <a:xfrm>
+          <a:off x="0" y="0"/>
+          <a:ext cx="0" cy="0"/>
+          <a:chOff x="0" y="0"/>
+          <a:chExt cx="0" cy="0"/>
+        </a:xfrm>
+      </p:grpSpPr>
+      <p:sp>
+        <p:nvSpPr>
+          <p:cNvPr id="194" name="Google Shape;194;p32"/>
+          <p:cNvSpPr txBox="1"/>
+          <p:nvPr>
+            <p:ph idx="1" type="body"/>
+          </p:nvPr>
+        </p:nvSpPr>
+        <p:spPr>
+          <a:xfrm>
+            <a:off x="0" y="0"/>
+            <a:ext cx="9144000" cy="5143500"/>
+          </a:xfrm>
+          <a:prstGeom prst="rect">
+            <a:avLst/>
+          </a:prstGeom>
+        </p:spPr>
+        <p:txBody>
+          <a:bodyPr anchorCtr="0" anchor="t" bIns="91425" lIns="91425" spcFirstLastPara="1" rIns="91425" wrap="square" tIns="91425">
+            <a:noAutofit/>
+          </a:bodyPr>
+          <a:lstStyle/>
+          <a:p>
+            <a:pPr indent="0" lvl="0" marL="0" marR="259715" rtl="0" algn="l">
+              <a:lnSpc>
+                <a:spcPct val="150000"/>
+              </a:lnSpc>
+              <a:spcBef>
+                <a:spcPts val="0"/>
+              </a:spcBef>
+              <a:spcAft>
+                <a:spcPts val="0"/>
+              </a:spcAft>
+              <a:buNone/>
+            </a:pPr>
+            <a:r>
+              <a:rPr lang="en" sz="2000">
+                <a:solidFill>
+                  <a:schemeClr val="dk1"/>
+                </a:solidFill>
+                <a:latin typeface="Courier New"/>
+                <a:ea typeface="Courier New"/>
+                <a:cs typeface="Courier New"/>
+                <a:sym typeface="Courier New"/>
+              </a:rPr>
+              <a:t>for(let i = 0; i &lt; 10; i++)</a:t>
+            </a:r>
+            <a:endParaRPr sz="2000">
+              <a:solidFill>
+                <a:schemeClr val="dk1"/>
+              </a:solidFill>
+              <a:latin typeface="Courier New"/>
+              <a:ea typeface="Courier New"/>
+              <a:cs typeface="Courier New"/>
+              <a:sym typeface="Courier New"/>
+            </a:endParaRPr>
+          </a:p>
+          <a:p>
+            <a:pPr indent="0" lvl="0" marL="0" marR="259715" rtl="0" algn="l">
+              <a:lnSpc>
+                <a:spcPct val="150000"/>
+              </a:lnSpc>
+              <a:spcBef>
+                <a:spcPts val="0"/>
+              </a:spcBef>
+              <a:spcAft>
+                <a:spcPts val="0"/>
+              </a:spcAft>
+              <a:buNone/>
+            </a:pPr>
+            <a:r>
+              <a:rPr lang="en" sz="2000">
+                <a:solidFill>
+                  <a:schemeClr val="dk1"/>
+                </a:solidFill>
+                <a:latin typeface="Courier New"/>
+                <a:ea typeface="Courier New"/>
+                <a:cs typeface="Courier New"/>
+                <a:sym typeface="Courier New"/>
+              </a:rPr>
+              <a:t>{</a:t>
+            </a:r>
+            <a:endParaRPr sz="2000">
+              <a:solidFill>
+                <a:schemeClr val="dk1"/>
+              </a:solidFill>
+              <a:latin typeface="Courier New"/>
+              <a:ea typeface="Courier New"/>
+              <a:cs typeface="Courier New"/>
+              <a:sym typeface="Courier New"/>
+            </a:endParaRPr>
+          </a:p>
+          <a:p>
+            <a:pPr indent="0" lvl="0" marL="0" marR="259715" rtl="0" algn="l">
+              <a:lnSpc>
+                <a:spcPct val="150000"/>
+              </a:lnSpc>
+              <a:spcBef>
+                <a:spcPts val="0"/>
+              </a:spcBef>
+              <a:spcAft>
+                <a:spcPts val="0"/>
+              </a:spcAft>
+              <a:buNone/>
+            </a:pPr>
+            <a:r>
+              <a:rPr lang="en" sz="2000">
+                <a:solidFill>
+                  <a:schemeClr val="dk1"/>
+                </a:solidFill>
+                <a:latin typeface="Courier New"/>
+                <a:ea typeface="Courier New"/>
+                <a:cs typeface="Courier New"/>
+                <a:sym typeface="Courier New"/>
+              </a:rPr>
+              <a:t>     console.log("i = "+i);</a:t>
+            </a:r>
+            <a:endParaRPr sz="2000">
+              <a:solidFill>
+                <a:schemeClr val="dk1"/>
+              </a:solidFill>
+              <a:latin typeface="Courier New"/>
+              <a:ea typeface="Courier New"/>
+              <a:cs typeface="Courier New"/>
+              <a:sym typeface="Courier New"/>
+            </a:endParaRPr>
+          </a:p>
+          <a:p>
+            <a:pPr indent="0" lvl="0" marL="0" marR="259715" rtl="0" algn="l">
+              <a:lnSpc>
+                <a:spcPct val="150000"/>
+              </a:lnSpc>
+              <a:spcBef>
+                <a:spcPts val="0"/>
+              </a:spcBef>
+              <a:spcAft>
+                <a:spcPts val="0"/>
+              </a:spcAft>
+              <a:buNone/>
+            </a:pPr>
+            <a:r>
+              <a:rPr lang="en" sz="2000">
+                <a:solidFill>
+                  <a:schemeClr val="dk1"/>
+                </a:solidFill>
+                <a:latin typeface="Courier New"/>
+                <a:ea typeface="Courier New"/>
+                <a:cs typeface="Courier New"/>
+                <a:sym typeface="Courier New"/>
+              </a:rPr>
+              <a:t>}</a:t>
+            </a:r>
+            <a:endParaRPr sz="2000">
+              <a:solidFill>
+                <a:schemeClr val="dk1"/>
+              </a:solidFill>
+              <a:latin typeface="Courier New"/>
+              <a:ea typeface="Courier New"/>
+              <a:cs typeface="Courier New"/>
+              <a:sym typeface="Courier New"/>
+            </a:endParaRPr>
+          </a:p>
+          <a:p>
+            <a:pPr indent="0" lvl="0" marL="0" marR="259715" rtl="0" algn="l">
+              <a:lnSpc>
+                <a:spcPct val="150000"/>
+              </a:lnSpc>
+              <a:spcBef>
+                <a:spcPts val="0"/>
+              </a:spcBef>
+              <a:spcAft>
+                <a:spcPts val="0"/>
+              </a:spcAft>
+              <a:buNone/>
+            </a:pPr>
+            <a:r>
+              <a:t/>
+            </a:r>
+            <a:endParaRPr sz="2400">
+              <a:solidFill>
+                <a:schemeClr val="dk1"/>
+              </a:solidFill>
+              <a:latin typeface="Courier New"/>
+              <a:ea typeface="Courier New"/>
+              <a:cs typeface="Courier New"/>
+              <a:sym typeface="Courier New"/>
+            </a:endParaRPr>
+          </a:p>
+        </p:txBody>
+      </p:sp>
+      <p:pic>
+        <p:nvPicPr>
+          <p:cNvPr id="195" name="Google Shape;195;p32" title="Loop.png"/>
+          <p:cNvPicPr preferRelativeResize="0"/>
+          <p:nvPr/>
+        </p:nvPicPr>
+        <p:blipFill>
+          <a:blip r:embed="rId3">
+            <a:alphaModFix/>
+          </a:blip>
+          <a:stretch>
+            <a:fillRect/>
+          </a:stretch>
+        </p:blipFill>
+        <p:spPr>
+          <a:xfrm>
+            <a:off x="1804950" y="2513475"/>
+            <a:ext cx="781050" cy="2305050"/>
+          </a:xfrm>
+          <a:prstGeom prst="rect">
+            <a:avLst/>
+          </a:prstGeom>
+          <a:noFill/>
+          <a:ln>
+            <a:noFill/>
+          </a:ln>
+        </p:spPr>
+      </p:pic>
+      <p:pic>
+        <p:nvPicPr>
+          <p:cNvPr id="196" name="Google Shape;196;p32" title="Loop_Reverse.png"/>
+          <p:cNvPicPr preferRelativeResize="0"/>
+          <p:nvPr/>
+        </p:nvPicPr>
+        <p:blipFill>
+          <a:blip r:embed="rId4">
+            <a:alphaModFix/>
+          </a:blip>
+          <a:stretch>
+            <a:fillRect/>
+          </a:stretch>
+        </p:blipFill>
+        <p:spPr>
+          <a:xfrm>
+            <a:off x="6938288" y="2513475"/>
+            <a:ext cx="695325" cy="2266950"/>
+          </a:xfrm>
+          <a:prstGeom prst="rect">
+            <a:avLst/>
+          </a:prstGeom>
+          <a:noFill/>
+          <a:ln>
+            <a:noFill/>
+          </a:ln>
+        </p:spPr>
+      </p:pic>
+      <p:sp>
+        <p:nvSpPr>
+          <p:cNvPr id="197" name="Google Shape;197;p32"/>
+          <p:cNvSpPr/>
+          <p:nvPr/>
+        </p:nvSpPr>
+        <p:spPr>
+          <a:xfrm>
+            <a:off x="4526400" y="0"/>
+            <a:ext cx="4617600" cy="2267100"/>
+          </a:xfrm>
+          <a:prstGeom prst="rect">
+            <a:avLst/>
+          </a:prstGeom>
+          <a:noFill/>
+          <a:ln>
+            <a:noFill/>
+          </a:ln>
+        </p:spPr>
+        <p:txBody>
+          <a:bodyPr anchorCtr="0" anchor="ctr" bIns="91425" lIns="91425" spcFirstLastPara="1" rIns="91425" wrap="square" tIns="91425">
+            <a:noAutofit/>
+          </a:bodyPr>
+          <a:lstStyle/>
+          <a:p>
+            <a:pPr indent="0" lvl="0" marL="0" rtl="0" algn="ctr">
+              <a:spcBef>
+                <a:spcPts val="0"/>
+              </a:spcBef>
+              <a:spcAft>
+                <a:spcPts val="0"/>
+              </a:spcAft>
+              <a:buNone/>
+            </a:pPr>
+            <a:r>
+              <a:rPr lang="en" sz="2000">
+                <a:latin typeface="Times New Roman"/>
+                <a:ea typeface="Times New Roman"/>
+                <a:cs typeface="Times New Roman"/>
+                <a:sym typeface="Times New Roman"/>
+              </a:rPr>
+              <a:t>Change the code in the left to print the output below (reverse order)</a:t>
+            </a:r>
+            <a:endParaRPr sz="2000">
+              <a:latin typeface="Times New Roman"/>
+              <a:ea typeface="Times New Roman"/>
+              <a:cs typeface="Times New Roman"/>
+              <a:sym typeface="Times New Roman"/>
+            </a:endParaRPr>
+          </a:p>
+        </p:txBody>
+      </p:sp>
+    </p:spTree>
+  </p:cSld>
+  <p:clrMapOvr>
+    <a:masterClrMapping/>
+  </p:clrMapOvr>
+</p:sld>
+</file>
+
+<file path=ppt/slides/slide21.xml><?xml version="1.0" encoding="utf-8"?>
+<p:sld xmlns:a="http://schemas.openxmlformats.org/drawingml/2006/main" xmlns:r="http://schemas.openxmlformats.org/officeDocument/2006/relationships" xmlns:mc="http://schemas.openxmlformats.org/markup-compatibility/2006" xmlns:mv="urn:schemas-microsoft-com:mac:vml" xmlns:p="http://schemas.openxmlformats.org/presentationml/2006/main" xmlns:c="http://schemas.openxmlformats.org/drawingml/2006/chart" xmlns:dgm="http://schemas.openxmlformats.org/drawingml/2006/diagram" xmlns:o="urn:schemas-microsoft-com:office:office" xmlns:v="urn:schemas-microsoft-com:vml" xmlns:pvml="urn:schemas-microsoft-com:office:powerpoint" xmlns:com="http://schemas.openxmlformats.org/drawingml/2006/compatibility" xmlns:p14="http://schemas.microsoft.com/office/powerpoint/2010/main" xmlns:p15="http://schemas.microsoft.com/office/powerpoint/2012/main" xmlns:ahyp="http://schemas.microsoft.com/office/drawing/2018/hyperlinkcolor">
+  <p:cSld>
+    <p:spTree>
+      <p:nvGrpSpPr>
+        <p:cNvPr id="201" name="Shape 201"/>
+        <p:cNvGrpSpPr/>
+        <p:nvPr/>
+      </p:nvGrpSpPr>
+      <p:grpSpPr>
+        <a:xfrm>
+          <a:off x="0" y="0"/>
+          <a:ext cx="0" cy="0"/>
+          <a:chOff x="0" y="0"/>
+          <a:chExt cx="0" cy="0"/>
+        </a:xfrm>
+      </p:grpSpPr>
+      <p:sp>
+        <p:nvSpPr>
+          <p:cNvPr id="202" name="Google Shape;202;p33"/>
+          <p:cNvSpPr txBox="1"/>
+          <p:nvPr>
+            <p:ph type="title"/>
+          </p:nvPr>
+        </p:nvSpPr>
+        <p:spPr>
+          <a:xfrm>
+            <a:off x="0" y="0"/>
+            <a:ext cx="9144000" cy="572700"/>
+          </a:xfrm>
+          <a:prstGeom prst="rect">
+            <a:avLst/>
+          </a:prstGeom>
+        </p:spPr>
+        <p:txBody>
+          <a:bodyPr anchorCtr="0" anchor="t" bIns="91425" lIns="91425" spcFirstLastPara="1" rIns="91425" wrap="square" tIns="91425">
+            <a:noAutofit/>
+          </a:bodyPr>
+          <a:lstStyle/>
+          <a:p>
+            <a:pPr indent="0" lvl="0" marL="0" rtl="0" algn="l">
+              <a:spcBef>
+                <a:spcPts val="0"/>
+              </a:spcBef>
+              <a:spcAft>
+                <a:spcPts val="0"/>
+              </a:spcAft>
+              <a:buNone/>
+            </a:pPr>
+            <a:r>
+              <a:rPr lang="en" sz="3000">
+                <a:latin typeface="Times New Roman"/>
+                <a:ea typeface="Times New Roman"/>
+                <a:cs typeface="Times New Roman"/>
+                <a:sym typeface="Times New Roman"/>
+              </a:rPr>
+              <a:t>Summary</a:t>
+            </a:r>
+            <a:endParaRPr sz="3000">
+              <a:latin typeface="Times New Roman"/>
+              <a:ea typeface="Times New Roman"/>
+              <a:cs typeface="Times New Roman"/>
+              <a:sym typeface="Times New Roman"/>
+            </a:endParaRPr>
+          </a:p>
+        </p:txBody>
+      </p:sp>
+      <p:sp>
+        <p:nvSpPr>
+          <p:cNvPr id="203" name="Google Shape;203;p33"/>
+          <p:cNvSpPr txBox="1"/>
+          <p:nvPr>
+            <p:ph idx="1" type="body"/>
+          </p:nvPr>
+        </p:nvSpPr>
+        <p:spPr>
+          <a:xfrm>
+            <a:off x="0" y="572700"/>
+            <a:ext cx="9144000" cy="4570800"/>
+          </a:xfrm>
+          <a:prstGeom prst="rect">
+            <a:avLst/>
+          </a:prstGeom>
+        </p:spPr>
+        <p:txBody>
+          <a:bodyPr anchorCtr="0" anchor="ctr" bIns="91425" lIns="91425" spcFirstLastPara="1" rIns="91425" wrap="square" tIns="91425">
+            <a:noAutofit/>
+          </a:bodyPr>
+          <a:lstStyle/>
+          <a:p>
+            <a:pPr indent="0" lvl="0" marL="0" rtl="0" algn="l">
+              <a:lnSpc>
+                <a:spcPct val="100000"/>
+              </a:lnSpc>
+              <a:spcBef>
+                <a:spcPts val="0"/>
+              </a:spcBef>
+              <a:spcAft>
+                <a:spcPts val="0"/>
+              </a:spcAft>
+              <a:buClr>
+                <a:schemeClr val="dk1"/>
+              </a:buClr>
+              <a:buFont typeface="Arial"/>
+              <a:buNone/>
+            </a:pPr>
+            <a:r>
+              <a:rPr lang="en" sz="2200">
+                <a:solidFill>
+                  <a:schemeClr val="dk1"/>
+                </a:solidFill>
+                <a:latin typeface="Times New Roman"/>
+                <a:ea typeface="Times New Roman"/>
+                <a:cs typeface="Times New Roman"/>
+                <a:sym typeface="Times New Roman"/>
+              </a:rPr>
+              <a:t> - </a:t>
+            </a:r>
+            <a:r>
+              <a:rPr lang="en" sz="2200">
+                <a:solidFill>
+                  <a:schemeClr val="dk1"/>
+                </a:solidFill>
+                <a:latin typeface="Times New Roman"/>
+                <a:ea typeface="Times New Roman"/>
+                <a:cs typeface="Times New Roman"/>
+                <a:sym typeface="Times New Roman"/>
+              </a:rPr>
+              <a:t>To perform repetitive tasks, use loops. There are two types of loops:</a:t>
+            </a:r>
+            <a:endParaRPr sz="2200">
+              <a:solidFill>
+                <a:schemeClr val="dk1"/>
+              </a:solidFill>
+              <a:latin typeface="Times New Roman"/>
+              <a:ea typeface="Times New Roman"/>
+              <a:cs typeface="Times New Roman"/>
+              <a:sym typeface="Times New Roman"/>
+            </a:endParaRPr>
+          </a:p>
+          <a:p>
+            <a:pPr indent="0" lvl="0" marL="0" rtl="0" algn="l">
+              <a:lnSpc>
+                <a:spcPct val="100000"/>
+              </a:lnSpc>
+              <a:spcBef>
+                <a:spcPts val="0"/>
+              </a:spcBef>
+              <a:spcAft>
+                <a:spcPts val="0"/>
+              </a:spcAft>
+              <a:buClr>
+                <a:schemeClr val="dk1"/>
+              </a:buClr>
+              <a:buFont typeface="Arial"/>
+              <a:buNone/>
+            </a:pPr>
+            <a:r>
+              <a:rPr lang="en" sz="2200">
+                <a:solidFill>
+                  <a:schemeClr val="dk1"/>
+                </a:solidFill>
+                <a:latin typeface="Times New Roman"/>
+                <a:ea typeface="Times New Roman"/>
+                <a:cs typeface="Times New Roman"/>
+                <a:sym typeface="Times New Roman"/>
+              </a:rPr>
+              <a:t>	- </a:t>
+            </a:r>
+            <a:r>
+              <a:rPr b="1" i="1" lang="en" sz="2200">
+                <a:solidFill>
+                  <a:srgbClr val="FF0000"/>
+                </a:solidFill>
+                <a:latin typeface="Courier New"/>
+                <a:ea typeface="Courier New"/>
+                <a:cs typeface="Courier New"/>
+                <a:sym typeface="Courier New"/>
+              </a:rPr>
+              <a:t>for</a:t>
+            </a:r>
+            <a:r>
+              <a:rPr lang="en" sz="2200">
+                <a:solidFill>
+                  <a:schemeClr val="dk1"/>
+                </a:solidFill>
+                <a:latin typeface="Times New Roman"/>
+                <a:ea typeface="Times New Roman"/>
+                <a:cs typeface="Times New Roman"/>
+                <a:sym typeface="Times New Roman"/>
+              </a:rPr>
+              <a:t> a specified number of times.</a:t>
+            </a:r>
+            <a:endParaRPr sz="2200">
+              <a:solidFill>
+                <a:schemeClr val="dk1"/>
+              </a:solidFill>
+              <a:latin typeface="Times New Roman"/>
+              <a:ea typeface="Times New Roman"/>
+              <a:cs typeface="Times New Roman"/>
+              <a:sym typeface="Times New Roman"/>
+            </a:endParaRPr>
+          </a:p>
+          <a:p>
+            <a:pPr indent="0" lvl="0" marL="0" rtl="0" algn="l">
+              <a:lnSpc>
+                <a:spcPct val="100000"/>
+              </a:lnSpc>
+              <a:spcBef>
+                <a:spcPts val="0"/>
+              </a:spcBef>
+              <a:spcAft>
+                <a:spcPts val="0"/>
+              </a:spcAft>
+              <a:buNone/>
+            </a:pPr>
+            <a:r>
+              <a:rPr lang="en" sz="2200">
+                <a:solidFill>
+                  <a:schemeClr val="dk1"/>
+                </a:solidFill>
+                <a:latin typeface="Times New Roman"/>
+                <a:ea typeface="Times New Roman"/>
+                <a:cs typeface="Times New Roman"/>
+                <a:sym typeface="Times New Roman"/>
+              </a:rPr>
+              <a:t>	- </a:t>
+            </a:r>
+            <a:r>
+              <a:rPr b="1" i="1" lang="en" sz="2200">
+                <a:solidFill>
+                  <a:srgbClr val="FF0000"/>
+                </a:solidFill>
+                <a:latin typeface="Courier New"/>
+                <a:ea typeface="Courier New"/>
+                <a:cs typeface="Courier New"/>
+                <a:sym typeface="Courier New"/>
+              </a:rPr>
+              <a:t>while</a:t>
+            </a:r>
+            <a:r>
+              <a:rPr lang="en" sz="2200">
+                <a:solidFill>
+                  <a:srgbClr val="FF0000"/>
+                </a:solidFill>
+                <a:latin typeface="Times New Roman"/>
+                <a:ea typeface="Times New Roman"/>
+                <a:cs typeface="Times New Roman"/>
+                <a:sym typeface="Times New Roman"/>
+              </a:rPr>
+              <a:t> </a:t>
+            </a:r>
+            <a:r>
+              <a:rPr lang="en" sz="2200">
+                <a:solidFill>
+                  <a:schemeClr val="dk1"/>
+                </a:solidFill>
+                <a:latin typeface="Times New Roman"/>
+                <a:ea typeface="Times New Roman"/>
+                <a:cs typeface="Times New Roman"/>
+                <a:sym typeface="Times New Roman"/>
+              </a:rPr>
+              <a:t>a specified conditions holds.</a:t>
+            </a:r>
+            <a:endParaRPr sz="2200">
+              <a:solidFill>
+                <a:schemeClr val="dk1"/>
+              </a:solidFill>
+              <a:latin typeface="Times New Roman"/>
+              <a:ea typeface="Times New Roman"/>
+              <a:cs typeface="Times New Roman"/>
+              <a:sym typeface="Times New Roman"/>
+            </a:endParaRPr>
+          </a:p>
+          <a:p>
+            <a:pPr indent="0" lvl="0" marL="0" rtl="0" algn="l">
+              <a:lnSpc>
+                <a:spcPct val="100000"/>
+              </a:lnSpc>
+              <a:spcBef>
+                <a:spcPts val="0"/>
+              </a:spcBef>
+              <a:spcAft>
+                <a:spcPts val="0"/>
+              </a:spcAft>
+              <a:buNone/>
+            </a:pPr>
+            <a:r>
+              <a:t/>
+            </a:r>
+            <a:endParaRPr sz="2200">
+              <a:solidFill>
+                <a:schemeClr val="dk1"/>
+              </a:solidFill>
+              <a:latin typeface="Times New Roman"/>
+              <a:ea typeface="Times New Roman"/>
+              <a:cs typeface="Times New Roman"/>
+              <a:sym typeface="Times New Roman"/>
+            </a:endParaRPr>
+          </a:p>
+          <a:p>
+            <a:pPr indent="0" lvl="0" marL="0" rtl="0" algn="l">
+              <a:lnSpc>
+                <a:spcPct val="100000"/>
+              </a:lnSpc>
+              <a:spcBef>
+                <a:spcPts val="0"/>
+              </a:spcBef>
+              <a:spcAft>
+                <a:spcPts val="0"/>
+              </a:spcAft>
+              <a:buClr>
+                <a:schemeClr val="dk1"/>
+              </a:buClr>
+              <a:buFont typeface="Arial"/>
+              <a:buNone/>
+            </a:pPr>
+            <a:r>
+              <a:rPr lang="en" sz="2200">
+                <a:solidFill>
+                  <a:schemeClr val="dk1"/>
+                </a:solidFill>
+                <a:latin typeface="Times New Roman"/>
+                <a:ea typeface="Times New Roman"/>
+                <a:cs typeface="Times New Roman"/>
+                <a:sym typeface="Times New Roman"/>
+              </a:rPr>
+              <a:t> - </a:t>
+            </a:r>
+            <a:r>
+              <a:rPr lang="en" sz="2200">
+                <a:solidFill>
+                  <a:schemeClr val="dk1"/>
+                </a:solidFill>
+                <a:latin typeface="Times New Roman"/>
+                <a:ea typeface="Times New Roman"/>
+                <a:cs typeface="Times New Roman"/>
+                <a:sym typeface="Times New Roman"/>
+              </a:rPr>
+              <a:t>Don’t forget about three steps</a:t>
+            </a:r>
+            <a:r>
+              <a:rPr lang="en" sz="2200">
+                <a:solidFill>
+                  <a:srgbClr val="FF0000"/>
+                </a:solidFill>
+                <a:latin typeface="Times New Roman"/>
+                <a:ea typeface="Times New Roman"/>
+                <a:cs typeface="Times New Roman"/>
+                <a:sym typeface="Times New Roman"/>
+              </a:rPr>
+              <a:t> </a:t>
+            </a:r>
+            <a:r>
+              <a:rPr lang="en" sz="2200">
+                <a:solidFill>
+                  <a:schemeClr val="dk1"/>
+                </a:solidFill>
+                <a:latin typeface="Times New Roman"/>
+                <a:ea typeface="Times New Roman"/>
+                <a:cs typeface="Times New Roman"/>
+                <a:sym typeface="Times New Roman"/>
+              </a:rPr>
+              <a:t>of the loops:</a:t>
+            </a:r>
+            <a:endParaRPr sz="2200">
+              <a:solidFill>
+                <a:schemeClr val="dk1"/>
+              </a:solidFill>
+              <a:latin typeface="Times New Roman"/>
+              <a:ea typeface="Times New Roman"/>
+              <a:cs typeface="Times New Roman"/>
+              <a:sym typeface="Times New Roman"/>
+            </a:endParaRPr>
+          </a:p>
+          <a:p>
+            <a:pPr indent="0" lvl="0" marL="0" rtl="0" algn="l">
+              <a:lnSpc>
+                <a:spcPct val="100000"/>
+              </a:lnSpc>
+              <a:spcBef>
+                <a:spcPts val="0"/>
+              </a:spcBef>
+              <a:spcAft>
+                <a:spcPts val="0"/>
+              </a:spcAft>
+              <a:buClr>
+                <a:schemeClr val="dk1"/>
+              </a:buClr>
+              <a:buFont typeface="Arial"/>
+              <a:buNone/>
+            </a:pPr>
+            <a:r>
+              <a:rPr lang="en" sz="2200">
+                <a:solidFill>
+                  <a:schemeClr val="dk1"/>
+                </a:solidFill>
+                <a:latin typeface="Times New Roman"/>
+                <a:ea typeface="Times New Roman"/>
+                <a:cs typeface="Times New Roman"/>
+                <a:sym typeface="Times New Roman"/>
+              </a:rPr>
+              <a:t>	- Initialize the loop variables before the loop.</a:t>
+            </a:r>
+            <a:endParaRPr sz="2200">
+              <a:solidFill>
+                <a:schemeClr val="dk1"/>
+              </a:solidFill>
+              <a:latin typeface="Times New Roman"/>
+              <a:ea typeface="Times New Roman"/>
+              <a:cs typeface="Times New Roman"/>
+              <a:sym typeface="Times New Roman"/>
+            </a:endParaRPr>
+          </a:p>
+          <a:p>
+            <a:pPr indent="0" lvl="0" marL="0" rtl="0" algn="l">
+              <a:lnSpc>
+                <a:spcPct val="100000"/>
+              </a:lnSpc>
+              <a:spcBef>
+                <a:spcPts val="0"/>
+              </a:spcBef>
+              <a:spcAft>
+                <a:spcPts val="0"/>
+              </a:spcAft>
+              <a:buClr>
+                <a:schemeClr val="dk1"/>
+              </a:buClr>
+              <a:buFont typeface="Arial"/>
+              <a:buNone/>
+            </a:pPr>
+            <a:r>
+              <a:rPr lang="en" sz="2200">
+                <a:solidFill>
+                  <a:schemeClr val="dk1"/>
+                </a:solidFill>
+                <a:latin typeface="Times New Roman"/>
+                <a:ea typeface="Times New Roman"/>
+                <a:cs typeface="Times New Roman"/>
+                <a:sym typeface="Times New Roman"/>
+              </a:rPr>
+              <a:t>	- Setup the condition to exit the loop.</a:t>
+            </a:r>
+            <a:endParaRPr sz="2200">
+              <a:solidFill>
+                <a:schemeClr val="dk1"/>
+              </a:solidFill>
+              <a:latin typeface="Times New Roman"/>
+              <a:ea typeface="Times New Roman"/>
+              <a:cs typeface="Times New Roman"/>
+              <a:sym typeface="Times New Roman"/>
+            </a:endParaRPr>
+          </a:p>
+          <a:p>
+            <a:pPr indent="0" lvl="0" marL="0" rtl="0" algn="l">
+              <a:lnSpc>
+                <a:spcPct val="100000"/>
+              </a:lnSpc>
+              <a:spcBef>
+                <a:spcPts val="0"/>
+              </a:spcBef>
+              <a:spcAft>
+                <a:spcPts val="0"/>
+              </a:spcAft>
+              <a:buNone/>
+            </a:pPr>
+            <a:r>
+              <a:rPr lang="en" sz="2200">
+                <a:solidFill>
+                  <a:schemeClr val="dk1"/>
+                </a:solidFill>
+                <a:latin typeface="Times New Roman"/>
+                <a:ea typeface="Times New Roman"/>
+                <a:cs typeface="Times New Roman"/>
+                <a:sym typeface="Times New Roman"/>
+              </a:rPr>
+              <a:t>	- Update the value of the loop variables.</a:t>
+            </a:r>
+            <a:endParaRPr sz="2200">
+              <a:solidFill>
+                <a:schemeClr val="dk1"/>
+              </a:solidFill>
+              <a:latin typeface="Times New Roman"/>
+              <a:ea typeface="Times New Roman"/>
+              <a:cs typeface="Times New Roman"/>
+              <a:sym typeface="Times New Roman"/>
+            </a:endParaRPr>
+          </a:p>
+          <a:p>
+            <a:pPr indent="0" lvl="0" marL="0" rtl="0" algn="l">
+              <a:lnSpc>
+                <a:spcPct val="100000"/>
+              </a:lnSpc>
+              <a:spcBef>
+                <a:spcPts val="0"/>
+              </a:spcBef>
+              <a:spcAft>
+                <a:spcPts val="0"/>
+              </a:spcAft>
+              <a:buClr>
+                <a:schemeClr val="dk1"/>
+              </a:buClr>
+              <a:buFont typeface="Arial"/>
+              <a:buNone/>
+            </a:pPr>
+            <a:r>
+              <a:t/>
+            </a:r>
+            <a:endParaRPr sz="2200">
+              <a:solidFill>
+                <a:schemeClr val="dk1"/>
+              </a:solidFill>
+              <a:latin typeface="Times New Roman"/>
+              <a:ea typeface="Times New Roman"/>
+              <a:cs typeface="Times New Roman"/>
+              <a:sym typeface="Times New Roman"/>
+            </a:endParaRPr>
+          </a:p>
+          <a:p>
+            <a:pPr indent="0" lvl="0" marL="0" rtl="0" algn="l">
+              <a:lnSpc>
+                <a:spcPct val="100000"/>
+              </a:lnSpc>
+              <a:spcBef>
+                <a:spcPts val="0"/>
+              </a:spcBef>
+              <a:spcAft>
+                <a:spcPts val="0"/>
+              </a:spcAft>
+              <a:buNone/>
+            </a:pPr>
+            <a:r>
+              <a:rPr lang="en" sz="2200">
+                <a:solidFill>
+                  <a:schemeClr val="dk1"/>
+                </a:solidFill>
+                <a:latin typeface="Times New Roman"/>
+                <a:ea typeface="Times New Roman"/>
+                <a:cs typeface="Times New Roman"/>
+                <a:sym typeface="Times New Roman"/>
+              </a:rPr>
+              <a:t> - Use </a:t>
+            </a:r>
+            <a:r>
+              <a:rPr b="1" i="1" lang="en" sz="2200">
+                <a:solidFill>
+                  <a:srgbClr val="FF0000"/>
+                </a:solidFill>
+                <a:latin typeface="Courier New"/>
+                <a:ea typeface="Courier New"/>
+                <a:cs typeface="Courier New"/>
+                <a:sym typeface="Courier New"/>
+              </a:rPr>
+              <a:t>break</a:t>
+            </a:r>
+            <a:r>
+              <a:rPr lang="en" sz="2200">
+                <a:solidFill>
+                  <a:srgbClr val="FF0000"/>
+                </a:solidFill>
+                <a:latin typeface="Times New Roman"/>
+                <a:ea typeface="Times New Roman"/>
+                <a:cs typeface="Times New Roman"/>
+                <a:sym typeface="Times New Roman"/>
+              </a:rPr>
+              <a:t> </a:t>
+            </a:r>
+            <a:r>
+              <a:rPr lang="en" sz="2200">
+                <a:solidFill>
+                  <a:schemeClr val="dk1"/>
+                </a:solidFill>
+                <a:latin typeface="Times New Roman"/>
+                <a:ea typeface="Times New Roman"/>
+                <a:cs typeface="Times New Roman"/>
+                <a:sym typeface="Times New Roman"/>
+              </a:rPr>
+              <a:t>and </a:t>
+            </a:r>
+            <a:r>
+              <a:rPr b="1" i="1" lang="en" sz="2200">
+                <a:solidFill>
+                  <a:srgbClr val="FF0000"/>
+                </a:solidFill>
+                <a:latin typeface="Courier New"/>
+                <a:ea typeface="Courier New"/>
+                <a:cs typeface="Courier New"/>
+                <a:sym typeface="Courier New"/>
+              </a:rPr>
+              <a:t>continue</a:t>
+            </a:r>
+            <a:r>
+              <a:rPr lang="en" sz="2200">
+                <a:solidFill>
+                  <a:schemeClr val="dk1"/>
+                </a:solidFill>
+                <a:latin typeface="Times New Roman"/>
+                <a:ea typeface="Times New Roman"/>
+                <a:cs typeface="Times New Roman"/>
+                <a:sym typeface="Times New Roman"/>
+              </a:rPr>
+              <a:t> commands if needed.</a:t>
+            </a:r>
+            <a:endParaRPr sz="2200">
+              <a:solidFill>
+                <a:schemeClr val="dk1"/>
+              </a:solidFill>
+              <a:latin typeface="Times New Roman"/>
+              <a:ea typeface="Times New Roman"/>
+              <a:cs typeface="Times New Roman"/>
+              <a:sym typeface="Times New Roman"/>
+            </a:endParaRPr>
+          </a:p>
         </p:txBody>
       </p:sp>
     </p:spTree>
@@ -11990,10 +14822,15 @@
               <a:spcAft>
                 <a:spcPts val="0"/>
               </a:spcAft>
-              <a:buNone/>
-            </a:pPr>
-            <a:r>
-              <a:rPr b="1" lang="en">
+              <a:buClr>
+                <a:schemeClr val="dk1"/>
+              </a:buClr>
+              <a:buSzPts val="1100"/>
+              <a:buFont typeface="Arial"/>
+              <a:buNone/>
+            </a:pPr>
+            <a:r>
+              <a:rPr b="1" lang="en" sz="2400">
                 <a:solidFill>
                   <a:schemeClr val="dk1"/>
                 </a:solidFill>
@@ -12005,7 +14842,7 @@
               <a:t>Problem: </a:t>
             </a:r>
             <a:r>
-              <a:rPr lang="en">
+              <a:rPr lang="en" sz="2400">
                 <a:solidFill>
                   <a:schemeClr val="dk1"/>
                 </a:solidFill>
@@ -12014,9 +14851,9 @@
                 <a:cs typeface="Times New Roman"/>
                 <a:sym typeface="Times New Roman"/>
               </a:rPr>
-              <a:t>We need to compute the average grade for lab:</a:t>
-            </a:r>
-            <a:endParaRPr>
+              <a:t>Calculate the average grade for lab 1</a:t>
+            </a:r>
+            <a:endParaRPr sz="2400">
               <a:solidFill>
                 <a:schemeClr val="dk1"/>
               </a:solidFill>
@@ -12106,76 +14943,7 @@
               <a:buNone/>
             </a:pPr>
             <a:r>
-              <a:rPr b="1" lang="en" sz="1200">
-                <a:solidFill>
-                  <a:schemeClr val="dk1"/>
-                </a:solidFill>
-                <a:latin typeface="Courier New"/>
-                <a:ea typeface="Courier New"/>
-                <a:cs typeface="Courier New"/>
-                <a:sym typeface="Courier New"/>
-              </a:rPr>
-              <a:t>(student_1.lab_1 + student_2.</a:t>
-            </a:r>
-            <a:r>
-              <a:rPr b="1" lang="en" sz="1200">
-                <a:solidFill>
-                  <a:schemeClr val="dk1"/>
-                </a:solidFill>
-                <a:latin typeface="Courier New"/>
-                <a:ea typeface="Courier New"/>
-                <a:cs typeface="Courier New"/>
-                <a:sym typeface="Courier New"/>
-              </a:rPr>
-              <a:t>lab_1</a:t>
-            </a:r>
-            <a:r>
-              <a:rPr b="1" lang="en" sz="1200">
-                <a:solidFill>
-                  <a:schemeClr val="dk1"/>
-                </a:solidFill>
-                <a:latin typeface="Courier New"/>
-                <a:ea typeface="Courier New"/>
-                <a:cs typeface="Courier New"/>
-                <a:sym typeface="Courier New"/>
-              </a:rPr>
-              <a:t> + student_3.</a:t>
-            </a:r>
-            <a:r>
-              <a:rPr b="1" lang="en" sz="1200">
-                <a:solidFill>
-                  <a:schemeClr val="dk1"/>
-                </a:solidFill>
-                <a:latin typeface="Courier New"/>
-                <a:ea typeface="Courier New"/>
-                <a:cs typeface="Courier New"/>
-                <a:sym typeface="Courier New"/>
-              </a:rPr>
-              <a:t>lab_1</a:t>
-            </a:r>
-            <a:r>
-              <a:rPr b="1" lang="en" sz="1200">
-                <a:solidFill>
-                  <a:schemeClr val="dk1"/>
-                </a:solidFill>
-                <a:latin typeface="Courier New"/>
-                <a:ea typeface="Courier New"/>
-                <a:cs typeface="Courier New"/>
-                <a:sym typeface="Courier New"/>
-              </a:rPr>
-              <a:t> + … + student_39.</a:t>
-            </a:r>
-            <a:r>
-              <a:rPr b="1" lang="en" sz="1200">
-                <a:solidFill>
-                  <a:schemeClr val="dk1"/>
-                </a:solidFill>
-                <a:latin typeface="Courier New"/>
-                <a:ea typeface="Courier New"/>
-                <a:cs typeface="Courier New"/>
-                <a:sym typeface="Courier New"/>
-              </a:rPr>
-              <a:t>lab_1)</a:t>
+              <a:t/>
             </a:r>
             <a:endParaRPr b="1" sz="1200">
               <a:solidFill>
@@ -12188,7 +14956,270 @@
             </a:endParaRPr>
           </a:p>
           <a:p>
-            <a:pPr indent="0" lvl="0" marL="4572000" rtl="0" algn="l">
+            <a:pPr indent="457200" lvl="0" marL="1828800" rtl="0" algn="l">
+              <a:spcBef>
+                <a:spcPts val="1200"/>
+              </a:spcBef>
+              <a:spcAft>
+                <a:spcPts val="0"/>
+              </a:spcAft>
+              <a:buNone/>
+            </a:pPr>
+            <a:r>
+              <a:t/>
+            </a:r>
+            <a:endParaRPr>
+              <a:solidFill>
+                <a:schemeClr val="dk1"/>
+              </a:solidFill>
+              <a:latin typeface="Times New Roman"/>
+              <a:ea typeface="Times New Roman"/>
+              <a:cs typeface="Times New Roman"/>
+              <a:sym typeface="Times New Roman"/>
+            </a:endParaRPr>
+          </a:p>
+          <a:p>
+            <a:pPr indent="0" lvl="0" marL="0" rtl="0" algn="l">
+              <a:spcBef>
+                <a:spcPts val="1200"/>
+              </a:spcBef>
+              <a:spcAft>
+                <a:spcPts val="1200"/>
+              </a:spcAft>
+              <a:buNone/>
+            </a:pPr>
+            <a:r>
+              <a:t/>
+            </a:r>
+            <a:endParaRPr>
+              <a:solidFill>
+                <a:schemeClr val="dk1"/>
+              </a:solidFill>
+              <a:latin typeface="Times New Roman"/>
+              <a:ea typeface="Times New Roman"/>
+              <a:cs typeface="Times New Roman"/>
+              <a:sym typeface="Times New Roman"/>
+            </a:endParaRPr>
+          </a:p>
+        </p:txBody>
+      </p:sp>
+    </p:spTree>
+  </p:cSld>
+  <p:clrMapOvr>
+    <a:masterClrMapping/>
+  </p:clrMapOvr>
+</p:sld>
+</file>
+
+<file path=ppt/slides/slide4.xml><?xml version="1.0" encoding="utf-8"?>
+<p:sld xmlns:a="http://schemas.openxmlformats.org/drawingml/2006/main" xmlns:r="http://schemas.openxmlformats.org/officeDocument/2006/relationships" xmlns:mc="http://schemas.openxmlformats.org/markup-compatibility/2006" xmlns:mv="urn:schemas-microsoft-com:mac:vml" xmlns:p="http://schemas.openxmlformats.org/presentationml/2006/main" xmlns:c="http://schemas.openxmlformats.org/drawingml/2006/chart" xmlns:dgm="http://schemas.openxmlformats.org/drawingml/2006/diagram" xmlns:o="urn:schemas-microsoft-com:office:office" xmlns:v="urn:schemas-microsoft-com:vml" xmlns:pvml="urn:schemas-microsoft-com:office:powerpoint" xmlns:com="http://schemas.openxmlformats.org/drawingml/2006/compatibility" xmlns:p14="http://schemas.microsoft.com/office/powerpoint/2010/main" xmlns:p15="http://schemas.microsoft.com/office/powerpoint/2012/main" xmlns:ahyp="http://schemas.microsoft.com/office/drawing/2018/hyperlinkcolor">
+  <p:cSld>
+    <p:spTree>
+      <p:nvGrpSpPr>
+        <p:cNvPr id="71" name="Shape 71"/>
+        <p:cNvGrpSpPr/>
+        <p:nvPr/>
+      </p:nvGrpSpPr>
+      <p:grpSpPr>
+        <a:xfrm>
+          <a:off x="0" y="0"/>
+          <a:ext cx="0" cy="0"/>
+          <a:chOff x="0" y="0"/>
+          <a:chExt cx="0" cy="0"/>
+        </a:xfrm>
+      </p:grpSpPr>
+      <p:sp>
+        <p:nvSpPr>
+          <p:cNvPr id="72" name="Google Shape;72;p16"/>
+          <p:cNvSpPr txBox="1"/>
+          <p:nvPr>
+            <p:ph type="title"/>
+          </p:nvPr>
+        </p:nvSpPr>
+        <p:spPr>
+          <a:xfrm>
+            <a:off x="0" y="0"/>
+            <a:ext cx="9144000" cy="572700"/>
+          </a:xfrm>
+          <a:prstGeom prst="rect">
+            <a:avLst/>
+          </a:prstGeom>
+        </p:spPr>
+        <p:txBody>
+          <a:bodyPr anchorCtr="0" anchor="t" bIns="91425" lIns="91425" spcFirstLastPara="1" rIns="91425" wrap="square" tIns="91425">
+            <a:noAutofit/>
+          </a:bodyPr>
+          <a:lstStyle/>
+          <a:p>
+            <a:pPr indent="0" lvl="0" marL="0" rtl="0" algn="l">
+              <a:spcBef>
+                <a:spcPts val="0"/>
+              </a:spcBef>
+              <a:spcAft>
+                <a:spcPts val="0"/>
+              </a:spcAft>
+              <a:buNone/>
+            </a:pPr>
+            <a:r>
+              <a:rPr lang="en" sz="3000">
+                <a:latin typeface="Times New Roman"/>
+                <a:ea typeface="Times New Roman"/>
+                <a:cs typeface="Times New Roman"/>
+                <a:sym typeface="Times New Roman"/>
+              </a:rPr>
+              <a:t>Introduction</a:t>
+            </a:r>
+            <a:endParaRPr sz="3000">
+              <a:latin typeface="Times New Roman"/>
+              <a:ea typeface="Times New Roman"/>
+              <a:cs typeface="Times New Roman"/>
+              <a:sym typeface="Times New Roman"/>
+            </a:endParaRPr>
+          </a:p>
+        </p:txBody>
+      </p:sp>
+      <p:sp>
+        <p:nvSpPr>
+          <p:cNvPr id="73" name="Google Shape;73;p16"/>
+          <p:cNvSpPr txBox="1"/>
+          <p:nvPr>
+            <p:ph idx="1" type="body"/>
+          </p:nvPr>
+        </p:nvSpPr>
+        <p:spPr>
+          <a:xfrm>
+            <a:off x="0" y="572700"/>
+            <a:ext cx="9144000" cy="4570800"/>
+          </a:xfrm>
+          <a:prstGeom prst="rect">
+            <a:avLst/>
+          </a:prstGeom>
+        </p:spPr>
+        <p:txBody>
+          <a:bodyPr anchorCtr="0" anchor="t" bIns="91425" lIns="91425" spcFirstLastPara="1" rIns="91425" wrap="square" tIns="91425">
+            <a:normAutofit/>
+          </a:bodyPr>
+          <a:lstStyle/>
+          <a:p>
+            <a:pPr indent="0" lvl="0" marL="0" rtl="0" algn="ctr">
+              <a:spcBef>
+                <a:spcPts val="0"/>
+              </a:spcBef>
+              <a:spcAft>
+                <a:spcPts val="0"/>
+              </a:spcAft>
+              <a:buClr>
+                <a:schemeClr val="dk1"/>
+              </a:buClr>
+              <a:buSzPts val="1100"/>
+              <a:buFont typeface="Arial"/>
+              <a:buNone/>
+            </a:pPr>
+            <a:r>
+              <a:rPr b="1" lang="en" sz="2400">
+                <a:solidFill>
+                  <a:schemeClr val="dk1"/>
+                </a:solidFill>
+                <a:latin typeface="Times New Roman"/>
+                <a:ea typeface="Times New Roman"/>
+                <a:cs typeface="Times New Roman"/>
+                <a:sym typeface="Times New Roman"/>
+              </a:rPr>
+              <a:t>Problem: </a:t>
+            </a:r>
+            <a:r>
+              <a:rPr lang="en" sz="2400">
+                <a:solidFill>
+                  <a:schemeClr val="dk1"/>
+                </a:solidFill>
+                <a:latin typeface="Times New Roman"/>
+                <a:ea typeface="Times New Roman"/>
+                <a:cs typeface="Times New Roman"/>
+                <a:sym typeface="Times New Roman"/>
+              </a:rPr>
+              <a:t>Calculate the average grade for lab 1</a:t>
+            </a:r>
+            <a:endParaRPr sz="2400">
+              <a:solidFill>
+                <a:schemeClr val="dk1"/>
+              </a:solidFill>
+              <a:latin typeface="Times New Roman"/>
+              <a:ea typeface="Times New Roman"/>
+              <a:cs typeface="Times New Roman"/>
+              <a:sym typeface="Times New Roman"/>
+            </a:endParaRPr>
+          </a:p>
+          <a:p>
+            <a:pPr indent="0" lvl="0" marL="0" rtl="0" algn="l">
+              <a:spcBef>
+                <a:spcPts val="1200"/>
+              </a:spcBef>
+              <a:spcAft>
+                <a:spcPts val="0"/>
+              </a:spcAft>
+              <a:buNone/>
+            </a:pPr>
+            <a:r>
+              <a:t/>
+            </a:r>
+            <a:endParaRPr>
+              <a:solidFill>
+                <a:schemeClr val="dk1"/>
+              </a:solidFill>
+              <a:latin typeface="Times New Roman"/>
+              <a:ea typeface="Times New Roman"/>
+              <a:cs typeface="Times New Roman"/>
+              <a:sym typeface="Times New Roman"/>
+            </a:endParaRPr>
+          </a:p>
+          <a:p>
+            <a:pPr indent="0" lvl="0" marL="0" rtl="0" algn="l">
+              <a:spcBef>
+                <a:spcPts val="1200"/>
+              </a:spcBef>
+              <a:spcAft>
+                <a:spcPts val="0"/>
+              </a:spcAft>
+              <a:buNone/>
+            </a:pPr>
+            <a:r>
+              <a:t/>
+            </a:r>
+            <a:endParaRPr>
+              <a:solidFill>
+                <a:schemeClr val="dk1"/>
+              </a:solidFill>
+              <a:latin typeface="Times New Roman"/>
+              <a:ea typeface="Times New Roman"/>
+              <a:cs typeface="Times New Roman"/>
+              <a:sym typeface="Times New Roman"/>
+            </a:endParaRPr>
+          </a:p>
+          <a:p>
+            <a:pPr indent="0" lvl="0" marL="0" rtl="0" algn="l">
+              <a:spcBef>
+                <a:spcPts val="1200"/>
+              </a:spcBef>
+              <a:spcAft>
+                <a:spcPts val="0"/>
+              </a:spcAft>
+              <a:buNone/>
+            </a:pPr>
+            <a:r>
+              <a:t/>
+            </a:r>
+            <a:endParaRPr>
+              <a:solidFill>
+                <a:schemeClr val="dk1"/>
+              </a:solidFill>
+              <a:latin typeface="Times New Roman"/>
+              <a:ea typeface="Times New Roman"/>
+              <a:cs typeface="Times New Roman"/>
+              <a:sym typeface="Times New Roman"/>
+            </a:endParaRPr>
+          </a:p>
+          <a:p>
+            <a:pPr indent="457200" lvl="0" marL="1371600" rtl="0" algn="l">
               <a:spcBef>
                 <a:spcPts val="1200"/>
               </a:spcBef>
@@ -12207,7 +15238,7 @@
                 <a:cs typeface="Courier New"/>
                 <a:sym typeface="Courier New"/>
               </a:rPr>
-              <a:t>n</a:t>
+              <a:t>(student_1.lab_1 + student_2.lab_1 + student_3.lab_1 + … + student_39.lab_1)</a:t>
             </a:r>
             <a:endParaRPr b="1" sz="1200">
               <a:solidFill>
@@ -12220,6 +15251,38 @@
             </a:endParaRPr>
           </a:p>
           <a:p>
+            <a:pPr indent="0" lvl="0" marL="4572000" rtl="0" algn="l">
+              <a:spcBef>
+                <a:spcPts val="1200"/>
+              </a:spcBef>
+              <a:spcAft>
+                <a:spcPts val="0"/>
+              </a:spcAft>
+              <a:buNone/>
+            </a:pPr>
+            <a:r>
+              <a:rPr b="1" lang="en" sz="1200">
+                <a:solidFill>
+                  <a:schemeClr val="dk1"/>
+                </a:solidFill>
+                <a:latin typeface="Courier New"/>
+                <a:ea typeface="Courier New"/>
+                <a:cs typeface="Courier New"/>
+                <a:sym typeface="Courier New"/>
+              </a:rPr>
+              <a:t>n</a:t>
+            </a:r>
+            <a:endParaRPr b="1" sz="1200">
+              <a:solidFill>
+                <a:schemeClr val="dk1"/>
+              </a:solidFill>
+              <a:latin typeface="Courier New"/>
+              <a:ea typeface="Courier New"/>
+              <a:cs typeface="Courier New"/>
+              <a:sym typeface="Courier New"/>
+            </a:endParaRPr>
+          </a:p>
+          <a:p>
             <a:pPr indent="0" lvl="0" marL="0" rtl="0" algn="l">
               <a:spcBef>
                 <a:spcPts val="1200"/>
@@ -12243,26 +15306,17 @@
             </a:endParaRPr>
           </a:p>
           <a:p>
-            <a:pPr indent="457200" lvl="0" marL="1828800" rtl="0" algn="l">
+            <a:pPr indent="0" lvl="0" marL="0" rtl="0" algn="l">
               <a:spcBef>
                 <a:spcPts val="1200"/>
               </a:spcBef>
               <a:spcAft>
-                <a:spcPts val="0"/>
-              </a:spcAft>
-              <a:buNone/>
-            </a:pPr>
-            <a:r>
-              <a:rPr lang="en">
-                <a:solidFill>
-                  <a:schemeClr val="dk1"/>
-                </a:solidFill>
-                <a:latin typeface="Times New Roman"/>
-                <a:ea typeface="Times New Roman"/>
-                <a:cs typeface="Times New Roman"/>
-                <a:sym typeface="Times New Roman"/>
-              </a:rPr>
-              <a:t>What if you have 500 students in your class?</a:t>
+                <a:spcPts val="1200"/>
+              </a:spcAft>
+              <a:buNone/>
+            </a:pPr>
+            <a:r>
+              <a:t/>
             </a:r>
             <a:endParaRPr>
               <a:solidFill>
@@ -12274,34 +15328,11 @@
               <a:sym typeface="Times New Roman"/>
             </a:endParaRPr>
           </a:p>
-          <a:p>
-            <a:pPr indent="0" lvl="0" marL="0" rtl="0" algn="l">
-              <a:spcBef>
-                <a:spcPts val="1200"/>
-              </a:spcBef>
-              <a:spcAft>
-                <a:spcPts val="1200"/>
-              </a:spcAft>
-              <a:buNone/>
-            </a:pPr>
-            <a:r>
-              <a:t/>
-            </a:r>
-            <a:endParaRPr>
-              <a:solidFill>
-                <a:schemeClr val="dk1"/>
-              </a:solidFill>
-              <a:latin typeface="Times New Roman"/>
-              <a:ea typeface="Times New Roman"/>
-              <a:cs typeface="Times New Roman"/>
-              <a:sym typeface="Times New Roman"/>
-            </a:endParaRPr>
-          </a:p>
         </p:txBody>
       </p:sp>
       <p:cxnSp>
         <p:nvCxnSpPr>
-          <p:cNvPr id="68" name="Google Shape;68;p15"/>
+          <p:cNvPr id="74" name="Google Shape;74;p16"/>
           <p:cNvCxnSpPr/>
           <p:nvPr/>
         </p:nvCxnSpPr>
@@ -12327,7 +15358,7 @@
       </p:cxnSp>
       <p:sp>
         <p:nvSpPr>
-          <p:cNvPr id="69" name="Google Shape;69;p15"/>
+          <p:cNvPr id="75" name="Google Shape;75;p16"/>
           <p:cNvSpPr/>
           <p:nvPr/>
         </p:nvSpPr>
@@ -12386,482 +15417,6 @@
               <a:ea typeface="Courier New"/>
               <a:cs typeface="Courier New"/>
               <a:sym typeface="Courier New"/>
-            </a:endParaRPr>
-          </a:p>
-        </p:txBody>
-      </p:sp>
-    </p:spTree>
-  </p:cSld>
-  <p:clrMapOvr>
-    <a:masterClrMapping/>
-  </p:clrMapOvr>
-</p:sld>
-</file>
-
-<file path=ppt/slides/slide4.xml><?xml version="1.0" encoding="utf-8"?>
-<p:sld xmlns:a="http://schemas.openxmlformats.org/drawingml/2006/main" xmlns:r="http://schemas.openxmlformats.org/officeDocument/2006/relationships" xmlns:mc="http://schemas.openxmlformats.org/markup-compatibility/2006" xmlns:mv="urn:schemas-microsoft-com:mac:vml" xmlns:p="http://schemas.openxmlformats.org/presentationml/2006/main" xmlns:c="http://schemas.openxmlformats.org/drawingml/2006/chart" xmlns:dgm="http://schemas.openxmlformats.org/drawingml/2006/diagram" xmlns:o="urn:schemas-microsoft-com:office:office" xmlns:v="urn:schemas-microsoft-com:vml" xmlns:pvml="urn:schemas-microsoft-com:office:powerpoint" xmlns:com="http://schemas.openxmlformats.org/drawingml/2006/compatibility" xmlns:p14="http://schemas.microsoft.com/office/powerpoint/2010/main" xmlns:p15="http://schemas.microsoft.com/office/powerpoint/2012/main" xmlns:ahyp="http://schemas.microsoft.com/office/drawing/2018/hyperlinkcolor">
-  <p:cSld>
-    <p:spTree>
-      <p:nvGrpSpPr>
-        <p:cNvPr id="73" name="Shape 73"/>
-        <p:cNvGrpSpPr/>
-        <p:nvPr/>
-      </p:nvGrpSpPr>
-      <p:grpSpPr>
-        <a:xfrm>
-          <a:off x="0" y="0"/>
-          <a:ext cx="0" cy="0"/>
-          <a:chOff x="0" y="0"/>
-          <a:chExt cx="0" cy="0"/>
-        </a:xfrm>
-      </p:grpSpPr>
-      <p:sp>
-        <p:nvSpPr>
-          <p:cNvPr id="74" name="Google Shape;74;p16"/>
-          <p:cNvSpPr txBox="1"/>
-          <p:nvPr>
-            <p:ph type="title"/>
-          </p:nvPr>
-        </p:nvSpPr>
-        <p:spPr>
-          <a:xfrm>
-            <a:off x="0" y="0"/>
-            <a:ext cx="9144000" cy="572700"/>
-          </a:xfrm>
-          <a:prstGeom prst="rect">
-            <a:avLst/>
-          </a:prstGeom>
-        </p:spPr>
-        <p:txBody>
-          <a:bodyPr anchorCtr="0" anchor="t" bIns="91425" lIns="91425" spcFirstLastPara="1" rIns="91425" wrap="square" tIns="91425">
-            <a:normAutofit fontScale="90000"/>
-          </a:bodyPr>
-          <a:lstStyle/>
-          <a:p>
-            <a:pPr indent="0" lvl="0" marL="0" rtl="0" algn="l">
-              <a:spcBef>
-                <a:spcPts val="0"/>
-              </a:spcBef>
-              <a:spcAft>
-                <a:spcPts val="0"/>
-              </a:spcAft>
-              <a:buNone/>
-            </a:pPr>
-            <a:r>
-              <a:rPr lang="en" sz="3000">
-                <a:latin typeface="Times New Roman"/>
-                <a:ea typeface="Times New Roman"/>
-                <a:cs typeface="Times New Roman"/>
-                <a:sym typeface="Times New Roman"/>
-              </a:rPr>
-              <a:t>Introduction</a:t>
-            </a:r>
-            <a:endParaRPr/>
-          </a:p>
-        </p:txBody>
-      </p:sp>
-      <p:sp>
-        <p:nvSpPr>
-          <p:cNvPr id="75" name="Google Shape;75;p16"/>
-          <p:cNvSpPr txBox="1"/>
-          <p:nvPr>
-            <p:ph idx="1" type="body"/>
-          </p:nvPr>
-        </p:nvSpPr>
-        <p:spPr>
-          <a:xfrm>
-            <a:off x="0" y="572700"/>
-            <a:ext cx="9144000" cy="4570800"/>
-          </a:xfrm>
-          <a:prstGeom prst="rect">
-            <a:avLst/>
-          </a:prstGeom>
-        </p:spPr>
-        <p:txBody>
-          <a:bodyPr anchorCtr="0" anchor="t" bIns="91425" lIns="91425" spcFirstLastPara="1" rIns="91425" wrap="square" tIns="91425">
-            <a:normAutofit/>
-          </a:bodyPr>
-          <a:lstStyle/>
-          <a:p>
-            <a:pPr indent="0" lvl="0" marL="12700" marR="259715" rtl="0" algn="l">
-              <a:lnSpc>
-                <a:spcPct val="88700"/>
-              </a:lnSpc>
-              <a:spcBef>
-                <a:spcPts val="0"/>
-              </a:spcBef>
-              <a:spcAft>
-                <a:spcPts val="0"/>
-              </a:spcAft>
-              <a:buClr>
-                <a:schemeClr val="dk1"/>
-              </a:buClr>
-              <a:buFont typeface="Arial"/>
-              <a:buNone/>
-            </a:pPr>
-            <a:r>
-              <a:rPr lang="en" sz="2000">
-                <a:solidFill>
-                  <a:schemeClr val="dk1"/>
-                </a:solidFill>
-                <a:latin typeface="Times New Roman"/>
-                <a:ea typeface="Times New Roman"/>
-                <a:cs typeface="Times New Roman"/>
-                <a:sym typeface="Times New Roman"/>
-              </a:rPr>
-              <a:t>To perform some </a:t>
-            </a:r>
-            <a:r>
-              <a:rPr b="1" lang="en" sz="2000">
-                <a:solidFill>
-                  <a:srgbClr val="FF0000"/>
-                </a:solidFill>
-                <a:latin typeface="Times New Roman"/>
-                <a:ea typeface="Times New Roman"/>
-                <a:cs typeface="Times New Roman"/>
-                <a:sym typeface="Times New Roman"/>
-              </a:rPr>
-              <a:t>repetitive</a:t>
-            </a:r>
-            <a:r>
-              <a:rPr lang="en" sz="2000">
-                <a:solidFill>
-                  <a:schemeClr val="dk1"/>
-                </a:solidFill>
-                <a:latin typeface="Times New Roman"/>
-                <a:ea typeface="Times New Roman"/>
-                <a:cs typeface="Times New Roman"/>
-                <a:sym typeface="Times New Roman"/>
-              </a:rPr>
-              <a:t> tasks we use </a:t>
-            </a:r>
-            <a:r>
-              <a:rPr b="1" lang="en" sz="2000">
-                <a:solidFill>
-                  <a:srgbClr val="FF0000"/>
-                </a:solidFill>
-                <a:latin typeface="Times New Roman"/>
-                <a:ea typeface="Times New Roman"/>
-                <a:cs typeface="Times New Roman"/>
-                <a:sym typeface="Times New Roman"/>
-              </a:rPr>
-              <a:t>loops.</a:t>
-            </a:r>
-            <a:endParaRPr sz="1400">
-              <a:solidFill>
-                <a:schemeClr val="dk1"/>
-              </a:solidFill>
-              <a:latin typeface="Times New Roman"/>
-              <a:ea typeface="Times New Roman"/>
-              <a:cs typeface="Times New Roman"/>
-              <a:sym typeface="Times New Roman"/>
-            </a:endParaRPr>
-          </a:p>
-          <a:p>
-            <a:pPr indent="0" lvl="0" marL="12700" marR="259715" rtl="0" algn="l">
-              <a:lnSpc>
-                <a:spcPct val="88700"/>
-              </a:lnSpc>
-              <a:spcBef>
-                <a:spcPts val="0"/>
-              </a:spcBef>
-              <a:spcAft>
-                <a:spcPts val="0"/>
-              </a:spcAft>
-              <a:buClr>
-                <a:schemeClr val="dk1"/>
-              </a:buClr>
-              <a:buFont typeface="Arial"/>
-              <a:buNone/>
-            </a:pPr>
-            <a:r>
-              <a:t/>
-            </a:r>
-            <a:endParaRPr b="1" sz="2000">
-              <a:solidFill>
-                <a:srgbClr val="FF0000"/>
-              </a:solidFill>
-              <a:latin typeface="Times New Roman"/>
-              <a:ea typeface="Times New Roman"/>
-              <a:cs typeface="Times New Roman"/>
-              <a:sym typeface="Times New Roman"/>
-            </a:endParaRPr>
-          </a:p>
-          <a:p>
-            <a:pPr indent="0" lvl="0" marL="12700" marR="259715" rtl="0" algn="l">
-              <a:lnSpc>
-                <a:spcPct val="88700"/>
-              </a:lnSpc>
-              <a:spcBef>
-                <a:spcPts val="0"/>
-              </a:spcBef>
-              <a:spcAft>
-                <a:spcPts val="0"/>
-              </a:spcAft>
-              <a:buClr>
-                <a:schemeClr val="dk1"/>
-              </a:buClr>
-              <a:buFont typeface="Arial"/>
-              <a:buNone/>
-            </a:pPr>
-            <a:r>
-              <a:t/>
-            </a:r>
-            <a:endParaRPr sz="2000">
-              <a:solidFill>
-                <a:schemeClr val="dk1"/>
-              </a:solidFill>
-              <a:latin typeface="Times New Roman"/>
-              <a:ea typeface="Times New Roman"/>
-              <a:cs typeface="Times New Roman"/>
-              <a:sym typeface="Times New Roman"/>
-            </a:endParaRPr>
-          </a:p>
-          <a:p>
-            <a:pPr indent="0" lvl="0" marL="12700" marR="259715" rtl="0" algn="l">
-              <a:lnSpc>
-                <a:spcPct val="88700"/>
-              </a:lnSpc>
-              <a:spcBef>
-                <a:spcPts val="0"/>
-              </a:spcBef>
-              <a:spcAft>
-                <a:spcPts val="0"/>
-              </a:spcAft>
-              <a:buClr>
-                <a:schemeClr val="dk1"/>
-              </a:buClr>
-              <a:buFont typeface="Arial"/>
-              <a:buNone/>
-            </a:pPr>
-            <a:r>
-              <a:rPr lang="en" sz="2000">
-                <a:solidFill>
-                  <a:schemeClr val="dk1"/>
-                </a:solidFill>
-                <a:latin typeface="Times New Roman"/>
-                <a:ea typeface="Times New Roman"/>
-                <a:cs typeface="Times New Roman"/>
-                <a:sym typeface="Times New Roman"/>
-              </a:rPr>
-              <a:t>Loops are JavaScript constructs that allow us to perform the repetitive tasks:</a:t>
-            </a:r>
-            <a:endParaRPr sz="1400">
-              <a:solidFill>
-                <a:schemeClr val="dk1"/>
-              </a:solidFill>
-              <a:latin typeface="Times New Roman"/>
-              <a:ea typeface="Times New Roman"/>
-              <a:cs typeface="Times New Roman"/>
-              <a:sym typeface="Times New Roman"/>
-            </a:endParaRPr>
-          </a:p>
-          <a:p>
-            <a:pPr indent="0" lvl="0" marL="12700" marR="259715" rtl="0" algn="l">
-              <a:lnSpc>
-                <a:spcPct val="88700"/>
-              </a:lnSpc>
-              <a:spcBef>
-                <a:spcPts val="0"/>
-              </a:spcBef>
-              <a:spcAft>
-                <a:spcPts val="0"/>
-              </a:spcAft>
-              <a:buClr>
-                <a:schemeClr val="dk1"/>
-              </a:buClr>
-              <a:buFont typeface="Arial"/>
-              <a:buNone/>
-            </a:pPr>
-            <a:r>
-              <a:t/>
-            </a:r>
-            <a:endParaRPr sz="2000">
-              <a:solidFill>
-                <a:schemeClr val="dk1"/>
-              </a:solidFill>
-              <a:latin typeface="Times New Roman"/>
-              <a:ea typeface="Times New Roman"/>
-              <a:cs typeface="Times New Roman"/>
-              <a:sym typeface="Times New Roman"/>
-            </a:endParaRPr>
-          </a:p>
-          <a:p>
-            <a:pPr indent="-342900" lvl="1" marL="355600" marR="259715" rtl="0" algn="l">
-              <a:lnSpc>
-                <a:spcPct val="88700"/>
-              </a:lnSpc>
-              <a:spcBef>
-                <a:spcPts val="0"/>
-              </a:spcBef>
-              <a:spcAft>
-                <a:spcPts val="0"/>
-              </a:spcAft>
-              <a:buClr>
-                <a:srgbClr val="BFBFBF"/>
-              </a:buClr>
-              <a:buSzPts val="2400"/>
-              <a:buChar char="•"/>
-            </a:pPr>
-            <a:r>
-              <a:rPr lang="en" sz="2000">
-                <a:solidFill>
-                  <a:schemeClr val="dk1"/>
-                </a:solidFill>
-                <a:latin typeface="Times New Roman"/>
-                <a:ea typeface="Times New Roman"/>
-                <a:cs typeface="Times New Roman"/>
-                <a:sym typeface="Times New Roman"/>
-              </a:rPr>
-              <a:t>	</a:t>
-            </a:r>
-            <a:r>
-              <a:rPr b="1" i="1" lang="en" sz="2000">
-                <a:solidFill>
-                  <a:srgbClr val="FF0000"/>
-                </a:solidFill>
-                <a:latin typeface="Times New Roman"/>
-                <a:ea typeface="Times New Roman"/>
-                <a:cs typeface="Times New Roman"/>
-                <a:sym typeface="Times New Roman"/>
-              </a:rPr>
-              <a:t>for</a:t>
-            </a:r>
-            <a:r>
-              <a:rPr lang="en" sz="2000">
-                <a:solidFill>
-                  <a:srgbClr val="FF0000"/>
-                </a:solidFill>
-                <a:latin typeface="Times New Roman"/>
-                <a:ea typeface="Times New Roman"/>
-                <a:cs typeface="Times New Roman"/>
-                <a:sym typeface="Times New Roman"/>
-              </a:rPr>
-              <a:t> </a:t>
-            </a:r>
-            <a:r>
-              <a:rPr lang="en" sz="2000">
-                <a:solidFill>
-                  <a:schemeClr val="dk1"/>
-                </a:solidFill>
-                <a:latin typeface="Times New Roman"/>
-                <a:ea typeface="Times New Roman"/>
-                <a:cs typeface="Times New Roman"/>
-                <a:sym typeface="Times New Roman"/>
-              </a:rPr>
-              <a:t>a specified number of times; </a:t>
-            </a:r>
-            <a:endParaRPr sz="2000">
-              <a:solidFill>
-                <a:schemeClr val="dk1"/>
-              </a:solidFill>
-              <a:latin typeface="Times New Roman"/>
-              <a:ea typeface="Times New Roman"/>
-              <a:cs typeface="Times New Roman"/>
-              <a:sym typeface="Times New Roman"/>
-            </a:endParaRPr>
-          </a:p>
-          <a:p>
-            <a:pPr indent="-190500" lvl="1" marL="355600" marR="259715" rtl="0" algn="l">
-              <a:lnSpc>
-                <a:spcPct val="88700"/>
-              </a:lnSpc>
-              <a:spcBef>
-                <a:spcPts val="0"/>
-              </a:spcBef>
-              <a:spcAft>
-                <a:spcPts val="0"/>
-              </a:spcAft>
-              <a:buClr>
-                <a:srgbClr val="BFBFBF"/>
-              </a:buClr>
-              <a:buSzPts val="2400"/>
-              <a:buFont typeface="Arial"/>
-              <a:buNone/>
-            </a:pPr>
-            <a:r>
-              <a:t/>
-            </a:r>
-            <a:endParaRPr sz="2000">
-              <a:solidFill>
-                <a:schemeClr val="dk1"/>
-              </a:solidFill>
-              <a:latin typeface="Times New Roman"/>
-              <a:ea typeface="Times New Roman"/>
-              <a:cs typeface="Times New Roman"/>
-              <a:sym typeface="Times New Roman"/>
-            </a:endParaRPr>
-          </a:p>
-          <a:p>
-            <a:pPr indent="-342900" lvl="1" marL="355600" marR="259715" rtl="0" algn="l">
-              <a:lnSpc>
-                <a:spcPct val="88700"/>
-              </a:lnSpc>
-              <a:spcBef>
-                <a:spcPts val="0"/>
-              </a:spcBef>
-              <a:spcAft>
-                <a:spcPts val="0"/>
-              </a:spcAft>
-              <a:buClr>
-                <a:srgbClr val="BFBFBF"/>
-              </a:buClr>
-              <a:buSzPts val="2400"/>
-              <a:buChar char="•"/>
-            </a:pPr>
-            <a:r>
-              <a:rPr lang="en" sz="2000">
-                <a:solidFill>
-                  <a:schemeClr val="dk1"/>
-                </a:solidFill>
-                <a:latin typeface="Times New Roman"/>
-                <a:ea typeface="Times New Roman"/>
-                <a:cs typeface="Times New Roman"/>
-                <a:sym typeface="Times New Roman"/>
-              </a:rPr>
-              <a:t>	</a:t>
-            </a:r>
-            <a:r>
-              <a:rPr b="1" i="1" lang="en" sz="2000">
-                <a:solidFill>
-                  <a:srgbClr val="FF0000"/>
-                </a:solidFill>
-                <a:latin typeface="Times New Roman"/>
-                <a:ea typeface="Times New Roman"/>
-                <a:cs typeface="Times New Roman"/>
-                <a:sym typeface="Times New Roman"/>
-              </a:rPr>
-              <a:t>while</a:t>
-            </a:r>
-            <a:r>
-              <a:rPr lang="en" sz="2000">
-                <a:solidFill>
-                  <a:srgbClr val="FF0000"/>
-                </a:solidFill>
-                <a:latin typeface="Times New Roman"/>
-                <a:ea typeface="Times New Roman"/>
-                <a:cs typeface="Times New Roman"/>
-                <a:sym typeface="Times New Roman"/>
-              </a:rPr>
-              <a:t> </a:t>
-            </a:r>
-            <a:r>
-              <a:rPr lang="en" sz="2000">
-                <a:solidFill>
-                  <a:schemeClr val="dk1"/>
-                </a:solidFill>
-                <a:latin typeface="Times New Roman"/>
-                <a:ea typeface="Times New Roman"/>
-                <a:cs typeface="Times New Roman"/>
-                <a:sym typeface="Times New Roman"/>
-              </a:rPr>
-              <a:t>a specified condition holds true.</a:t>
-            </a:r>
-            <a:endParaRPr>
-              <a:latin typeface="Times New Roman"/>
-              <a:ea typeface="Times New Roman"/>
-              <a:cs typeface="Times New Roman"/>
-              <a:sym typeface="Times New Roman"/>
             </a:endParaRPr>
           </a:p>
         </p:txBody>
@@ -12930,16 +15485,7 @@
                 <a:cs typeface="Times New Roman"/>
                 <a:sym typeface="Times New Roman"/>
               </a:rPr>
-              <a:t>For</a:t>
-            </a:r>
-            <a:r>
-              <a:rPr lang="en" sz="3000">
-                <a:latin typeface="Times New Roman"/>
-                <a:ea typeface="Times New Roman"/>
-                <a:cs typeface="Times New Roman"/>
-                <a:sym typeface="Times New Roman"/>
-              </a:rPr>
-              <a:t> Loop</a:t>
+              <a:t>Introduction</a:t>
             </a:r>
             <a:endParaRPr sz="3000">
               <a:latin typeface="Times New Roman"/>
@@ -12973,89 +15519,142 @@
           </a:bodyPr>
           <a:lstStyle/>
           <a:p>
-            <a:pPr indent="0" lvl="0" marL="12700" marR="259715" rtl="0" algn="l">
-              <a:lnSpc>
-                <a:spcPct val="88700"/>
-              </a:lnSpc>
-              <a:spcBef>
-                <a:spcPts val="0"/>
-              </a:spcBef>
-              <a:spcAft>
-                <a:spcPts val="0"/>
-              </a:spcAft>
-              <a:buClr>
-                <a:schemeClr val="dk1"/>
-              </a:buClr>
-              <a:buFont typeface="Arial"/>
-              <a:buNone/>
-            </a:pPr>
-            <a:r>
-              <a:rPr lang="en" sz="2000">
-                <a:solidFill>
-                  <a:schemeClr val="dk1"/>
-                </a:solidFill>
-                <a:latin typeface="Calibri"/>
-                <a:ea typeface="Calibri"/>
-                <a:cs typeface="Calibri"/>
-                <a:sym typeface="Calibri"/>
-              </a:rPr>
-              <a:t>Syntax:</a:t>
-            </a:r>
-            <a:endParaRPr b="1" sz="2000">
+            <a:pPr indent="0" lvl="0" marL="0" rtl="0" algn="ctr">
+              <a:spcBef>
+                <a:spcPts val="0"/>
+              </a:spcBef>
+              <a:spcAft>
+                <a:spcPts val="0"/>
+              </a:spcAft>
+              <a:buNone/>
+            </a:pPr>
+            <a:r>
+              <a:rPr b="1" lang="en" sz="2400">
+                <a:solidFill>
+                  <a:schemeClr val="dk1"/>
+                </a:solidFill>
+                <a:latin typeface="Times New Roman"/>
+                <a:ea typeface="Times New Roman"/>
+                <a:cs typeface="Times New Roman"/>
+                <a:sym typeface="Times New Roman"/>
+              </a:rPr>
+              <a:t>Problem: </a:t>
+            </a:r>
+            <a:r>
+              <a:rPr lang="en" sz="2400">
+                <a:solidFill>
+                  <a:schemeClr val="dk1"/>
+                </a:solidFill>
+                <a:latin typeface="Times New Roman"/>
+                <a:ea typeface="Times New Roman"/>
+                <a:cs typeface="Times New Roman"/>
+                <a:sym typeface="Times New Roman"/>
+              </a:rPr>
+              <a:t>Calculate </a:t>
+            </a:r>
+            <a:r>
+              <a:rPr lang="en" sz="2400">
+                <a:solidFill>
+                  <a:schemeClr val="dk1"/>
+                </a:solidFill>
+                <a:latin typeface="Times New Roman"/>
+                <a:ea typeface="Times New Roman"/>
+                <a:cs typeface="Times New Roman"/>
+                <a:sym typeface="Times New Roman"/>
+              </a:rPr>
+              <a:t>the average grade for lab 1</a:t>
+            </a:r>
+            <a:endParaRPr sz="2400">
               <a:solidFill>
-                <a:srgbClr val="FF0000"/>
+                <a:schemeClr val="dk1"/>
               </a:solidFill>
-              <a:latin typeface="Calibri"/>
-              <a:ea typeface="Calibri"/>
-              <a:cs typeface="Calibri"/>
-              <a:sym typeface="Calibri"/>
-            </a:endParaRPr>
-          </a:p>
-          <a:p>
-            <a:pPr indent="0" lvl="0" marL="12700" marR="259715" rtl="0" algn="l">
-              <a:lnSpc>
-                <a:spcPct val="88700"/>
-              </a:lnSpc>
-              <a:spcBef>
-                <a:spcPts val="0"/>
-              </a:spcBef>
-              <a:spcAft>
-                <a:spcPts val="0"/>
-              </a:spcAft>
-              <a:buClr>
-                <a:schemeClr val="dk1"/>
-              </a:buClr>
-              <a:buFont typeface="Arial"/>
+              <a:latin typeface="Times New Roman"/>
+              <a:ea typeface="Times New Roman"/>
+              <a:cs typeface="Times New Roman"/>
+              <a:sym typeface="Times New Roman"/>
+            </a:endParaRPr>
+          </a:p>
+          <a:p>
+            <a:pPr indent="0" lvl="0" marL="0" rtl="0" algn="l">
+              <a:spcBef>
+                <a:spcPts val="1200"/>
+              </a:spcBef>
+              <a:spcAft>
+                <a:spcPts val="0"/>
+              </a:spcAft>
               <a:buNone/>
             </a:pPr>
             <a:r>
               <a:t/>
             </a:r>
-            <a:endParaRPr b="1" sz="2000">
+            <a:endParaRPr>
               <a:solidFill>
-                <a:srgbClr val="FF0000"/>
+                <a:schemeClr val="dk1"/>
               </a:solidFill>
-              <a:latin typeface="Calibri"/>
-              <a:ea typeface="Calibri"/>
-              <a:cs typeface="Calibri"/>
-              <a:sym typeface="Calibri"/>
-            </a:endParaRPr>
-          </a:p>
-          <a:p>
-            <a:pPr indent="0" lvl="0" marL="12700" marR="259715" rtl="0" algn="l">
-              <a:lnSpc>
-                <a:spcPct val="88700"/>
-              </a:lnSpc>
-              <a:spcBef>
-                <a:spcPts val="0"/>
-              </a:spcBef>
-              <a:spcAft>
-                <a:spcPts val="0"/>
-              </a:spcAft>
-              <a:buNone/>
-            </a:pPr>
-            <a:r>
-              <a:rPr lang="en">
+              <a:latin typeface="Times New Roman"/>
+              <a:ea typeface="Times New Roman"/>
+              <a:cs typeface="Times New Roman"/>
+              <a:sym typeface="Times New Roman"/>
+            </a:endParaRPr>
+          </a:p>
+          <a:p>
+            <a:pPr indent="0" lvl="0" marL="0" rtl="0" algn="l">
+              <a:spcBef>
+                <a:spcPts val="1200"/>
+              </a:spcBef>
+              <a:spcAft>
+                <a:spcPts val="0"/>
+              </a:spcAft>
+              <a:buNone/>
+            </a:pPr>
+            <a:r>
+              <a:t/>
+            </a:r>
+            <a:endParaRPr>
+              <a:solidFill>
+                <a:schemeClr val="dk1"/>
+              </a:solidFill>
+              <a:latin typeface="Times New Roman"/>
+              <a:ea typeface="Times New Roman"/>
+              <a:cs typeface="Times New Roman"/>
+              <a:sym typeface="Times New Roman"/>
+            </a:endParaRPr>
+          </a:p>
+          <a:p>
+            <a:pPr indent="0" lvl="0" marL="0" rtl="0" algn="l">
+              <a:spcBef>
+                <a:spcPts val="1200"/>
+              </a:spcBef>
+              <a:spcAft>
+                <a:spcPts val="0"/>
+              </a:spcAft>
+              <a:buNone/>
+            </a:pPr>
+            <a:r>
+              <a:t/>
+            </a:r>
+            <a:endParaRPr>
+              <a:solidFill>
+                <a:schemeClr val="dk1"/>
+              </a:solidFill>
+              <a:latin typeface="Times New Roman"/>
+              <a:ea typeface="Times New Roman"/>
+              <a:cs typeface="Times New Roman"/>
+              <a:sym typeface="Times New Roman"/>
+            </a:endParaRPr>
+          </a:p>
+          <a:p>
+            <a:pPr indent="457200" lvl="0" marL="1371600" rtl="0" algn="l">
+              <a:spcBef>
+                <a:spcPts val="1200"/>
+              </a:spcBef>
+              <a:spcAft>
+                <a:spcPts val="0"/>
+              </a:spcAft>
+              <a:buNone/>
+            </a:pPr>
+            <a:r>
+              <a:rPr b="1" lang="en" sz="1200">
                 <a:solidFill>
                   <a:schemeClr val="dk1"/>
                 </a:solidFill>
@@ -13064,9 +15663,9 @@
                 <a:cs typeface="Courier New"/>
                 <a:sym typeface="Courier New"/>
               </a:rPr>
-              <a:t>for (expression 1; expression 2; expression 3)</a:t>
-            </a:r>
-            <a:endParaRPr>
+              <a:t>(student_1.lab_1 + student_2.lab_1 + student_3.lab_1 + … + student_n.lab_1)</a:t>
+            </a:r>
+            <a:endParaRPr b="1" sz="1200">
               <a:solidFill>
                 <a:schemeClr val="dk1"/>
               </a:solidFill>
@@ -13077,24 +15676,17 @@
             </a:endParaRPr>
           </a:p>
           <a:p>
-            <a:pPr indent="0" lvl="0" marL="12700" marR="259715" rtl="0" algn="l">
-              <a:lnSpc>
-                <a:spcPct val="88700"/>
-              </a:lnSpc>
-              <a:spcBef>
-                <a:spcPts val="0"/>
-              </a:spcBef>
-              <a:spcAft>
-                <a:spcPts val="0"/>
-              </a:spcAft>
-              <a:buClr>
-                <a:schemeClr val="dk1"/>
-              </a:buClr>
-              <a:buFont typeface="Arial"/>
-              <a:buNone/>
-            </a:pPr>
-            <a:r>
-              <a:rPr lang="en">
+            <a:pPr indent="0" lvl="0" marL="4572000" rtl="0" algn="l">
+              <a:spcBef>
+                <a:spcPts val="1200"/>
+              </a:spcBef>
+              <a:spcAft>
+                <a:spcPts val="0"/>
+              </a:spcAft>
+              <a:buNone/>
+            </a:pPr>
+            <a:r>
+              <a:rPr b="1" lang="en" sz="1200">
                 <a:solidFill>
                   <a:schemeClr val="dk1"/>
                 </a:solidFill>
@@ -13103,9 +15695,9 @@
                 <a:cs typeface="Courier New"/>
                 <a:sym typeface="Courier New"/>
               </a:rPr>
-              <a:t>{</a:t>
-            </a:r>
-            <a:endParaRPr>
+              <a:t>n</a:t>
+            </a:r>
+            <a:endParaRPr b="1" sz="1200">
               <a:solidFill>
                 <a:schemeClr val="dk1"/>
               </a:solidFill>
@@ -13116,9 +15708,118 @@
             </a:endParaRPr>
           </a:p>
           <a:p>
-            <a:pPr indent="0" lvl="0" marL="12700" marR="259715" rtl="0" algn="l">
+            <a:pPr indent="0" lvl="0" marL="0" rtl="0" algn="l">
+              <a:spcBef>
+                <a:spcPts val="1200"/>
+              </a:spcBef>
+              <a:spcAft>
+                <a:spcPts val="0"/>
+              </a:spcAft>
+              <a:buNone/>
+            </a:pPr>
+            <a:r>
+              <a:t/>
+            </a:r>
+            <a:endParaRPr>
+              <a:solidFill>
+                <a:schemeClr val="dk1"/>
+              </a:solidFill>
+              <a:latin typeface="Times New Roman"/>
+              <a:ea typeface="Times New Roman"/>
+              <a:cs typeface="Times New Roman"/>
+              <a:sym typeface="Times New Roman"/>
+            </a:endParaRPr>
+          </a:p>
+          <a:p>
+            <a:pPr indent="0" lvl="0" marL="0" rtl="0" algn="ctr">
+              <a:spcBef>
+                <a:spcPts val="1200"/>
+              </a:spcBef>
+              <a:spcAft>
+                <a:spcPts val="1200"/>
+              </a:spcAft>
+              <a:buNone/>
+            </a:pPr>
+            <a:r>
+              <a:rPr lang="en" sz="2400">
+                <a:solidFill>
+                  <a:schemeClr val="dk1"/>
+                </a:solidFill>
+                <a:latin typeface="Times New Roman"/>
+                <a:ea typeface="Times New Roman"/>
+                <a:cs typeface="Times New Roman"/>
+                <a:sym typeface="Times New Roman"/>
+              </a:rPr>
+              <a:t>What if there are 500 students in class?</a:t>
+            </a:r>
+            <a:endParaRPr>
+              <a:solidFill>
+                <a:schemeClr val="dk1"/>
+              </a:solidFill>
+              <a:latin typeface="Times New Roman"/>
+              <a:ea typeface="Times New Roman"/>
+              <a:cs typeface="Times New Roman"/>
+              <a:sym typeface="Times New Roman"/>
+            </a:endParaRPr>
+          </a:p>
+        </p:txBody>
+      </p:sp>
+      <p:cxnSp>
+        <p:nvCxnSpPr>
+          <p:cNvPr id="82" name="Google Shape;82;p17"/>
+          <p:cNvCxnSpPr/>
+          <p:nvPr/>
+        </p:nvCxnSpPr>
+        <p:spPr>
+          <a:xfrm>
+            <a:off x="1936500" y="2854800"/>
+            <a:ext cx="6958800" cy="6600"/>
+          </a:xfrm>
+          <a:prstGeom prst="straightConnector1">
+            <a:avLst/>
+          </a:prstGeom>
+          <a:noFill/>
+          <a:ln cap="flat" cmpd="sng" w="9525">
+            <a:solidFill>
+              <a:schemeClr val="dk2"/>
+            </a:solidFill>
+            <a:prstDash val="solid"/>
+            <a:round/>
+            <a:headEnd len="med" w="med" type="none"/>
+            <a:tailEnd len="med" w="med" type="none"/>
+          </a:ln>
+        </p:spPr>
+      </p:cxnSp>
+      <p:sp>
+        <p:nvSpPr>
+          <p:cNvPr id="83" name="Google Shape;83;p17"/>
+          <p:cNvSpPr/>
+          <p:nvPr/>
+        </p:nvSpPr>
+        <p:spPr>
+          <a:xfrm>
+            <a:off x="0" y="2644650"/>
+            <a:ext cx="1936500" cy="426900"/>
+          </a:xfrm>
+          <a:prstGeom prst="rect">
+            <a:avLst/>
+          </a:prstGeom>
+          <a:solidFill>
+            <a:schemeClr val="lt1"/>
+          </a:solidFill>
+          <a:ln>
+            <a:noFill/>
+          </a:ln>
+        </p:spPr>
+        <p:txBody>
+          <a:bodyPr anchorCtr="0" anchor="t" bIns="91425" lIns="91425" spcFirstLastPara="1" rIns="91425" wrap="square" tIns="91425">
+            <a:noAutofit/>
+          </a:bodyPr>
+          <a:lstStyle/>
+          <a:p>
+            <a:pPr indent="0" lvl="0" marL="0" rtl="0" algn="l">
               <a:lnSpc>
-                <a:spcPct val="88700"/>
+                <a:spcPct val="115000"/>
               </a:lnSpc>
               <a:spcBef>
                 <a:spcPts val="0"/>
@@ -13129,11 +15830,12 @@
               <a:buClr>
                 <a:schemeClr val="dk1"/>
               </a:buClr>
+              <a:buSzPts val="1100"/>
               <a:buFont typeface="Arial"/>
               <a:buNone/>
             </a:pPr>
             <a:r>
-              <a:rPr lang="en">
+              <a:rPr b="1" lang="en" sz="1200">
                 <a:solidFill>
                   <a:schemeClr val="dk1"/>
                 </a:solidFill>
@@ -13142,273 +15844,13 @@
                 <a:cs typeface="Courier New"/>
                 <a:sym typeface="Courier New"/>
               </a:rPr>
-              <a:t>	</a:t>
-            </a:r>
-            <a:r>
-              <a:rPr lang="en">
-                <a:solidFill>
-                  <a:srgbClr val="000000"/>
-                </a:solidFill>
-                <a:latin typeface="Courier New"/>
-                <a:ea typeface="Courier New"/>
-                <a:cs typeface="Courier New"/>
-                <a:sym typeface="Courier New"/>
-              </a:rPr>
-              <a:t>// code block to be executed</a:t>
-            </a:r>
-            <a:endParaRPr>
-              <a:solidFill>
-                <a:srgbClr val="000000"/>
-              </a:solidFill>
+              <a:t>let lab_1_average =</a:t>
+            </a:r>
+            <a:endParaRPr b="1" sz="1200">
               <a:latin typeface="Courier New"/>
               <a:ea typeface="Courier New"/>
               <a:cs typeface="Courier New"/>
               <a:sym typeface="Courier New"/>
-            </a:endParaRPr>
-          </a:p>
-          <a:p>
-            <a:pPr indent="0" lvl="0" marL="12700" marR="259715" rtl="0" algn="l">
-              <a:lnSpc>
-                <a:spcPct val="88700"/>
-              </a:lnSpc>
-              <a:spcBef>
-                <a:spcPts val="0"/>
-              </a:spcBef>
-              <a:spcAft>
-                <a:spcPts val="0"/>
-              </a:spcAft>
-              <a:buNone/>
-            </a:pPr>
-            <a:r>
-              <a:rPr lang="en">
-                <a:solidFill>
-                  <a:schemeClr val="dk1"/>
-                </a:solidFill>
-                <a:latin typeface="Courier New"/>
-                <a:ea typeface="Courier New"/>
-                <a:cs typeface="Courier New"/>
-                <a:sym typeface="Courier New"/>
-              </a:rPr>
-              <a:t>}</a:t>
-            </a:r>
-            <a:endParaRPr>
-              <a:solidFill>
-                <a:schemeClr val="dk1"/>
-              </a:solidFill>
-              <a:latin typeface="Courier New"/>
-              <a:ea typeface="Courier New"/>
-              <a:cs typeface="Courier New"/>
-              <a:sym typeface="Courier New"/>
-            </a:endParaRPr>
-          </a:p>
-          <a:p>
-            <a:pPr indent="0" lvl="0" marL="12700" marR="259715" rtl="0" algn="l">
-              <a:lnSpc>
-                <a:spcPct val="88700"/>
-              </a:lnSpc>
-              <a:spcBef>
-                <a:spcPts val="0"/>
-              </a:spcBef>
-              <a:spcAft>
-                <a:spcPts val="0"/>
-              </a:spcAft>
-              <a:buNone/>
-            </a:pPr>
-            <a:r>
-              <a:t/>
-            </a:r>
-            <a:endParaRPr sz="2000">
-              <a:solidFill>
-                <a:schemeClr val="dk1"/>
-              </a:solidFill>
-              <a:latin typeface="Consolas"/>
-              <a:ea typeface="Consolas"/>
-              <a:cs typeface="Consolas"/>
-              <a:sym typeface="Consolas"/>
-            </a:endParaRPr>
-          </a:p>
-          <a:p>
-            <a:pPr indent="0" lvl="0" marL="12700" marR="259715" rtl="0" algn="l">
-              <a:lnSpc>
-                <a:spcPct val="88700"/>
-              </a:lnSpc>
-              <a:spcBef>
-                <a:spcPts val="0"/>
-              </a:spcBef>
-              <a:spcAft>
-                <a:spcPts val="0"/>
-              </a:spcAft>
-              <a:buNone/>
-            </a:pPr>
-            <a:r>
-              <a:rPr i="1" lang="en" sz="2000">
-                <a:solidFill>
-                  <a:schemeClr val="dk1"/>
-                </a:solidFill>
-                <a:latin typeface="Calibri"/>
-                <a:ea typeface="Calibri"/>
-                <a:cs typeface="Calibri"/>
-                <a:sym typeface="Calibri"/>
-              </a:rPr>
-              <a:t>where:</a:t>
-            </a:r>
-            <a:endParaRPr i="1" sz="2000">
-              <a:solidFill>
-                <a:schemeClr val="dk1"/>
-              </a:solidFill>
-              <a:latin typeface="Calibri"/>
-              <a:ea typeface="Calibri"/>
-              <a:cs typeface="Calibri"/>
-              <a:sym typeface="Calibri"/>
-            </a:endParaRPr>
-          </a:p>
-          <a:p>
-            <a:pPr indent="-342900" lvl="0" marL="355600" marR="259715" rtl="0" algn="l">
-              <a:lnSpc>
-                <a:spcPct val="88700"/>
-              </a:lnSpc>
-              <a:spcBef>
-                <a:spcPts val="0"/>
-              </a:spcBef>
-              <a:spcAft>
-                <a:spcPts val="0"/>
-              </a:spcAft>
-              <a:buClr>
-                <a:srgbClr val="BFBFBF"/>
-              </a:buClr>
-              <a:buSzPts val="2400"/>
-              <a:buChar char="•"/>
-            </a:pPr>
-            <a:r>
-              <a:rPr b="1" i="1" lang="en" sz="2000">
-                <a:solidFill>
-                  <a:schemeClr val="dk1"/>
-                </a:solidFill>
-                <a:latin typeface="Calibri"/>
-                <a:ea typeface="Calibri"/>
-                <a:cs typeface="Calibri"/>
-                <a:sym typeface="Calibri"/>
-              </a:rPr>
-              <a:t>Expression 1 </a:t>
-            </a:r>
-            <a:r>
-              <a:rPr i="1" lang="en" sz="2000">
-                <a:solidFill>
-                  <a:schemeClr val="dk1"/>
-                </a:solidFill>
-                <a:latin typeface="Calibri"/>
-                <a:ea typeface="Calibri"/>
-                <a:cs typeface="Calibri"/>
-                <a:sym typeface="Calibri"/>
-              </a:rPr>
-              <a:t>is executed (one time) before the execution of the block code.</a:t>
-            </a:r>
-            <a:endParaRPr sz="1400">
-              <a:solidFill>
-                <a:schemeClr val="dk1"/>
-              </a:solidFill>
-            </a:endParaRPr>
-          </a:p>
-          <a:p>
-            <a:pPr indent="-342900" lvl="0" marL="355600" marR="259715" rtl="0" algn="l">
-              <a:lnSpc>
-                <a:spcPct val="88700"/>
-              </a:lnSpc>
-              <a:spcBef>
-                <a:spcPts val="0"/>
-              </a:spcBef>
-              <a:spcAft>
-                <a:spcPts val="0"/>
-              </a:spcAft>
-              <a:buClr>
-                <a:srgbClr val="BFBFBF"/>
-              </a:buClr>
-              <a:buSzPts val="2400"/>
-              <a:buChar char="•"/>
-            </a:pPr>
-            <a:r>
-              <a:rPr b="1" i="1" lang="en" sz="2000">
-                <a:solidFill>
-                  <a:schemeClr val="dk1"/>
-                </a:solidFill>
-                <a:latin typeface="Calibri"/>
-                <a:ea typeface="Calibri"/>
-                <a:cs typeface="Calibri"/>
-                <a:sym typeface="Calibri"/>
-              </a:rPr>
-              <a:t>Expression 2 </a:t>
-            </a:r>
-            <a:r>
-              <a:rPr i="1" lang="en" sz="2000">
-                <a:solidFill>
-                  <a:schemeClr val="dk1"/>
-                </a:solidFill>
-                <a:latin typeface="Calibri"/>
-                <a:ea typeface="Calibri"/>
-                <a:cs typeface="Calibri"/>
-                <a:sym typeface="Calibri"/>
-              </a:rPr>
-              <a:t>defines the condition for executing the code block.</a:t>
-            </a:r>
-            <a:endParaRPr i="1" sz="2000">
-              <a:solidFill>
-                <a:schemeClr val="dk1"/>
-              </a:solidFill>
-              <a:latin typeface="Calibri"/>
-              <a:ea typeface="Calibri"/>
-              <a:cs typeface="Calibri"/>
-              <a:sym typeface="Calibri"/>
-            </a:endParaRPr>
-          </a:p>
-          <a:p>
-            <a:pPr indent="-342900" lvl="0" marL="355600" marR="259715" rtl="0" algn="l">
-              <a:lnSpc>
-                <a:spcPct val="88700"/>
-              </a:lnSpc>
-              <a:spcBef>
-                <a:spcPts val="0"/>
-              </a:spcBef>
-              <a:spcAft>
-                <a:spcPts val="0"/>
-              </a:spcAft>
-              <a:buClr>
-                <a:srgbClr val="BFBFBF"/>
-              </a:buClr>
-              <a:buSzPts val="2400"/>
-              <a:buChar char="•"/>
-            </a:pPr>
-            <a:r>
-              <a:rPr b="1" i="1" lang="en" sz="2000">
-                <a:solidFill>
-                  <a:schemeClr val="dk1"/>
-                </a:solidFill>
-                <a:latin typeface="Calibri"/>
-                <a:ea typeface="Calibri"/>
-                <a:cs typeface="Calibri"/>
-                <a:sym typeface="Calibri"/>
-              </a:rPr>
-              <a:t>Expression 3 </a:t>
-            </a:r>
-            <a:r>
-              <a:rPr i="1" lang="en" sz="2000">
-                <a:solidFill>
-                  <a:schemeClr val="dk1"/>
-                </a:solidFill>
-                <a:latin typeface="Calibri"/>
-                <a:ea typeface="Calibri"/>
-                <a:cs typeface="Calibri"/>
-                <a:sym typeface="Calibri"/>
-              </a:rPr>
-              <a:t>is executed (every time) after the code block has been executed.</a:t>
-            </a:r>
-            <a:endParaRPr sz="2000">
-              <a:solidFill>
-                <a:schemeClr val="dk1"/>
-              </a:solidFill>
-              <a:latin typeface="Consolas"/>
-              <a:ea typeface="Consolas"/>
-              <a:cs typeface="Consolas"/>
-              <a:sym typeface="Consolas"/>
             </a:endParaRPr>
           </a:p>
         </p:txBody>
@@ -13426,7 +15868,7 @@
   <p:cSld>
     <p:spTree>
       <p:nvGrpSpPr>
-        <p:cNvPr id="85" name="Shape 85"/>
+        <p:cNvPr id="87" name="Shape 87"/>
         <p:cNvGrpSpPr/>
         <p:nvPr/>
       </p:nvGrpSpPr>
@@ -13440,7 +15882,483 @@
       </p:grpSpPr>
       <p:sp>
         <p:nvSpPr>
-          <p:cNvPr id="86" name="Google Shape;86;p18"/>
+          <p:cNvPr id="88" name="Google Shape;88;p18"/>
+          <p:cNvSpPr txBox="1"/>
+          <p:nvPr>
+            <p:ph type="title"/>
+          </p:nvPr>
+        </p:nvSpPr>
+        <p:spPr>
+          <a:xfrm>
+            <a:off x="0" y="0"/>
+            <a:ext cx="9144000" cy="572700"/>
+          </a:xfrm>
+          <a:prstGeom prst="rect">
+            <a:avLst/>
+          </a:prstGeom>
+        </p:spPr>
+        <p:txBody>
+          <a:bodyPr anchorCtr="0" anchor="t" bIns="91425" lIns="91425" spcFirstLastPara="1" rIns="91425" wrap="square" tIns="91425">
+            <a:normAutofit fontScale="90000"/>
+          </a:bodyPr>
+          <a:lstStyle/>
+          <a:p>
+            <a:pPr indent="0" lvl="0" marL="0" rtl="0" algn="l">
+              <a:spcBef>
+                <a:spcPts val="0"/>
+              </a:spcBef>
+              <a:spcAft>
+                <a:spcPts val="0"/>
+              </a:spcAft>
+              <a:buNone/>
+            </a:pPr>
+            <a:r>
+              <a:rPr lang="en" sz="3000">
+                <a:latin typeface="Times New Roman"/>
+                <a:ea typeface="Times New Roman"/>
+                <a:cs typeface="Times New Roman"/>
+                <a:sym typeface="Times New Roman"/>
+              </a:rPr>
+              <a:t>Introduction</a:t>
+            </a:r>
+            <a:endParaRPr/>
+          </a:p>
+        </p:txBody>
+      </p:sp>
+      <p:sp>
+        <p:nvSpPr>
+          <p:cNvPr id="89" name="Google Shape;89;p18"/>
+          <p:cNvSpPr txBox="1"/>
+          <p:nvPr>
+            <p:ph idx="1" type="body"/>
+          </p:nvPr>
+        </p:nvSpPr>
+        <p:spPr>
+          <a:xfrm>
+            <a:off x="0" y="572700"/>
+            <a:ext cx="9144000" cy="4570800"/>
+          </a:xfrm>
+          <a:prstGeom prst="rect">
+            <a:avLst/>
+          </a:prstGeom>
+        </p:spPr>
+        <p:txBody>
+          <a:bodyPr anchorCtr="0" anchor="t" bIns="91425" lIns="91425" spcFirstLastPara="1" rIns="91425" wrap="square" tIns="91425">
+            <a:normAutofit/>
+          </a:bodyPr>
+          <a:lstStyle/>
+          <a:p>
+            <a:pPr indent="0" lvl="0" marL="12700" marR="259715" rtl="0" algn="l">
+              <a:lnSpc>
+                <a:spcPct val="88700"/>
+              </a:lnSpc>
+              <a:spcBef>
+                <a:spcPts val="0"/>
+              </a:spcBef>
+              <a:spcAft>
+                <a:spcPts val="0"/>
+              </a:spcAft>
+              <a:buClr>
+                <a:schemeClr val="dk1"/>
+              </a:buClr>
+              <a:buFont typeface="Arial"/>
+              <a:buNone/>
+            </a:pPr>
+            <a:r>
+              <a:rPr lang="en" sz="2000">
+                <a:solidFill>
+                  <a:schemeClr val="dk1"/>
+                </a:solidFill>
+                <a:latin typeface="Times New Roman"/>
+                <a:ea typeface="Times New Roman"/>
+                <a:cs typeface="Times New Roman"/>
+                <a:sym typeface="Times New Roman"/>
+              </a:rPr>
+              <a:t>To perform some </a:t>
+            </a:r>
+            <a:r>
+              <a:rPr b="1" lang="en" sz="2000">
+                <a:solidFill>
+                  <a:srgbClr val="FF0000"/>
+                </a:solidFill>
+                <a:latin typeface="Times New Roman"/>
+                <a:ea typeface="Times New Roman"/>
+                <a:cs typeface="Times New Roman"/>
+                <a:sym typeface="Times New Roman"/>
+              </a:rPr>
+              <a:t>repetitive</a:t>
+            </a:r>
+            <a:r>
+              <a:rPr lang="en" sz="2000">
+                <a:solidFill>
+                  <a:schemeClr val="dk1"/>
+                </a:solidFill>
+                <a:latin typeface="Times New Roman"/>
+                <a:ea typeface="Times New Roman"/>
+                <a:cs typeface="Times New Roman"/>
+                <a:sym typeface="Times New Roman"/>
+              </a:rPr>
+              <a:t> tasks we use </a:t>
+            </a:r>
+            <a:r>
+              <a:rPr b="1" lang="en" sz="2000">
+                <a:solidFill>
+                  <a:srgbClr val="FF0000"/>
+                </a:solidFill>
+                <a:latin typeface="Times New Roman"/>
+                <a:ea typeface="Times New Roman"/>
+                <a:cs typeface="Times New Roman"/>
+                <a:sym typeface="Times New Roman"/>
+              </a:rPr>
+              <a:t>loops.</a:t>
+            </a:r>
+            <a:endParaRPr sz="1400">
+              <a:solidFill>
+                <a:schemeClr val="dk1"/>
+              </a:solidFill>
+              <a:latin typeface="Times New Roman"/>
+              <a:ea typeface="Times New Roman"/>
+              <a:cs typeface="Times New Roman"/>
+              <a:sym typeface="Times New Roman"/>
+            </a:endParaRPr>
+          </a:p>
+          <a:p>
+            <a:pPr indent="0" lvl="0" marL="12700" marR="259715" rtl="0" algn="l">
+              <a:lnSpc>
+                <a:spcPct val="88700"/>
+              </a:lnSpc>
+              <a:spcBef>
+                <a:spcPts val="0"/>
+              </a:spcBef>
+              <a:spcAft>
+                <a:spcPts val="0"/>
+              </a:spcAft>
+              <a:buClr>
+                <a:schemeClr val="dk1"/>
+              </a:buClr>
+              <a:buFont typeface="Arial"/>
+              <a:buNone/>
+            </a:pPr>
+            <a:r>
+              <a:t/>
+            </a:r>
+            <a:endParaRPr b="1" sz="2000">
+              <a:solidFill>
+                <a:srgbClr val="FF0000"/>
+              </a:solidFill>
+              <a:latin typeface="Times New Roman"/>
+              <a:ea typeface="Times New Roman"/>
+              <a:cs typeface="Times New Roman"/>
+              <a:sym typeface="Times New Roman"/>
+            </a:endParaRPr>
+          </a:p>
+          <a:p>
+            <a:pPr indent="0" lvl="0" marL="12700" marR="259715" rtl="0" algn="l">
+              <a:lnSpc>
+                <a:spcPct val="88700"/>
+              </a:lnSpc>
+              <a:spcBef>
+                <a:spcPts val="0"/>
+              </a:spcBef>
+              <a:spcAft>
+                <a:spcPts val="0"/>
+              </a:spcAft>
+              <a:buClr>
+                <a:schemeClr val="dk1"/>
+              </a:buClr>
+              <a:buFont typeface="Arial"/>
+              <a:buNone/>
+            </a:pPr>
+            <a:r>
+              <a:t/>
+            </a:r>
+            <a:endParaRPr sz="2000">
+              <a:solidFill>
+                <a:schemeClr val="dk1"/>
+              </a:solidFill>
+              <a:latin typeface="Times New Roman"/>
+              <a:ea typeface="Times New Roman"/>
+              <a:cs typeface="Times New Roman"/>
+              <a:sym typeface="Times New Roman"/>
+            </a:endParaRPr>
+          </a:p>
+          <a:p>
+            <a:pPr indent="0" lvl="0" marL="12700" marR="259715" rtl="0" algn="l">
+              <a:lnSpc>
+                <a:spcPct val="88700"/>
+              </a:lnSpc>
+              <a:spcBef>
+                <a:spcPts val="0"/>
+              </a:spcBef>
+              <a:spcAft>
+                <a:spcPts val="0"/>
+              </a:spcAft>
+              <a:buClr>
+                <a:schemeClr val="dk1"/>
+              </a:buClr>
+              <a:buFont typeface="Arial"/>
+              <a:buNone/>
+            </a:pPr>
+            <a:r>
+              <a:rPr lang="en" sz="2000">
+                <a:solidFill>
+                  <a:schemeClr val="dk1"/>
+                </a:solidFill>
+                <a:latin typeface="Times New Roman"/>
+                <a:ea typeface="Times New Roman"/>
+                <a:cs typeface="Times New Roman"/>
+                <a:sym typeface="Times New Roman"/>
+              </a:rPr>
+              <a:t>Loops are JavaScript constructs that allow us to perform the repetitive tasks:</a:t>
+            </a:r>
+            <a:endParaRPr sz="1400">
+              <a:solidFill>
+                <a:schemeClr val="dk1"/>
+              </a:solidFill>
+              <a:latin typeface="Times New Roman"/>
+              <a:ea typeface="Times New Roman"/>
+              <a:cs typeface="Times New Roman"/>
+              <a:sym typeface="Times New Roman"/>
+            </a:endParaRPr>
+          </a:p>
+          <a:p>
+            <a:pPr indent="0" lvl="0" marL="12700" marR="259715" rtl="0" algn="l">
+              <a:lnSpc>
+                <a:spcPct val="88700"/>
+              </a:lnSpc>
+              <a:spcBef>
+                <a:spcPts val="0"/>
+              </a:spcBef>
+              <a:spcAft>
+                <a:spcPts val="0"/>
+              </a:spcAft>
+              <a:buClr>
+                <a:schemeClr val="dk1"/>
+              </a:buClr>
+              <a:buFont typeface="Arial"/>
+              <a:buNone/>
+            </a:pPr>
+            <a:r>
+              <a:t/>
+            </a:r>
+            <a:endParaRPr sz="2000">
+              <a:solidFill>
+                <a:schemeClr val="dk1"/>
+              </a:solidFill>
+              <a:latin typeface="Times New Roman"/>
+              <a:ea typeface="Times New Roman"/>
+              <a:cs typeface="Times New Roman"/>
+              <a:sym typeface="Times New Roman"/>
+            </a:endParaRPr>
+          </a:p>
+          <a:p>
+            <a:pPr indent="-342900" lvl="1" marL="355600" marR="259715" rtl="0" algn="l">
+              <a:lnSpc>
+                <a:spcPct val="88700"/>
+              </a:lnSpc>
+              <a:spcBef>
+                <a:spcPts val="0"/>
+              </a:spcBef>
+              <a:spcAft>
+                <a:spcPts val="0"/>
+              </a:spcAft>
+              <a:buClr>
+                <a:srgbClr val="BFBFBF"/>
+              </a:buClr>
+              <a:buSzPts val="2400"/>
+              <a:buChar char="•"/>
+            </a:pPr>
+            <a:r>
+              <a:rPr lang="en" sz="2000">
+                <a:solidFill>
+                  <a:schemeClr val="dk1"/>
+                </a:solidFill>
+                <a:latin typeface="Times New Roman"/>
+                <a:ea typeface="Times New Roman"/>
+                <a:cs typeface="Times New Roman"/>
+                <a:sym typeface="Times New Roman"/>
+              </a:rPr>
+              <a:t>	</a:t>
+            </a:r>
+            <a:r>
+              <a:rPr b="1" i="1" lang="en" sz="2000">
+                <a:solidFill>
+                  <a:srgbClr val="FF0000"/>
+                </a:solidFill>
+                <a:latin typeface="Times New Roman"/>
+                <a:ea typeface="Times New Roman"/>
+                <a:cs typeface="Times New Roman"/>
+                <a:sym typeface="Times New Roman"/>
+              </a:rPr>
+              <a:t>for</a:t>
+            </a:r>
+            <a:r>
+              <a:rPr lang="en" sz="2000">
+                <a:solidFill>
+                  <a:srgbClr val="FF0000"/>
+                </a:solidFill>
+                <a:latin typeface="Times New Roman"/>
+                <a:ea typeface="Times New Roman"/>
+                <a:cs typeface="Times New Roman"/>
+                <a:sym typeface="Times New Roman"/>
+              </a:rPr>
+              <a:t> </a:t>
+            </a:r>
+            <a:r>
+              <a:rPr lang="en" sz="2000">
+                <a:solidFill>
+                  <a:schemeClr val="dk1"/>
+                </a:solidFill>
+                <a:latin typeface="Times New Roman"/>
+                <a:ea typeface="Times New Roman"/>
+                <a:cs typeface="Times New Roman"/>
+                <a:sym typeface="Times New Roman"/>
+              </a:rPr>
+              <a:t>a specified number of times; </a:t>
+            </a:r>
+            <a:endParaRPr sz="2000">
+              <a:solidFill>
+                <a:schemeClr val="dk1"/>
+              </a:solidFill>
+              <a:latin typeface="Times New Roman"/>
+              <a:ea typeface="Times New Roman"/>
+              <a:cs typeface="Times New Roman"/>
+              <a:sym typeface="Times New Roman"/>
+            </a:endParaRPr>
+          </a:p>
+          <a:p>
+            <a:pPr indent="-190500" lvl="1" marL="355600" marR="259715" rtl="0" algn="l">
+              <a:lnSpc>
+                <a:spcPct val="88700"/>
+              </a:lnSpc>
+              <a:spcBef>
+                <a:spcPts val="0"/>
+              </a:spcBef>
+              <a:spcAft>
+                <a:spcPts val="0"/>
+              </a:spcAft>
+              <a:buClr>
+                <a:srgbClr val="BFBFBF"/>
+              </a:buClr>
+              <a:buSzPts val="2400"/>
+              <a:buFont typeface="Arial"/>
+              <a:buNone/>
+            </a:pPr>
+            <a:r>
+              <a:t/>
+            </a:r>
+            <a:endParaRPr sz="2000">
+              <a:solidFill>
+                <a:schemeClr val="dk1"/>
+              </a:solidFill>
+              <a:latin typeface="Times New Roman"/>
+              <a:ea typeface="Times New Roman"/>
+              <a:cs typeface="Times New Roman"/>
+              <a:sym typeface="Times New Roman"/>
+            </a:endParaRPr>
+          </a:p>
+          <a:p>
+            <a:pPr indent="-342900" lvl="1" marL="355600" marR="259715" rtl="0" algn="l">
+              <a:lnSpc>
+                <a:spcPct val="88700"/>
+              </a:lnSpc>
+              <a:spcBef>
+                <a:spcPts val="0"/>
+              </a:spcBef>
+              <a:spcAft>
+                <a:spcPts val="0"/>
+              </a:spcAft>
+              <a:buClr>
+                <a:srgbClr val="BFBFBF"/>
+              </a:buClr>
+              <a:buSzPts val="2400"/>
+              <a:buChar char="•"/>
+            </a:pPr>
+            <a:r>
+              <a:rPr lang="en" sz="2000">
+                <a:solidFill>
+                  <a:schemeClr val="dk1"/>
+                </a:solidFill>
+                <a:latin typeface="Times New Roman"/>
+                <a:ea typeface="Times New Roman"/>
+                <a:cs typeface="Times New Roman"/>
+                <a:sym typeface="Times New Roman"/>
+              </a:rPr>
+              <a:t>	</a:t>
+            </a:r>
+            <a:r>
+              <a:rPr b="1" i="1" lang="en" sz="2000">
+                <a:solidFill>
+                  <a:srgbClr val="FF0000"/>
+                </a:solidFill>
+                <a:latin typeface="Times New Roman"/>
+                <a:ea typeface="Times New Roman"/>
+                <a:cs typeface="Times New Roman"/>
+                <a:sym typeface="Times New Roman"/>
+              </a:rPr>
+              <a:t>while</a:t>
+            </a:r>
+            <a:r>
+              <a:rPr lang="en" sz="2000">
+                <a:solidFill>
+                  <a:srgbClr val="FF0000"/>
+                </a:solidFill>
+                <a:latin typeface="Times New Roman"/>
+                <a:ea typeface="Times New Roman"/>
+                <a:cs typeface="Times New Roman"/>
+                <a:sym typeface="Times New Roman"/>
+              </a:rPr>
+              <a:t> </a:t>
+            </a:r>
+            <a:r>
+              <a:rPr lang="en" sz="2000">
+                <a:solidFill>
+                  <a:schemeClr val="dk1"/>
+                </a:solidFill>
+                <a:latin typeface="Times New Roman"/>
+                <a:ea typeface="Times New Roman"/>
+                <a:cs typeface="Times New Roman"/>
+                <a:sym typeface="Times New Roman"/>
+              </a:rPr>
+              <a:t>a specified condition holds true.</a:t>
+            </a:r>
+            <a:endParaRPr>
+              <a:latin typeface="Times New Roman"/>
+              <a:ea typeface="Times New Roman"/>
+              <a:cs typeface="Times New Roman"/>
+              <a:sym typeface="Times New Roman"/>
+            </a:endParaRPr>
+          </a:p>
+        </p:txBody>
+      </p:sp>
+    </p:spTree>
+  </p:cSld>
+  <p:clrMapOvr>
+    <a:masterClrMapping/>
+  </p:clrMapOvr>
+</p:sld>
+</file>
+
+<file path=ppt/slides/slide7.xml><?xml version="1.0" encoding="utf-8"?>
+<p:sld xmlns:a="http://schemas.openxmlformats.org/drawingml/2006/main" xmlns:r="http://schemas.openxmlformats.org/officeDocument/2006/relationships" xmlns:mc="http://schemas.openxmlformats.org/markup-compatibility/2006" xmlns:mv="urn:schemas-microsoft-com:mac:vml" xmlns:p="http://schemas.openxmlformats.org/presentationml/2006/main" xmlns:c="http://schemas.openxmlformats.org/drawingml/2006/chart" xmlns:dgm="http://schemas.openxmlformats.org/drawingml/2006/diagram" xmlns:o="urn:schemas-microsoft-com:office:office" xmlns:v="urn:schemas-microsoft-com:vml" xmlns:pvml="urn:schemas-microsoft-com:office:powerpoint" xmlns:com="http://schemas.openxmlformats.org/drawingml/2006/compatibility" xmlns:p14="http://schemas.microsoft.com/office/powerpoint/2010/main" xmlns:p15="http://schemas.microsoft.com/office/powerpoint/2012/main" xmlns:ahyp="http://schemas.microsoft.com/office/drawing/2018/hyperlinkcolor">
+  <p:cSld>
+    <p:spTree>
+      <p:nvGrpSpPr>
+        <p:cNvPr id="93" name="Shape 93"/>
+        <p:cNvGrpSpPr/>
+        <p:nvPr/>
+      </p:nvGrpSpPr>
+      <p:grpSpPr>
+        <a:xfrm>
+          <a:off x="0" y="0"/>
+          <a:ext cx="0" cy="0"/>
+          <a:chOff x="0" y="0"/>
+          <a:chExt cx="0" cy="0"/>
+        </a:xfrm>
+      </p:grpSpPr>
+      <p:sp>
+        <p:nvSpPr>
+          <p:cNvPr id="94" name="Google Shape;94;p19"/>
           <p:cNvSpPr txBox="1"/>
           <p:nvPr>
             <p:ph type="title"/>
@@ -13477,7 +16395,16 @@
                 <a:cs typeface="Times New Roman"/>
                 <a:sym typeface="Times New Roman"/>
               </a:rPr>
-              <a:t>For Loop</a:t>
+              <a:t>For</a:t>
+            </a:r>
+            <a:r>
+              <a:rPr lang="en" sz="3000">
+                <a:latin typeface="Times New Roman"/>
+                <a:ea typeface="Times New Roman"/>
+                <a:cs typeface="Times New Roman"/>
+                <a:sym typeface="Times New Roman"/>
+              </a:rPr>
+              <a:t> Loop</a:t>
             </a:r>
             <a:endParaRPr sz="3000">
               <a:latin typeface="Times New Roman"/>
@@ -13490,7 +16417,7 @@
       </p:sp>
       <p:sp>
         <p:nvSpPr>
-          <p:cNvPr id="87" name="Google Shape;87;p18"/>
+          <p:cNvPr id="95" name="Google Shape;95;p19"/>
           <p:cNvSpPr txBox="1"/>
           <p:nvPr>
             <p:ph idx="1" type="body"/>
@@ -13511,9 +16438,78 @@
           </a:bodyPr>
           <a:lstStyle/>
           <a:p>
-            <a:pPr indent="0" lvl="0" marL="0" rtl="0" algn="l">
+            <a:pPr indent="0" lvl="0" marL="12700" marR="259715" rtl="0" algn="l">
               <a:lnSpc>
-                <a:spcPct val="150000"/>
+                <a:spcPct val="88700"/>
+              </a:lnSpc>
+              <a:spcBef>
+                <a:spcPts val="0"/>
+              </a:spcBef>
+              <a:spcAft>
+                <a:spcPts val="0"/>
+              </a:spcAft>
+              <a:buClr>
+                <a:schemeClr val="dk1"/>
+              </a:buClr>
+              <a:buFont typeface="Arial"/>
+              <a:buNone/>
+            </a:pPr>
+            <a:r>
+              <a:rPr lang="en" sz="2000">
+                <a:solidFill>
+                  <a:schemeClr val="dk1"/>
+                </a:solidFill>
+                <a:latin typeface="Calibri"/>
+                <a:ea typeface="Calibri"/>
+                <a:cs typeface="Calibri"/>
+                <a:sym typeface="Calibri"/>
+              </a:rPr>
+              <a:t>Syntax:</a:t>
+            </a:r>
+            <a:endParaRPr b="1" sz="2000">
+              <a:solidFill>
+                <a:srgbClr val="FF0000"/>
+              </a:solidFill>
+              <a:latin typeface="Calibri"/>
+              <a:ea typeface="Calibri"/>
+              <a:cs typeface="Calibri"/>
+              <a:sym typeface="Calibri"/>
+            </a:endParaRPr>
+          </a:p>
+          <a:p>
+            <a:pPr indent="0" lvl="0" marL="12700" marR="259715" rtl="0" algn="l">
+              <a:lnSpc>
+                <a:spcPct val="88700"/>
+              </a:lnSpc>
+              <a:spcBef>
+                <a:spcPts val="0"/>
+              </a:spcBef>
+              <a:spcAft>
+                <a:spcPts val="0"/>
+              </a:spcAft>
+              <a:buClr>
+                <a:schemeClr val="dk1"/>
+              </a:buClr>
+              <a:buFont typeface="Arial"/>
+              <a:buNone/>
+            </a:pPr>
+            <a:r>
+              <a:t/>
+            </a:r>
+            <a:endParaRPr b="1" sz="2000">
+              <a:solidFill>
+                <a:srgbClr val="FF0000"/>
+              </a:solidFill>
+              <a:latin typeface="Calibri"/>
+              <a:ea typeface="Calibri"/>
+              <a:cs typeface="Calibri"/>
+              <a:sym typeface="Calibri"/>
+            </a:endParaRPr>
+          </a:p>
+          <a:p>
+            <a:pPr indent="0" lvl="0" marL="12700" marR="259715" rtl="0" algn="l">
+              <a:lnSpc>
+                <a:spcPct val="88700"/>
               </a:lnSpc>
               <a:spcBef>
                 <a:spcPts val="0"/>
@@ -13533,7 +16529,7 @@
                 <a:cs typeface="Courier New"/>
                 <a:sym typeface="Courier New"/>
               </a:rPr>
-              <a:t>let lab_1 = [4, 5 ,0 ,4 ,5 ,10 ,10]</a:t>
+              <a:t>for (expression 1; expression 2; expression 3)</a:t>
             </a:r>
             <a:endParaRPr>
               <a:solidFill>
@@ -13546,9 +16542,9 @@
             </a:endParaRPr>
           </a:p>
           <a:p>
-            <a:pPr indent="0" lvl="0" marL="0" rtl="0" algn="l">
+            <a:pPr indent="0" lvl="0" marL="12700" marR="259715" rtl="0" algn="l">
               <a:lnSpc>
-                <a:spcPct val="150000"/>
+                <a:spcPct val="88700"/>
               </a:lnSpc>
               <a:spcBef>
                 <a:spcPts val="0"/>
@@ -13556,6 +16552,10 @@
               <a:spcAft>
                 <a:spcPts val="0"/>
               </a:spcAft>
+              <a:buClr>
+                <a:schemeClr val="dk1"/>
+              </a:buClr>
+              <a:buFont typeface="Arial"/>
               <a:buNone/>
             </a:pPr>
             <a:r>
@@ -13568,7 +16568,7 @@
                 <a:cs typeface="Courier New"/>
                 <a:sym typeface="Courier New"/>
               </a:rPr>
-              <a:t>let sum = 0;</a:t>
+              <a:t>{</a:t>
             </a:r>
             <a:endParaRPr>
               <a:solidFill>
@@ -13581,9 +16581,9 @@
             </a:endParaRPr>
           </a:p>
           <a:p>
-            <a:pPr indent="0" lvl="0" marL="0" rtl="0" algn="l">
+            <a:pPr indent="0" lvl="0" marL="12700" marR="259715" rtl="0" algn="l">
               <a:lnSpc>
-                <a:spcPct val="150000"/>
+                <a:spcPct val="88700"/>
               </a:lnSpc>
               <a:spcBef>
                 <a:spcPts val="0"/>
@@ -13591,6 +16591,10 @@
               <a:spcAft>
                 <a:spcPts val="0"/>
               </a:spcAft>
+              <a:buClr>
+                <a:schemeClr val="dk1"/>
+              </a:buClr>
+              <a:buFont typeface="Arial"/>
               <a:buNone/>
             </a:pPr>
             <a:r>
@@ -13603,35 +16607,23 @@
                 <a:cs typeface="Courier New"/>
                 <a:sym typeface="Courier New"/>
               </a:rPr>
-              <a:t>for (</a:t>
-            </a:r>
-            <a:r>
-              <a:rPr b="1" lang="en">
-                <a:solidFill>
-                  <a:schemeClr val="dk1"/>
+              <a:t>	</a:t>
+            </a:r>
+            <a:r>
+              <a:rPr lang="en">
+                <a:solidFill>
+                  <a:srgbClr val="000000"/>
                 </a:solidFill>
                 <a:latin typeface="Courier New"/>
                 <a:ea typeface="Courier New"/>
                 <a:cs typeface="Courier New"/>
                 <a:sym typeface="Courier New"/>
               </a:rPr>
-              <a:t>let i = 0; i &lt; lab_1.length; i++</a:t>
-            </a:r>
-            <a:r>
-              <a:rPr lang="en">
-                <a:solidFill>
-                  <a:schemeClr val="dk1"/>
-                </a:solidFill>
-                <a:latin typeface="Courier New"/>
-                <a:ea typeface="Courier New"/>
-                <a:cs typeface="Courier New"/>
-                <a:sym typeface="Courier New"/>
-              </a:rPr>
-              <a:t>)</a:t>
+              <a:t>// code block to be executed</a:t>
             </a:r>
             <a:endParaRPr>
               <a:solidFill>
-                <a:schemeClr val="dk1"/>
+                <a:srgbClr val="000000"/>
               </a:solidFill>
               <a:latin typeface="Courier New"/>
               <a:ea typeface="Courier New"/>
@@ -13640,9 +16632,9 @@
             </a:endParaRPr>
           </a:p>
           <a:p>
-            <a:pPr indent="0" lvl="0" marL="0" rtl="0" algn="l">
+            <a:pPr indent="0" lvl="0" marL="12700" marR="259715" rtl="0" algn="l">
               <a:lnSpc>
-                <a:spcPct val="150000"/>
+                <a:spcPct val="88700"/>
               </a:lnSpc>
               <a:spcBef>
                 <a:spcPts val="0"/>
@@ -13662,7 +16654,7 @@
                 <a:cs typeface="Courier New"/>
                 <a:sym typeface="Courier New"/>
               </a:rPr>
-              <a:t>{</a:t>
+              <a:t>}</a:t>
             </a:r>
             <a:endParaRPr>
               <a:solidFill>
@@ -13675,7 +16667,369 @@
             </a:endParaRPr>
           </a:p>
           <a:p>
-            <a:pPr indent="457200" lvl="0" marL="0" rtl="0" algn="l">
+            <a:pPr indent="0" lvl="0" marL="12700" marR="259715" rtl="0" algn="l">
+              <a:lnSpc>
+                <a:spcPct val="88700"/>
+              </a:lnSpc>
+              <a:spcBef>
+                <a:spcPts val="0"/>
+              </a:spcBef>
+              <a:spcAft>
+                <a:spcPts val="0"/>
+              </a:spcAft>
+              <a:buNone/>
+            </a:pPr>
+            <a:r>
+              <a:t/>
+            </a:r>
+            <a:endParaRPr sz="2000">
+              <a:solidFill>
+                <a:schemeClr val="dk1"/>
+              </a:solidFill>
+              <a:latin typeface="Consolas"/>
+              <a:ea typeface="Consolas"/>
+              <a:cs typeface="Consolas"/>
+              <a:sym typeface="Consolas"/>
+            </a:endParaRPr>
+          </a:p>
+          <a:p>
+            <a:pPr indent="0" lvl="0" marL="12700" marR="259715" rtl="0" algn="l">
+              <a:lnSpc>
+                <a:spcPct val="88700"/>
+              </a:lnSpc>
+              <a:spcBef>
+                <a:spcPts val="0"/>
+              </a:spcBef>
+              <a:spcAft>
+                <a:spcPts val="0"/>
+              </a:spcAft>
+              <a:buNone/>
+            </a:pPr>
+            <a:r>
+              <a:rPr i="1" lang="en" sz="2000">
+                <a:solidFill>
+                  <a:schemeClr val="dk1"/>
+                </a:solidFill>
+                <a:latin typeface="Calibri"/>
+                <a:ea typeface="Calibri"/>
+                <a:cs typeface="Calibri"/>
+                <a:sym typeface="Calibri"/>
+              </a:rPr>
+              <a:t>where:</a:t>
+            </a:r>
+            <a:endParaRPr i="1" sz="2000">
+              <a:solidFill>
+                <a:schemeClr val="dk1"/>
+              </a:solidFill>
+              <a:latin typeface="Calibri"/>
+              <a:ea typeface="Calibri"/>
+              <a:cs typeface="Calibri"/>
+              <a:sym typeface="Calibri"/>
+            </a:endParaRPr>
+          </a:p>
+          <a:p>
+            <a:pPr indent="-342900" lvl="0" marL="355600" marR="259715" rtl="0" algn="l">
+              <a:lnSpc>
+                <a:spcPct val="88700"/>
+              </a:lnSpc>
+              <a:spcBef>
+                <a:spcPts val="0"/>
+              </a:spcBef>
+              <a:spcAft>
+                <a:spcPts val="0"/>
+              </a:spcAft>
+              <a:buClr>
+                <a:srgbClr val="BFBFBF"/>
+              </a:buClr>
+              <a:buSzPts val="2400"/>
+              <a:buChar char="•"/>
+            </a:pPr>
+            <a:r>
+              <a:rPr b="1" i="1" lang="en" sz="2000">
+                <a:solidFill>
+                  <a:schemeClr val="dk1"/>
+                </a:solidFill>
+                <a:latin typeface="Calibri"/>
+                <a:ea typeface="Calibri"/>
+                <a:cs typeface="Calibri"/>
+                <a:sym typeface="Calibri"/>
+              </a:rPr>
+              <a:t>Expression 1 </a:t>
+            </a:r>
+            <a:r>
+              <a:rPr i="1" lang="en" sz="2000">
+                <a:solidFill>
+                  <a:schemeClr val="dk1"/>
+                </a:solidFill>
+                <a:latin typeface="Calibri"/>
+                <a:ea typeface="Calibri"/>
+                <a:cs typeface="Calibri"/>
+                <a:sym typeface="Calibri"/>
+              </a:rPr>
+              <a:t>is executed (one time) before the execution of the block code.</a:t>
+            </a:r>
+            <a:endParaRPr sz="1400">
+              <a:solidFill>
+                <a:schemeClr val="dk1"/>
+              </a:solidFill>
+            </a:endParaRPr>
+          </a:p>
+          <a:p>
+            <a:pPr indent="-342900" lvl="0" marL="355600" marR="259715" rtl="0" algn="l">
+              <a:lnSpc>
+                <a:spcPct val="88700"/>
+              </a:lnSpc>
+              <a:spcBef>
+                <a:spcPts val="0"/>
+              </a:spcBef>
+              <a:spcAft>
+                <a:spcPts val="0"/>
+              </a:spcAft>
+              <a:buClr>
+                <a:srgbClr val="BFBFBF"/>
+              </a:buClr>
+              <a:buSzPts val="2400"/>
+              <a:buChar char="•"/>
+            </a:pPr>
+            <a:r>
+              <a:rPr b="1" i="1" lang="en" sz="2000">
+                <a:solidFill>
+                  <a:schemeClr val="dk1"/>
+                </a:solidFill>
+                <a:latin typeface="Calibri"/>
+                <a:ea typeface="Calibri"/>
+                <a:cs typeface="Calibri"/>
+                <a:sym typeface="Calibri"/>
+              </a:rPr>
+              <a:t>Expression 2 </a:t>
+            </a:r>
+            <a:r>
+              <a:rPr i="1" lang="en" sz="2000">
+                <a:solidFill>
+                  <a:schemeClr val="dk1"/>
+                </a:solidFill>
+                <a:latin typeface="Calibri"/>
+                <a:ea typeface="Calibri"/>
+                <a:cs typeface="Calibri"/>
+                <a:sym typeface="Calibri"/>
+              </a:rPr>
+              <a:t>defines the condition for executing the code block.</a:t>
+            </a:r>
+            <a:endParaRPr i="1" sz="2000">
+              <a:solidFill>
+                <a:schemeClr val="dk1"/>
+              </a:solidFill>
+              <a:latin typeface="Calibri"/>
+              <a:ea typeface="Calibri"/>
+              <a:cs typeface="Calibri"/>
+              <a:sym typeface="Calibri"/>
+            </a:endParaRPr>
+          </a:p>
+          <a:p>
+            <a:pPr indent="-342900" lvl="0" marL="355600" marR="259715" rtl="0" algn="l">
+              <a:lnSpc>
+                <a:spcPct val="88700"/>
+              </a:lnSpc>
+              <a:spcBef>
+                <a:spcPts val="0"/>
+              </a:spcBef>
+              <a:spcAft>
+                <a:spcPts val="0"/>
+              </a:spcAft>
+              <a:buClr>
+                <a:srgbClr val="BFBFBF"/>
+              </a:buClr>
+              <a:buSzPts val="2400"/>
+              <a:buChar char="•"/>
+            </a:pPr>
+            <a:r>
+              <a:rPr b="1" i="1" lang="en" sz="2000">
+                <a:solidFill>
+                  <a:schemeClr val="dk1"/>
+                </a:solidFill>
+                <a:latin typeface="Calibri"/>
+                <a:ea typeface="Calibri"/>
+                <a:cs typeface="Calibri"/>
+                <a:sym typeface="Calibri"/>
+              </a:rPr>
+              <a:t>Expression 3 </a:t>
+            </a:r>
+            <a:r>
+              <a:rPr i="1" lang="en" sz="2000">
+                <a:solidFill>
+                  <a:schemeClr val="dk1"/>
+                </a:solidFill>
+                <a:latin typeface="Calibri"/>
+                <a:ea typeface="Calibri"/>
+                <a:cs typeface="Calibri"/>
+                <a:sym typeface="Calibri"/>
+              </a:rPr>
+              <a:t>is executed (every time) after the code block has been executed.</a:t>
+            </a:r>
+            <a:endParaRPr sz="2000">
+              <a:solidFill>
+                <a:schemeClr val="dk1"/>
+              </a:solidFill>
+              <a:latin typeface="Consolas"/>
+              <a:ea typeface="Consolas"/>
+              <a:cs typeface="Consolas"/>
+              <a:sym typeface="Consolas"/>
+            </a:endParaRPr>
+          </a:p>
+        </p:txBody>
+      </p:sp>
+      <p:sp>
+        <p:nvSpPr>
+          <p:cNvPr id="96" name="Google Shape;96;p19"/>
+          <p:cNvSpPr txBox="1"/>
+          <p:nvPr/>
+        </p:nvSpPr>
+        <p:spPr>
+          <a:xfrm>
+            <a:off x="0" y="4685700"/>
+            <a:ext cx="9144000" cy="457800"/>
+          </a:xfrm>
+          <a:prstGeom prst="rect">
+            <a:avLst/>
+          </a:prstGeom>
+          <a:noFill/>
+          <a:ln>
+            <a:noFill/>
+          </a:ln>
+        </p:spPr>
+        <p:txBody>
+          <a:bodyPr anchorCtr="0" anchor="t" bIns="91425" lIns="91425" spcFirstLastPara="1" rIns="91425" wrap="square" tIns="91425">
+            <a:spAutoFit/>
+          </a:bodyPr>
+          <a:lstStyle/>
+          <a:p>
+            <a:pPr indent="0" lvl="0" marL="0" marR="259715" rtl="0" algn="l">
+              <a:lnSpc>
+                <a:spcPct val="88700"/>
+              </a:lnSpc>
+              <a:spcBef>
+                <a:spcPts val="0"/>
+              </a:spcBef>
+              <a:spcAft>
+                <a:spcPts val="0"/>
+              </a:spcAft>
+              <a:buNone/>
+            </a:pPr>
+            <a:r>
+              <a:rPr lang="en" sz="2000">
+                <a:solidFill>
+                  <a:schemeClr val="dk1"/>
+                </a:solidFill>
+                <a:latin typeface="Times New Roman"/>
+                <a:ea typeface="Times New Roman"/>
+                <a:cs typeface="Times New Roman"/>
+                <a:sym typeface="Times New Roman"/>
+              </a:rPr>
+              <a:t>1.html, 2.html</a:t>
+            </a:r>
+            <a:endParaRPr/>
+          </a:p>
+        </p:txBody>
+      </p:sp>
+    </p:spTree>
+  </p:cSld>
+  <p:clrMapOvr>
+    <a:masterClrMapping/>
+  </p:clrMapOvr>
+</p:sld>
+</file>
+
+<file path=ppt/slides/slide8.xml><?xml version="1.0" encoding="utf-8"?>
+<p:sld xmlns:a="http://schemas.openxmlformats.org/drawingml/2006/main" xmlns:r="http://schemas.openxmlformats.org/officeDocument/2006/relationships" xmlns:mc="http://schemas.openxmlformats.org/markup-compatibility/2006" xmlns:mv="urn:schemas-microsoft-com:mac:vml" xmlns:p="http://schemas.openxmlformats.org/presentationml/2006/main" xmlns:c="http://schemas.openxmlformats.org/drawingml/2006/chart" xmlns:dgm="http://schemas.openxmlformats.org/drawingml/2006/diagram" xmlns:o="urn:schemas-microsoft-com:office:office" xmlns:v="urn:schemas-microsoft-com:vml" xmlns:pvml="urn:schemas-microsoft-com:office:powerpoint" xmlns:com="http://schemas.openxmlformats.org/drawingml/2006/compatibility" xmlns:p14="http://schemas.microsoft.com/office/powerpoint/2010/main" xmlns:p15="http://schemas.microsoft.com/office/powerpoint/2012/main" xmlns:ahyp="http://schemas.microsoft.com/office/drawing/2018/hyperlinkcolor">
+  <p:cSld>
+    <p:spTree>
+      <p:nvGrpSpPr>
+        <p:cNvPr id="100" name="Shape 100"/>
+        <p:cNvGrpSpPr/>
+        <p:nvPr/>
+      </p:nvGrpSpPr>
+      <p:grpSpPr>
+        <a:xfrm>
+          <a:off x="0" y="0"/>
+          <a:ext cx="0" cy="0"/>
+          <a:chOff x="0" y="0"/>
+          <a:chExt cx="0" cy="0"/>
+        </a:xfrm>
+      </p:grpSpPr>
+      <p:sp>
+        <p:nvSpPr>
+          <p:cNvPr id="101" name="Google Shape;101;p20"/>
+          <p:cNvSpPr txBox="1"/>
+          <p:nvPr>
+            <p:ph type="title"/>
+          </p:nvPr>
+        </p:nvSpPr>
+        <p:spPr>
+          <a:xfrm>
+            <a:off x="0" y="0"/>
+            <a:ext cx="9144000" cy="572700"/>
+          </a:xfrm>
+          <a:prstGeom prst="rect">
+            <a:avLst/>
+          </a:prstGeom>
+        </p:spPr>
+        <p:txBody>
+          <a:bodyPr anchorCtr="0" anchor="t" bIns="91425" lIns="91425" spcFirstLastPara="1" rIns="91425" wrap="square" tIns="91425">
+            <a:noAutofit/>
+          </a:bodyPr>
+          <a:lstStyle/>
+          <a:p>
+            <a:pPr indent="0" lvl="0" marL="0" rtl="0" algn="l">
+              <a:spcBef>
+                <a:spcPts val="0"/>
+              </a:spcBef>
+              <a:spcAft>
+                <a:spcPts val="0"/>
+              </a:spcAft>
+              <a:buNone/>
+            </a:pPr>
+            <a:r>
+              <a:rPr lang="en" sz="3000">
+                <a:latin typeface="Times New Roman"/>
+                <a:ea typeface="Times New Roman"/>
+                <a:cs typeface="Times New Roman"/>
+                <a:sym typeface="Times New Roman"/>
+              </a:rPr>
+              <a:t>For Loop</a:t>
+            </a:r>
+            <a:endParaRPr sz="3000">
+              <a:latin typeface="Times New Roman"/>
+              <a:ea typeface="Times New Roman"/>
+              <a:cs typeface="Times New Roman"/>
+              <a:sym typeface="Times New Roman"/>
+            </a:endParaRPr>
+          </a:p>
+        </p:txBody>
+      </p:sp>
+      <p:sp>
+        <p:nvSpPr>
+          <p:cNvPr id="102" name="Google Shape;102;p20"/>
+          <p:cNvSpPr txBox="1"/>
+          <p:nvPr>
+            <p:ph idx="1" type="body"/>
+          </p:nvPr>
+        </p:nvSpPr>
+        <p:spPr>
+          <a:xfrm>
+            <a:off x="0" y="572700"/>
+            <a:ext cx="9144000" cy="4570800"/>
+          </a:xfrm>
+          <a:prstGeom prst="rect">
+            <a:avLst/>
+          </a:prstGeom>
+        </p:spPr>
+        <p:txBody>
+          <a:bodyPr anchorCtr="0" anchor="t" bIns="91425" lIns="91425" spcFirstLastPara="1" rIns="91425" wrap="square" tIns="91425">
+            <a:normAutofit/>
+          </a:bodyPr>
+          <a:lstStyle/>
+          <a:p>
+            <a:pPr indent="0" lvl="0" marL="0" rtl="0" algn="l">
               <a:lnSpc>
                 <a:spcPct val="150000"/>
               </a:lnSpc>
@@ -13697,7 +17051,7 @@
                 <a:cs typeface="Courier New"/>
                 <a:sym typeface="Courier New"/>
               </a:rPr>
-              <a:t>sum = sum + lab_1[i];</a:t>
+              <a:t>let lab_1 = [4, 5 ,0 ,4 ,5 ,10 ,10]</a:t>
             </a:r>
             <a:endParaRPr>
               <a:solidFill>
@@ -13732,7 +17086,7 @@
                 <a:cs typeface="Courier New"/>
                 <a:sym typeface="Courier New"/>
               </a:rPr>
-              <a:t>}</a:t>
+              <a:t>let sum = 0;</a:t>
             </a:r>
             <a:endParaRPr>
               <a:solidFill>
@@ -13755,11 +17109,6 @@
               <a:spcAft>
                 <a:spcPts val="0"/>
               </a:spcAft>
-              <a:buClr>
-                <a:schemeClr val="dk1"/>
-              </a:buClr>
-              <a:buSzPts val="2000"/>
-              <a:buFont typeface="Arial"/>
               <a:buNone/>
             </a:pPr>
             <a:r>
@@ -13772,7 +17121,31 @@
                 <a:cs typeface="Courier New"/>
                 <a:sym typeface="Courier New"/>
               </a:rPr>
-              <a:t>console.log("sum = "+ sum)</a:t>
+              <a:t>for (</a:t>
+            </a:r>
+            <a:r>
+              <a:rPr b="1" lang="en">
+                <a:solidFill>
+                  <a:schemeClr val="dk1"/>
+                </a:solidFill>
+                <a:latin typeface="Courier New"/>
+                <a:ea typeface="Courier New"/>
+                <a:cs typeface="Courier New"/>
+                <a:sym typeface="Courier New"/>
+              </a:rPr>
+              <a:t>let i = 0; i &lt; lab_1.length; i++</a:t>
+            </a:r>
+            <a:r>
+              <a:rPr lang="en">
+                <a:solidFill>
+                  <a:schemeClr val="dk1"/>
+                </a:solidFill>
+                <a:latin typeface="Courier New"/>
+                <a:ea typeface="Courier New"/>
+                <a:cs typeface="Courier New"/>
+                <a:sym typeface="Courier New"/>
+              </a:rPr>
+              <a:t>)</a:t>
             </a:r>
             <a:endParaRPr>
               <a:solidFill>
@@ -13784,11 +17157,156 @@
               <a:sym typeface="Courier New"/>
             </a:endParaRPr>
           </a:p>
+          <a:p>
+            <a:pPr indent="0" lvl="0" marL="0" rtl="0" algn="l">
+              <a:lnSpc>
+                <a:spcPct val="150000"/>
+              </a:lnSpc>
+              <a:spcBef>
+                <a:spcPts val="0"/>
+              </a:spcBef>
+              <a:spcAft>
+                <a:spcPts val="0"/>
+              </a:spcAft>
+              <a:buNone/>
+            </a:pPr>
+            <a:r>
+              <a:rPr lang="en">
+                <a:solidFill>
+                  <a:schemeClr val="dk1"/>
+                </a:solidFill>
+                <a:latin typeface="Courier New"/>
+                <a:ea typeface="Courier New"/>
+                <a:cs typeface="Courier New"/>
+                <a:sym typeface="Courier New"/>
+              </a:rPr>
+              <a:t>{</a:t>
+            </a:r>
+            <a:endParaRPr>
+              <a:solidFill>
+                <a:schemeClr val="dk1"/>
+              </a:solidFill>
+              <a:latin typeface="Courier New"/>
+              <a:ea typeface="Courier New"/>
+              <a:cs typeface="Courier New"/>
+              <a:sym typeface="Courier New"/>
+            </a:endParaRPr>
+          </a:p>
+          <a:p>
+            <a:pPr indent="457200" lvl="0" marL="0" rtl="0" algn="l">
+              <a:lnSpc>
+                <a:spcPct val="150000"/>
+              </a:lnSpc>
+              <a:spcBef>
+                <a:spcPts val="0"/>
+              </a:spcBef>
+              <a:spcAft>
+                <a:spcPts val="0"/>
+              </a:spcAft>
+              <a:buNone/>
+            </a:pPr>
+            <a:r>
+              <a:rPr lang="en">
+                <a:solidFill>
+                  <a:schemeClr val="dk1"/>
+                </a:solidFill>
+                <a:latin typeface="Courier New"/>
+                <a:ea typeface="Courier New"/>
+                <a:cs typeface="Courier New"/>
+                <a:sym typeface="Courier New"/>
+              </a:rPr>
+              <a:t>sum = sum + lab_1[i];</a:t>
+            </a:r>
+            <a:endParaRPr>
+              <a:solidFill>
+                <a:schemeClr val="dk1"/>
+              </a:solidFill>
+              <a:latin typeface="Courier New"/>
+              <a:ea typeface="Courier New"/>
+              <a:cs typeface="Courier New"/>
+              <a:sym typeface="Courier New"/>
+            </a:endParaRPr>
+          </a:p>
+          <a:p>
+            <a:pPr indent="0" lvl="0" marL="0" rtl="0" algn="l">
+              <a:lnSpc>
+                <a:spcPct val="150000"/>
+              </a:lnSpc>
+              <a:spcBef>
+                <a:spcPts val="0"/>
+              </a:spcBef>
+              <a:spcAft>
+                <a:spcPts val="0"/>
+              </a:spcAft>
+              <a:buNone/>
+            </a:pPr>
+            <a:r>
+              <a:rPr lang="en">
+                <a:solidFill>
+                  <a:schemeClr val="dk1"/>
+                </a:solidFill>
+                <a:latin typeface="Courier New"/>
+                <a:ea typeface="Courier New"/>
+                <a:cs typeface="Courier New"/>
+                <a:sym typeface="Courier New"/>
+              </a:rPr>
+              <a:t>}</a:t>
+            </a:r>
+            <a:endParaRPr>
+              <a:solidFill>
+                <a:schemeClr val="dk1"/>
+              </a:solidFill>
+              <a:latin typeface="Courier New"/>
+              <a:ea typeface="Courier New"/>
+              <a:cs typeface="Courier New"/>
+              <a:sym typeface="Courier New"/>
+            </a:endParaRPr>
+          </a:p>
+          <a:p>
+            <a:pPr indent="0" lvl="0" marL="0" rtl="0" algn="l">
+              <a:lnSpc>
+                <a:spcPct val="150000"/>
+              </a:lnSpc>
+              <a:spcBef>
+                <a:spcPts val="0"/>
+              </a:spcBef>
+              <a:spcAft>
+                <a:spcPts val="0"/>
+              </a:spcAft>
+              <a:buClr>
+                <a:schemeClr val="dk1"/>
+              </a:buClr>
+              <a:buSzPts val="2000"/>
+              <a:buFont typeface="Arial"/>
+              <a:buNone/>
+            </a:pPr>
+            <a:r>
+              <a:rPr lang="en">
+                <a:solidFill>
+                  <a:schemeClr val="dk1"/>
+                </a:solidFill>
+                <a:latin typeface="Courier New"/>
+                <a:ea typeface="Courier New"/>
+                <a:cs typeface="Courier New"/>
+                <a:sym typeface="Courier New"/>
+              </a:rPr>
+              <a:t>console.log("sum = "+ sum)</a:t>
+            </a:r>
+            <a:endParaRPr>
+              <a:solidFill>
+                <a:schemeClr val="dk1"/>
+              </a:solidFill>
+              <a:latin typeface="Courier New"/>
+              <a:ea typeface="Courier New"/>
+              <a:cs typeface="Courier New"/>
+              <a:sym typeface="Courier New"/>
+            </a:endParaRPr>
+          </a:p>
         </p:txBody>
       </p:sp>
       <p:sp>
         <p:nvSpPr>
-          <p:cNvPr id="88" name="Google Shape;88;p18"/>
+          <p:cNvPr id="103" name="Google Shape;103;p20"/>
           <p:cNvSpPr txBox="1"/>
           <p:nvPr/>
         </p:nvSpPr>
@@ -14071,6 +17589,83 @@
           </a:p>
         </p:txBody>
       </p:sp>
+      <p:sp>
+        <p:nvSpPr>
+          <p:cNvPr id="104" name="Google Shape;104;p20"/>
+          <p:cNvSpPr txBox="1"/>
+          <p:nvPr/>
+        </p:nvSpPr>
+        <p:spPr>
+          <a:xfrm>
+            <a:off x="0" y="4685700"/>
+            <a:ext cx="9144000" cy="457800"/>
+          </a:xfrm>
+          <a:prstGeom prst="rect">
+            <a:avLst/>
+          </a:prstGeom>
+          <a:noFill/>
+          <a:ln>
+            <a:noFill/>
+          </a:ln>
+        </p:spPr>
+        <p:txBody>
+          <a:bodyPr anchorCtr="0" anchor="t" bIns="91425" lIns="91425" spcFirstLastPara="1" rIns="91425" wrap="square" tIns="91425">
+            <a:spAutoFit/>
+          </a:bodyPr>
+          <a:lstStyle/>
+          <a:p>
+            <a:pPr indent="0" lvl="0" marL="0" marR="259715" rtl="0" algn="l">
+              <a:lnSpc>
+                <a:spcPct val="88700"/>
+              </a:lnSpc>
+              <a:spcBef>
+                <a:spcPts val="0"/>
+              </a:spcBef>
+              <a:spcAft>
+                <a:spcPts val="0"/>
+              </a:spcAft>
+              <a:buNone/>
+            </a:pPr>
+            <a:r>
+              <a:rPr lang="en" sz="2000">
+                <a:solidFill>
+                  <a:schemeClr val="dk1"/>
+                </a:solidFill>
+                <a:latin typeface="Times New Roman"/>
+                <a:ea typeface="Times New Roman"/>
+                <a:cs typeface="Times New Roman"/>
+                <a:sym typeface="Times New Roman"/>
+              </a:rPr>
+              <a:t>3</a:t>
+            </a:r>
+            <a:r>
+              <a:rPr lang="en" sz="2000">
+                <a:solidFill>
+                  <a:schemeClr val="dk1"/>
+                </a:solidFill>
+                <a:latin typeface="Times New Roman"/>
+                <a:ea typeface="Times New Roman"/>
+                <a:cs typeface="Times New Roman"/>
+                <a:sym typeface="Times New Roman"/>
+              </a:rPr>
+              <a:t>.html, 4</a:t>
+            </a:r>
+            <a:r>
+              <a:rPr lang="en" sz="2000">
+                <a:solidFill>
+                  <a:schemeClr val="dk1"/>
+                </a:solidFill>
+                <a:latin typeface="Times New Roman"/>
+                <a:ea typeface="Times New Roman"/>
+                <a:cs typeface="Times New Roman"/>
+                <a:sym typeface="Times New Roman"/>
+              </a:rPr>
+              <a:t>.html</a:t>
+            </a:r>
+            <a:endParaRPr/>
+          </a:p>
+        </p:txBody>
+      </p:sp>
     </p:spTree>
   </p:cSld>
   <p:clrMapOvr>
@@ -14079,12 +17674,12 @@
 </p:sld>
 </file>
 
-<file path=ppt/slides/slide7.xml><?xml version="1.0" encoding="utf-8"?>
+<file path=ppt/slides/slide9.xml><?xml version="1.0" encoding="utf-8"?>
 <p:sld xmlns:a="http://schemas.openxmlformats.org/drawingml/2006/main" xmlns:r="http://schemas.openxmlformats.org/officeDocument/2006/relationships" xmlns:mc="http://schemas.openxmlformats.org/markup-compatibility/2006" xmlns:mv="urn:schemas-microsoft-com:mac:vml" xmlns:p="http://schemas.openxmlformats.org/presentationml/2006/main" xmlns:c="http://schemas.openxmlformats.org/drawingml/2006/chart" xmlns:dgm="http://schemas.openxmlformats.org/drawingml/2006/diagram" xmlns:o="urn:schemas-microsoft-com:office:office" xmlns:v="urn:schemas-microsoft-com:vml" xmlns:pvml="urn:schemas-microsoft-com:office:powerpoint" xmlns:com="http://schemas.openxmlformats.org/drawingml/2006/compatibility" xmlns:p14="http://schemas.microsoft.com/office/powerpoint/2010/main" xmlns:p15="http://schemas.microsoft.com/office/powerpoint/2012/main" xmlns:ahyp="http://schemas.microsoft.com/office/drawing/2018/hyperlinkcolor">
   <p:cSld>
     <p:spTree>
       <p:nvGrpSpPr>
-        <p:cNvPr id="92" name="Shape 92"/>
+        <p:cNvPr id="108" name="Shape 108"/>
         <p:cNvGrpSpPr/>
         <p:nvPr/>
       </p:nvGrpSpPr>
@@ -14098,7 +17693,7 @@
       </p:grpSpPr>
       <p:sp>
         <p:nvSpPr>
-          <p:cNvPr id="93" name="Google Shape;93;p19"/>
+          <p:cNvPr id="109" name="Google Shape;109;p21"/>
           <p:cNvSpPr txBox="1"/>
           <p:nvPr>
             <p:ph type="title"/>
@@ -14148,7 +17743,7 @@
       </p:sp>
       <p:sp>
         <p:nvSpPr>
-          <p:cNvPr id="94" name="Google Shape;94;p19"/>
+          <p:cNvPr id="110" name="Google Shape;110;p21"/>
           <p:cNvSpPr txBox="1"/>
           <p:nvPr>
             <p:ph idx="1" type="body"/>
@@ -14195,7 +17790,7 @@
       </p:sp>
       <p:pic>
         <p:nvPicPr>
-          <p:cNvPr id="95" name="Google Shape;95;p19"/>
+          <p:cNvPr id="111" name="Google Shape;111;p21"/>
           <p:cNvPicPr preferRelativeResize="0"/>
           <p:nvPr/>
         </p:nvPicPr>
@@ -14220,845 +17815,6 @@
           </a:ln>
         </p:spPr>
       </p:pic>
-    </p:spTree>
-  </p:cSld>
-  <p:clrMapOvr>
-    <a:masterClrMapping/>
-  </p:clrMapOvr>
-</p:sld>
-</file>
-
-<file path=ppt/slides/slide8.xml><?xml version="1.0" encoding="utf-8"?>
-<p:sld xmlns:a="http://schemas.openxmlformats.org/drawingml/2006/main" xmlns:r="http://schemas.openxmlformats.org/officeDocument/2006/relationships" xmlns:mc="http://schemas.openxmlformats.org/markup-compatibility/2006" xmlns:mv="urn:schemas-microsoft-com:mac:vml" xmlns:p="http://schemas.openxmlformats.org/presentationml/2006/main" xmlns:c="http://schemas.openxmlformats.org/drawingml/2006/chart" xmlns:dgm="http://schemas.openxmlformats.org/drawingml/2006/diagram" xmlns:o="urn:schemas-microsoft-com:office:office" xmlns:v="urn:schemas-microsoft-com:vml" xmlns:pvml="urn:schemas-microsoft-com:office:powerpoint" xmlns:com="http://schemas.openxmlformats.org/drawingml/2006/compatibility" xmlns:p14="http://schemas.microsoft.com/office/powerpoint/2010/main" xmlns:p15="http://schemas.microsoft.com/office/powerpoint/2012/main" xmlns:ahyp="http://schemas.microsoft.com/office/drawing/2018/hyperlinkcolor">
-  <p:cSld>
-    <p:spTree>
-      <p:nvGrpSpPr>
-        <p:cNvPr id="99" name="Shape 99"/>
-        <p:cNvGrpSpPr/>
-        <p:nvPr/>
-      </p:nvGrpSpPr>
-      <p:grpSpPr>
-        <a:xfrm>
-          <a:off x="0" y="0"/>
-          <a:ext cx="0" cy="0"/>
-          <a:chOff x="0" y="0"/>
-          <a:chExt cx="0" cy="0"/>
-        </a:xfrm>
-      </p:grpSpPr>
-      <p:sp>
-        <p:nvSpPr>
-          <p:cNvPr id="100" name="Google Shape;100;p20"/>
-          <p:cNvSpPr txBox="1"/>
-          <p:nvPr>
-            <p:ph type="title"/>
-          </p:nvPr>
-        </p:nvSpPr>
-        <p:spPr>
-          <a:xfrm>
-            <a:off x="0" y="0"/>
-            <a:ext cx="9144000" cy="572700"/>
-          </a:xfrm>
-          <a:prstGeom prst="rect">
-            <a:avLst/>
-          </a:prstGeom>
-        </p:spPr>
-        <p:txBody>
-          <a:bodyPr anchorCtr="0" anchor="t" bIns="91425" lIns="91425" spcFirstLastPara="1" rIns="91425" wrap="square" tIns="91425">
-            <a:noAutofit/>
-          </a:bodyPr>
-          <a:lstStyle/>
-          <a:p>
-            <a:pPr indent="0" lvl="0" marL="0" rtl="0" algn="l">
-              <a:spcBef>
-                <a:spcPts val="0"/>
-              </a:spcBef>
-              <a:spcAft>
-                <a:spcPts val="0"/>
-              </a:spcAft>
-              <a:buNone/>
-            </a:pPr>
-            <a:r>
-              <a:rPr lang="en" sz="3000">
-                <a:latin typeface="Times New Roman"/>
-                <a:ea typeface="Times New Roman"/>
-                <a:cs typeface="Times New Roman"/>
-                <a:sym typeface="Times New Roman"/>
-              </a:rPr>
-              <a:t>Nested </a:t>
-            </a:r>
-            <a:r>
-              <a:rPr lang="en" sz="3000">
-                <a:latin typeface="Times New Roman"/>
-                <a:ea typeface="Times New Roman"/>
-                <a:cs typeface="Times New Roman"/>
-                <a:sym typeface="Times New Roman"/>
-              </a:rPr>
-              <a:t>For Loop</a:t>
-            </a:r>
-            <a:endParaRPr sz="3000">
-              <a:latin typeface="Times New Roman"/>
-              <a:ea typeface="Times New Roman"/>
-              <a:cs typeface="Times New Roman"/>
-              <a:sym typeface="Times New Roman"/>
-            </a:endParaRPr>
-          </a:p>
-        </p:txBody>
-      </p:sp>
-      <p:sp>
-        <p:nvSpPr>
-          <p:cNvPr id="101" name="Google Shape;101;p20"/>
-          <p:cNvSpPr txBox="1"/>
-          <p:nvPr>
-            <p:ph idx="1" type="body"/>
-          </p:nvPr>
-        </p:nvSpPr>
-        <p:spPr>
-          <a:xfrm>
-            <a:off x="0" y="572700"/>
-            <a:ext cx="9144000" cy="4570800"/>
-          </a:xfrm>
-          <a:prstGeom prst="rect">
-            <a:avLst/>
-          </a:prstGeom>
-        </p:spPr>
-        <p:txBody>
-          <a:bodyPr anchorCtr="0" anchor="t" bIns="91425" lIns="91425" spcFirstLastPara="1" rIns="91425" wrap="square" tIns="91425">
-            <a:normAutofit/>
-          </a:bodyPr>
-          <a:lstStyle/>
-          <a:p>
-            <a:pPr indent="0" lvl="0" marL="91440" rtl="0" algn="l">
-              <a:lnSpc>
-                <a:spcPct val="150000"/>
-              </a:lnSpc>
-              <a:spcBef>
-                <a:spcPts val="0"/>
-              </a:spcBef>
-              <a:spcAft>
-                <a:spcPts val="0"/>
-              </a:spcAft>
-              <a:buNone/>
-            </a:pPr>
-            <a:r>
-              <a:rPr lang="en" sz="2400">
-                <a:solidFill>
-                  <a:schemeClr val="dk1"/>
-                </a:solidFill>
-                <a:latin typeface="Courier New"/>
-                <a:ea typeface="Courier New"/>
-                <a:cs typeface="Courier New"/>
-                <a:sym typeface="Courier New"/>
-              </a:rPr>
-              <a:t>for (let i = 0; i &lt; 5; i++)</a:t>
-            </a:r>
-            <a:endParaRPr sz="2400">
-              <a:solidFill>
-                <a:schemeClr val="dk1"/>
-              </a:solidFill>
-              <a:latin typeface="Courier New"/>
-              <a:ea typeface="Courier New"/>
-              <a:cs typeface="Courier New"/>
-              <a:sym typeface="Courier New"/>
-            </a:endParaRPr>
-          </a:p>
-          <a:p>
-            <a:pPr indent="0" lvl="0" marL="91440" rtl="0" algn="l">
-              <a:lnSpc>
-                <a:spcPct val="150000"/>
-              </a:lnSpc>
-              <a:spcBef>
-                <a:spcPts val="0"/>
-              </a:spcBef>
-              <a:spcAft>
-                <a:spcPts val="0"/>
-              </a:spcAft>
-              <a:buClr>
-                <a:srgbClr val="000000"/>
-              </a:buClr>
-              <a:buFont typeface="Arial"/>
-              <a:buNone/>
-            </a:pPr>
-            <a:r>
-              <a:rPr lang="en" sz="2400">
-                <a:solidFill>
-                  <a:schemeClr val="dk1"/>
-                </a:solidFill>
-                <a:latin typeface="Courier New"/>
-                <a:ea typeface="Courier New"/>
-                <a:cs typeface="Courier New"/>
-                <a:sym typeface="Courier New"/>
-              </a:rPr>
-              <a:t>{</a:t>
-            </a:r>
-            <a:endParaRPr sz="2400">
-              <a:solidFill>
-                <a:schemeClr val="dk1"/>
-              </a:solidFill>
-              <a:latin typeface="Courier New"/>
-              <a:ea typeface="Courier New"/>
-              <a:cs typeface="Courier New"/>
-              <a:sym typeface="Courier New"/>
-            </a:endParaRPr>
-          </a:p>
-          <a:p>
-            <a:pPr indent="0" lvl="2" marL="91440" rtl="0" algn="l">
-              <a:lnSpc>
-                <a:spcPct val="150000"/>
-              </a:lnSpc>
-              <a:spcBef>
-                <a:spcPts val="0"/>
-              </a:spcBef>
-              <a:spcAft>
-                <a:spcPts val="0"/>
-              </a:spcAft>
-              <a:buNone/>
-            </a:pPr>
-            <a:r>
-              <a:rPr lang="en" sz="2400">
-                <a:solidFill>
-                  <a:schemeClr val="dk1"/>
-                </a:solidFill>
-                <a:latin typeface="Courier New"/>
-                <a:ea typeface="Courier New"/>
-                <a:cs typeface="Courier New"/>
-                <a:sym typeface="Courier New"/>
-              </a:rPr>
-              <a:t>	for (let j = 0; j &lt; 10; j++)</a:t>
-            </a:r>
-            <a:endParaRPr sz="2400">
-              <a:solidFill>
-                <a:schemeClr val="dk1"/>
-              </a:solidFill>
-              <a:latin typeface="Courier New"/>
-              <a:ea typeface="Courier New"/>
-              <a:cs typeface="Courier New"/>
-              <a:sym typeface="Courier New"/>
-            </a:endParaRPr>
-          </a:p>
-          <a:p>
-            <a:pPr indent="365760" lvl="2" marL="91440" rtl="0" algn="l">
-              <a:lnSpc>
-                <a:spcPct val="150000"/>
-              </a:lnSpc>
-              <a:spcBef>
-                <a:spcPts val="0"/>
-              </a:spcBef>
-              <a:spcAft>
-                <a:spcPts val="0"/>
-              </a:spcAft>
-              <a:buClr>
-                <a:srgbClr val="000000"/>
-              </a:buClr>
-              <a:buFont typeface="Arial"/>
-              <a:buNone/>
-            </a:pPr>
-            <a:r>
-              <a:rPr lang="en" sz="2400">
-                <a:solidFill>
-                  <a:schemeClr val="dk1"/>
-                </a:solidFill>
-                <a:latin typeface="Courier New"/>
-                <a:ea typeface="Courier New"/>
-                <a:cs typeface="Courier New"/>
-                <a:sym typeface="Courier New"/>
-              </a:rPr>
-              <a:t>{</a:t>
-            </a:r>
-            <a:endParaRPr sz="2400">
-              <a:solidFill>
-                <a:schemeClr val="dk1"/>
-              </a:solidFill>
-              <a:latin typeface="Courier New"/>
-              <a:ea typeface="Courier New"/>
-              <a:cs typeface="Courier New"/>
-              <a:sym typeface="Courier New"/>
-            </a:endParaRPr>
-          </a:p>
-          <a:p>
-            <a:pPr indent="0" lvl="2" marL="91440" rtl="0" algn="l">
-              <a:lnSpc>
-                <a:spcPct val="150000"/>
-              </a:lnSpc>
-              <a:spcBef>
-                <a:spcPts val="0"/>
-              </a:spcBef>
-              <a:spcAft>
-                <a:spcPts val="0"/>
-              </a:spcAft>
-              <a:buClr>
-                <a:srgbClr val="000000"/>
-              </a:buClr>
-              <a:buFont typeface="Arial"/>
-              <a:buNone/>
-            </a:pPr>
-            <a:r>
-              <a:rPr lang="en" sz="2400">
-                <a:solidFill>
-                  <a:schemeClr val="dk1"/>
-                </a:solidFill>
-                <a:latin typeface="Courier New"/>
-                <a:ea typeface="Courier New"/>
-                <a:cs typeface="Courier New"/>
-                <a:sym typeface="Courier New"/>
-              </a:rPr>
-              <a:t>		console.log("Hello, World!")</a:t>
-            </a:r>
-            <a:endParaRPr sz="2400">
-              <a:solidFill>
-                <a:schemeClr val="dk1"/>
-              </a:solidFill>
-              <a:latin typeface="Courier New"/>
-              <a:ea typeface="Courier New"/>
-              <a:cs typeface="Courier New"/>
-              <a:sym typeface="Courier New"/>
-            </a:endParaRPr>
-          </a:p>
-          <a:p>
-            <a:pPr indent="0" lvl="2" marL="91440" rtl="0" algn="l">
-              <a:lnSpc>
-                <a:spcPct val="150000"/>
-              </a:lnSpc>
-              <a:spcBef>
-                <a:spcPts val="0"/>
-              </a:spcBef>
-              <a:spcAft>
-                <a:spcPts val="0"/>
-              </a:spcAft>
-              <a:buClr>
-                <a:srgbClr val="000000"/>
-              </a:buClr>
-              <a:buFont typeface="Arial"/>
-              <a:buNone/>
-            </a:pPr>
-            <a:r>
-              <a:rPr lang="en" sz="2400">
-                <a:solidFill>
-                  <a:schemeClr val="dk1"/>
-                </a:solidFill>
-                <a:latin typeface="Courier New"/>
-                <a:ea typeface="Courier New"/>
-                <a:cs typeface="Courier New"/>
-                <a:sym typeface="Courier New"/>
-              </a:rPr>
-              <a:t>	}</a:t>
-            </a:r>
-            <a:endParaRPr sz="2400">
-              <a:solidFill>
-                <a:schemeClr val="dk1"/>
-              </a:solidFill>
-              <a:latin typeface="Courier New"/>
-              <a:ea typeface="Courier New"/>
-              <a:cs typeface="Courier New"/>
-              <a:sym typeface="Courier New"/>
-            </a:endParaRPr>
-          </a:p>
-          <a:p>
-            <a:pPr indent="0" lvl="0" marL="91440" rtl="0" algn="l">
-              <a:lnSpc>
-                <a:spcPct val="150000"/>
-              </a:lnSpc>
-              <a:spcBef>
-                <a:spcPts val="0"/>
-              </a:spcBef>
-              <a:spcAft>
-                <a:spcPts val="0"/>
-              </a:spcAft>
-              <a:buNone/>
-            </a:pPr>
-            <a:r>
-              <a:rPr lang="en" sz="2400">
-                <a:solidFill>
-                  <a:schemeClr val="dk1"/>
-                </a:solidFill>
-                <a:latin typeface="Courier New"/>
-                <a:ea typeface="Courier New"/>
-                <a:cs typeface="Courier New"/>
-                <a:sym typeface="Courier New"/>
-              </a:rPr>
-              <a:t>}</a:t>
-            </a:r>
-            <a:endParaRPr sz="2400">
-              <a:solidFill>
-                <a:schemeClr val="dk1"/>
-              </a:solidFill>
-              <a:latin typeface="Courier New"/>
-              <a:ea typeface="Courier New"/>
-              <a:cs typeface="Courier New"/>
-              <a:sym typeface="Courier New"/>
-            </a:endParaRPr>
-          </a:p>
-        </p:txBody>
-      </p:sp>
-    </p:spTree>
-  </p:cSld>
-  <p:clrMapOvr>
-    <a:masterClrMapping/>
-  </p:clrMapOvr>
-</p:sld>
-</file>
-
-<file path=ppt/slides/slide9.xml><?xml version="1.0" encoding="utf-8"?>
-<p:sld xmlns:a="http://schemas.openxmlformats.org/drawingml/2006/main" xmlns:r="http://schemas.openxmlformats.org/officeDocument/2006/relationships" xmlns:mc="http://schemas.openxmlformats.org/markup-compatibility/2006" xmlns:mv="urn:schemas-microsoft-com:mac:vml" xmlns:p="http://schemas.openxmlformats.org/presentationml/2006/main" xmlns:c="http://schemas.openxmlformats.org/drawingml/2006/chart" xmlns:dgm="http://schemas.openxmlformats.org/drawingml/2006/diagram" xmlns:o="urn:schemas-microsoft-com:office:office" xmlns:v="urn:schemas-microsoft-com:vml" xmlns:pvml="urn:schemas-microsoft-com:office:powerpoint" xmlns:com="http://schemas.openxmlformats.org/drawingml/2006/compatibility" xmlns:p14="http://schemas.microsoft.com/office/powerpoint/2010/main" xmlns:p15="http://schemas.microsoft.com/office/powerpoint/2012/main" xmlns:ahyp="http://schemas.microsoft.com/office/drawing/2018/hyperlinkcolor">
-  <p:cSld>
-    <p:spTree>
-      <p:nvGrpSpPr>
-        <p:cNvPr id="105" name="Shape 105"/>
-        <p:cNvGrpSpPr/>
-        <p:nvPr/>
-      </p:nvGrpSpPr>
-      <p:grpSpPr>
-        <a:xfrm>
-          <a:off x="0" y="0"/>
-          <a:ext cx="0" cy="0"/>
-          <a:chOff x="0" y="0"/>
-          <a:chExt cx="0" cy="0"/>
-        </a:xfrm>
-      </p:grpSpPr>
-      <p:sp>
-        <p:nvSpPr>
-          <p:cNvPr id="106" name="Google Shape;106;p21"/>
-          <p:cNvSpPr txBox="1"/>
-          <p:nvPr>
-            <p:ph type="title"/>
-          </p:nvPr>
-        </p:nvSpPr>
-        <p:spPr>
-          <a:xfrm>
-            <a:off x="0" y="0"/>
-            <a:ext cx="9144000" cy="572700"/>
-          </a:xfrm>
-          <a:prstGeom prst="rect">
-            <a:avLst/>
-          </a:prstGeom>
-        </p:spPr>
-        <p:txBody>
-          <a:bodyPr anchorCtr="0" anchor="t" bIns="91425" lIns="91425" spcFirstLastPara="1" rIns="91425" wrap="square" tIns="91425">
-            <a:noAutofit/>
-          </a:bodyPr>
-          <a:lstStyle/>
-          <a:p>
-            <a:pPr indent="0" lvl="0" marL="0" rtl="0" algn="l">
-              <a:spcBef>
-                <a:spcPts val="0"/>
-              </a:spcBef>
-              <a:spcAft>
-                <a:spcPts val="0"/>
-              </a:spcAft>
-              <a:buNone/>
-            </a:pPr>
-            <a:r>
-              <a:rPr lang="en" sz="3000">
-                <a:latin typeface="Times New Roman"/>
-                <a:ea typeface="Times New Roman"/>
-                <a:cs typeface="Times New Roman"/>
-                <a:sym typeface="Times New Roman"/>
-              </a:rPr>
-              <a:t>While Loop</a:t>
-            </a:r>
-            <a:endParaRPr sz="3000">
-              <a:latin typeface="Times New Roman"/>
-              <a:ea typeface="Times New Roman"/>
-              <a:cs typeface="Times New Roman"/>
-              <a:sym typeface="Times New Roman"/>
-            </a:endParaRPr>
-          </a:p>
-        </p:txBody>
-      </p:sp>
-      <p:sp>
-        <p:nvSpPr>
-          <p:cNvPr id="107" name="Google Shape;107;p21"/>
-          <p:cNvSpPr txBox="1"/>
-          <p:nvPr>
-            <p:ph idx="1" type="body"/>
-          </p:nvPr>
-        </p:nvSpPr>
-        <p:spPr>
-          <a:xfrm>
-            <a:off x="0" y="572700"/>
-            <a:ext cx="9144000" cy="4570800"/>
-          </a:xfrm>
-          <a:prstGeom prst="rect">
-            <a:avLst/>
-          </a:prstGeom>
-        </p:spPr>
-        <p:txBody>
-          <a:bodyPr anchorCtr="0" anchor="t" bIns="91425" lIns="91425" spcFirstLastPara="1" rIns="91425" wrap="square" tIns="91425">
-            <a:normAutofit/>
-          </a:bodyPr>
-          <a:lstStyle/>
-          <a:p>
-            <a:pPr indent="0" lvl="0" marL="12700" marR="259715" rtl="0" algn="l">
-              <a:lnSpc>
-                <a:spcPct val="88700"/>
-              </a:lnSpc>
-              <a:spcBef>
-                <a:spcPts val="0"/>
-              </a:spcBef>
-              <a:spcAft>
-                <a:spcPts val="0"/>
-              </a:spcAft>
-              <a:buClr>
-                <a:schemeClr val="dk1"/>
-              </a:buClr>
-              <a:buFont typeface="Arial"/>
-              <a:buNone/>
-            </a:pPr>
-            <a:r>
-              <a:rPr lang="en" sz="2000">
-                <a:solidFill>
-                  <a:schemeClr val="dk1"/>
-                </a:solidFill>
-                <a:latin typeface="Calibri"/>
-                <a:ea typeface="Calibri"/>
-                <a:cs typeface="Calibri"/>
-                <a:sym typeface="Calibri"/>
-              </a:rPr>
-              <a:t>Syntax:</a:t>
-            </a:r>
-            <a:endParaRPr b="1" sz="2000">
-              <a:solidFill>
-                <a:srgbClr val="FF0000"/>
-              </a:solidFill>
-              <a:latin typeface="Calibri"/>
-              <a:ea typeface="Calibri"/>
-              <a:cs typeface="Calibri"/>
-              <a:sym typeface="Calibri"/>
-            </a:endParaRPr>
-          </a:p>
-          <a:p>
-            <a:pPr indent="0" lvl="0" marL="12700" marR="259715" rtl="0" algn="l">
-              <a:lnSpc>
-                <a:spcPct val="88700"/>
-              </a:lnSpc>
-              <a:spcBef>
-                <a:spcPts val="0"/>
-              </a:spcBef>
-              <a:spcAft>
-                <a:spcPts val="0"/>
-              </a:spcAft>
-              <a:buClr>
-                <a:schemeClr val="dk1"/>
-              </a:buClr>
-              <a:buFont typeface="Arial"/>
-              <a:buNone/>
-            </a:pPr>
-            <a:r>
-              <a:t/>
-            </a:r>
-            <a:endParaRPr b="1" sz="2000">
-              <a:solidFill>
-                <a:srgbClr val="FF0000"/>
-              </a:solidFill>
-              <a:latin typeface="Calibri"/>
-              <a:ea typeface="Calibri"/>
-              <a:cs typeface="Calibri"/>
-              <a:sym typeface="Calibri"/>
-            </a:endParaRPr>
-          </a:p>
-          <a:p>
-            <a:pPr indent="0" lvl="0" marL="12700" marR="259715" rtl="0" algn="l">
-              <a:lnSpc>
-                <a:spcPct val="88700"/>
-              </a:lnSpc>
-              <a:spcBef>
-                <a:spcPts val="0"/>
-              </a:spcBef>
-              <a:spcAft>
-                <a:spcPts val="0"/>
-              </a:spcAft>
-              <a:buNone/>
-            </a:pPr>
-            <a:r>
-              <a:rPr b="1" lang="en">
-                <a:solidFill>
-                  <a:schemeClr val="dk1"/>
-                </a:solidFill>
-                <a:latin typeface="Courier New"/>
-                <a:ea typeface="Courier New"/>
-                <a:cs typeface="Courier New"/>
-                <a:sym typeface="Courier New"/>
-              </a:rPr>
-              <a:t>while (condition)</a:t>
-            </a:r>
-            <a:endParaRPr b="1">
-              <a:solidFill>
-                <a:schemeClr val="dk1"/>
-              </a:solidFill>
-              <a:latin typeface="Courier New"/>
-              <a:ea typeface="Courier New"/>
-              <a:cs typeface="Courier New"/>
-              <a:sym typeface="Courier New"/>
-            </a:endParaRPr>
-          </a:p>
-          <a:p>
-            <a:pPr indent="0" lvl="0" marL="12700" marR="259715" rtl="0" algn="l">
-              <a:lnSpc>
-                <a:spcPct val="88700"/>
-              </a:lnSpc>
-              <a:spcBef>
-                <a:spcPts val="0"/>
-              </a:spcBef>
-              <a:spcAft>
-                <a:spcPts val="0"/>
-              </a:spcAft>
-              <a:buClr>
-                <a:schemeClr val="dk1"/>
-              </a:buClr>
-              <a:buFont typeface="Arial"/>
-              <a:buNone/>
-            </a:pPr>
-            <a:r>
-              <a:rPr b="1" lang="en">
-                <a:solidFill>
-                  <a:schemeClr val="dk1"/>
-                </a:solidFill>
-                <a:latin typeface="Courier New"/>
-                <a:ea typeface="Courier New"/>
-                <a:cs typeface="Courier New"/>
-                <a:sym typeface="Courier New"/>
-              </a:rPr>
-              <a:t>{</a:t>
-            </a:r>
-            <a:endParaRPr b="1">
-              <a:solidFill>
-                <a:schemeClr val="dk1"/>
-              </a:solidFill>
-              <a:latin typeface="Courier New"/>
-              <a:ea typeface="Courier New"/>
-              <a:cs typeface="Courier New"/>
-              <a:sym typeface="Courier New"/>
-            </a:endParaRPr>
-          </a:p>
-          <a:p>
-            <a:pPr indent="0" lvl="0" marL="12700" marR="259715" rtl="0" algn="l">
-              <a:lnSpc>
-                <a:spcPct val="88700"/>
-              </a:lnSpc>
-              <a:spcBef>
-                <a:spcPts val="0"/>
-              </a:spcBef>
-              <a:spcAft>
-                <a:spcPts val="0"/>
-              </a:spcAft>
-              <a:buClr>
-                <a:schemeClr val="dk1"/>
-              </a:buClr>
-              <a:buFont typeface="Arial"/>
-              <a:buNone/>
-            </a:pPr>
-            <a:r>
-              <a:rPr b="1" lang="en">
-                <a:solidFill>
-                  <a:schemeClr val="dk1"/>
-                </a:solidFill>
-                <a:latin typeface="Courier New"/>
-                <a:ea typeface="Courier New"/>
-                <a:cs typeface="Courier New"/>
-                <a:sym typeface="Courier New"/>
-              </a:rPr>
-              <a:t>	// code block to be executed</a:t>
-            </a:r>
-            <a:endParaRPr b="1">
-              <a:solidFill>
-                <a:schemeClr val="dk1"/>
-              </a:solidFill>
-              <a:latin typeface="Courier New"/>
-              <a:ea typeface="Courier New"/>
-              <a:cs typeface="Courier New"/>
-              <a:sym typeface="Courier New"/>
-            </a:endParaRPr>
-          </a:p>
-          <a:p>
-            <a:pPr indent="0" lvl="0" marL="12700" marR="259715" rtl="0" algn="l">
-              <a:lnSpc>
-                <a:spcPct val="88700"/>
-              </a:lnSpc>
-              <a:spcBef>
-                <a:spcPts val="0"/>
-              </a:spcBef>
-              <a:spcAft>
-                <a:spcPts val="0"/>
-              </a:spcAft>
-              <a:buClr>
-                <a:schemeClr val="dk1"/>
-              </a:buClr>
-              <a:buFont typeface="Arial"/>
-              <a:buNone/>
-            </a:pPr>
-            <a:r>
-              <a:rPr b="1" lang="en">
-                <a:solidFill>
-                  <a:schemeClr val="dk1"/>
-                </a:solidFill>
-                <a:latin typeface="Courier New"/>
-                <a:ea typeface="Courier New"/>
-                <a:cs typeface="Courier New"/>
-                <a:sym typeface="Courier New"/>
-              </a:rPr>
-              <a:t>}</a:t>
-            </a:r>
-            <a:endParaRPr b="1">
-              <a:solidFill>
-                <a:schemeClr val="dk1"/>
-              </a:solidFill>
-              <a:latin typeface="Courier New"/>
-              <a:ea typeface="Courier New"/>
-              <a:cs typeface="Courier New"/>
-              <a:sym typeface="Courier New"/>
-            </a:endParaRPr>
-          </a:p>
-          <a:p>
-            <a:pPr indent="0" lvl="0" marL="12700" marR="259715" rtl="0" algn="l">
-              <a:lnSpc>
-                <a:spcPct val="88700"/>
-              </a:lnSpc>
-              <a:spcBef>
-                <a:spcPts val="0"/>
-              </a:spcBef>
-              <a:spcAft>
-                <a:spcPts val="0"/>
-              </a:spcAft>
-              <a:buClr>
-                <a:schemeClr val="dk1"/>
-              </a:buClr>
-              <a:buFont typeface="Arial"/>
-              <a:buNone/>
-            </a:pPr>
-            <a:r>
-              <a:t/>
-            </a:r>
-            <a:endParaRPr sz="2000">
-              <a:solidFill>
-                <a:schemeClr val="dk1"/>
-              </a:solidFill>
-              <a:latin typeface="Consolas"/>
-              <a:ea typeface="Consolas"/>
-              <a:cs typeface="Consolas"/>
-              <a:sym typeface="Consolas"/>
-            </a:endParaRPr>
-          </a:p>
-          <a:p>
-            <a:pPr indent="0" lvl="0" marL="12700" marR="259715" rtl="0" algn="l">
-              <a:lnSpc>
-                <a:spcPct val="88700"/>
-              </a:lnSpc>
-              <a:spcBef>
-                <a:spcPts val="0"/>
-              </a:spcBef>
-              <a:spcAft>
-                <a:spcPts val="0"/>
-              </a:spcAft>
-              <a:buClr>
-                <a:schemeClr val="dk1"/>
-              </a:buClr>
-              <a:buFont typeface="Arial"/>
-              <a:buNone/>
-            </a:pPr>
-            <a:r>
-              <a:t/>
-            </a:r>
-            <a:endParaRPr sz="2000">
-              <a:solidFill>
-                <a:schemeClr val="dk1"/>
-              </a:solidFill>
-              <a:latin typeface="Consolas"/>
-              <a:ea typeface="Consolas"/>
-              <a:cs typeface="Consolas"/>
-              <a:sym typeface="Consolas"/>
-            </a:endParaRPr>
-          </a:p>
-          <a:p>
-            <a:pPr indent="0" lvl="0" marL="12700" marR="259715" rtl="0" algn="l">
-              <a:lnSpc>
-                <a:spcPct val="88700"/>
-              </a:lnSpc>
-              <a:spcBef>
-                <a:spcPts val="0"/>
-              </a:spcBef>
-              <a:spcAft>
-                <a:spcPts val="0"/>
-              </a:spcAft>
-              <a:buClr>
-                <a:schemeClr val="dk1"/>
-              </a:buClr>
-              <a:buFont typeface="Arial"/>
-              <a:buNone/>
-            </a:pPr>
-            <a:r>
-              <a:rPr i="1" lang="en" sz="2000">
-                <a:solidFill>
-                  <a:schemeClr val="dk1"/>
-                </a:solidFill>
-                <a:latin typeface="Times New Roman"/>
-                <a:ea typeface="Times New Roman"/>
-                <a:cs typeface="Times New Roman"/>
-                <a:sym typeface="Times New Roman"/>
-              </a:rPr>
-              <a:t>where:</a:t>
-            </a:r>
-            <a:endParaRPr i="1" sz="2000">
-              <a:solidFill>
-                <a:schemeClr val="dk1"/>
-              </a:solidFill>
-              <a:latin typeface="Times New Roman"/>
-              <a:ea typeface="Times New Roman"/>
-              <a:cs typeface="Times New Roman"/>
-              <a:sym typeface="Times New Roman"/>
-            </a:endParaRPr>
-          </a:p>
-          <a:p>
-            <a:pPr indent="-342900" lvl="0" marL="355600" marR="259715" rtl="0" algn="l">
-              <a:lnSpc>
-                <a:spcPct val="88700"/>
-              </a:lnSpc>
-              <a:spcBef>
-                <a:spcPts val="0"/>
-              </a:spcBef>
-              <a:spcAft>
-                <a:spcPts val="0"/>
-              </a:spcAft>
-              <a:buClr>
-                <a:srgbClr val="BFBFBF"/>
-              </a:buClr>
-              <a:buSzPts val="2400"/>
-              <a:buChar char="•"/>
-            </a:pPr>
-            <a:r>
-              <a:rPr b="1" i="1" lang="en" sz="2000">
-                <a:solidFill>
-                  <a:schemeClr val="dk1"/>
-                </a:solidFill>
-                <a:latin typeface="Times New Roman"/>
-                <a:ea typeface="Times New Roman"/>
-                <a:cs typeface="Times New Roman"/>
-                <a:sym typeface="Times New Roman"/>
-              </a:rPr>
-              <a:t>Condition</a:t>
-            </a:r>
-            <a:r>
-              <a:rPr i="1" lang="en" sz="2000">
-                <a:solidFill>
-                  <a:schemeClr val="dk1"/>
-                </a:solidFill>
-                <a:latin typeface="Times New Roman"/>
-                <a:ea typeface="Times New Roman"/>
-                <a:cs typeface="Times New Roman"/>
-                <a:sym typeface="Times New Roman"/>
-              </a:rPr>
-              <a:t> is a logical expression for executing the code block</a:t>
-            </a:r>
-            <a:endParaRPr>
-              <a:solidFill>
-                <a:schemeClr val="dk1"/>
-              </a:solidFill>
-              <a:latin typeface="Times New Roman"/>
-              <a:ea typeface="Times New Roman"/>
-              <a:cs typeface="Times New Roman"/>
-              <a:sym typeface="Times New Roman"/>
-            </a:endParaRPr>
-          </a:p>
-        </p:txBody>
-      </p:sp>
     </p:spTree>
   </p:cSld>
   <p:clrMapOvr>
